--- a/NYC Crime 2006-Today.pptx
+++ b/NYC Crime 2006-Today.pptx
@@ -5,27 +5,29 @@
     <p:sldMasterId id="2147483669" r:id="rId4"/>
   </p:sldMasterIdLst>
   <p:notesMasterIdLst>
-    <p:notesMasterId r:id="rId20"/>
+    <p:notesMasterId r:id="rId22"/>
   </p:notesMasterIdLst>
   <p:handoutMasterIdLst>
-    <p:handoutMasterId r:id="rId21"/>
+    <p:handoutMasterId r:id="rId23"/>
   </p:handoutMasterIdLst>
   <p:sldIdLst>
     <p:sldId id="256" r:id="rId5"/>
-    <p:sldId id="258" r:id="rId6"/>
-    <p:sldId id="269" r:id="rId7"/>
-    <p:sldId id="259" r:id="rId8"/>
+    <p:sldId id="275" r:id="rId6"/>
+    <p:sldId id="258" r:id="rId7"/>
+    <p:sldId id="269" r:id="rId8"/>
     <p:sldId id="267" r:id="rId9"/>
-    <p:sldId id="272" r:id="rId10"/>
-    <p:sldId id="273" r:id="rId11"/>
-    <p:sldId id="268" r:id="rId12"/>
-    <p:sldId id="260" r:id="rId13"/>
-    <p:sldId id="261" r:id="rId14"/>
-    <p:sldId id="270" r:id="rId15"/>
-    <p:sldId id="262" r:id="rId16"/>
-    <p:sldId id="263" r:id="rId17"/>
-    <p:sldId id="264" r:id="rId18"/>
-    <p:sldId id="266" r:id="rId19"/>
+    <p:sldId id="259" r:id="rId10"/>
+    <p:sldId id="272" r:id="rId11"/>
+    <p:sldId id="273" r:id="rId12"/>
+    <p:sldId id="268" r:id="rId13"/>
+    <p:sldId id="260" r:id="rId14"/>
+    <p:sldId id="261" r:id="rId15"/>
+    <p:sldId id="270" r:id="rId16"/>
+    <p:sldId id="262" r:id="rId17"/>
+    <p:sldId id="263" r:id="rId18"/>
+    <p:sldId id="264" r:id="rId19"/>
+    <p:sldId id="266" r:id="rId20"/>
+    <p:sldId id="274" r:id="rId21"/>
   </p:sldIdLst>
   <p:sldSz cx="12192000" cy="6858000"/>
   <p:notesSz cx="6858000" cy="9144000"/>
@@ -138,7 +140,7 @@
 <file path=ppt/revisionInfo.xml><?xml version="1.0" encoding="utf-8"?>
 <p1510:revInfo xmlns:a="http://schemas.openxmlformats.org/drawingml/2006/main" xmlns:r="http://schemas.openxmlformats.org/officeDocument/2006/relationships" xmlns:p1510="http://schemas.microsoft.com/office/powerpoint/2015/10/main">
   <p1510:revLst>
-    <p1510:client id="{0FB3F2F0-15DA-497C-B605-90259E0A76A4}" v="276" dt="2020-07-19T19:53:43.383"/>
+    <p1510:client id="{0FB3F2F0-15DA-497C-B605-90259E0A76A4}" v="312" dt="2020-07-21T23:47:14.281"/>
   </p1510:revLst>
 </p1510:revInfo>
 </file>
@@ -906,11 +908,14 @@
     </dgm:pt>
     <dgm:pt modelId="{6857B86A-DEC1-407C-A1BB-5BF9ACCBCA6A}">
       <dgm:prSet phldrT="[Text]" custT="1"/>
-      <dgm:spPr/>
+      <dgm:spPr>
+        <a:noFill/>
+      </dgm:spPr>
       <dgm:t>
         <a:bodyPr/>
         <a:lstStyle/>
         <a:p>
+          <a:pPr algn="l"/>
           <a:r>
             <a:rPr lang="en-US" sz="3000" b="1" dirty="0">
               <a:solidFill>
@@ -949,7 +954,9 @@
     </dgm:pt>
     <dgm:pt modelId="{4C8BFA56-3F75-4CAD-90A3-2F214D699322}">
       <dgm:prSet phldrT="[Text]" custT="1"/>
-      <dgm:spPr/>
+      <dgm:spPr>
+        <a:noFill/>
+      </dgm:spPr>
       <dgm:t>
         <a:bodyPr/>
         <a:lstStyle/>
@@ -960,6 +967,9 @@
           </a:pPr>
           <a:r>
             <a:rPr lang="en-US" sz="2500" dirty="0">
+              <a:solidFill>
+                <a:schemeClr val="tx1"/>
+              </a:solidFill>
               <a:latin typeface="Tahoma" panose="020B0604030504040204" pitchFamily="34" charset="0"/>
               <a:ea typeface="Tahoma" panose="020B0604030504040204" pitchFamily="34" charset="0"/>
               <a:cs typeface="Tahoma" panose="020B0604030504040204" pitchFamily="34" charset="0"/>
@@ -993,7 +1003,9 @@
     </dgm:pt>
     <dgm:pt modelId="{B6B39D33-D046-47BE-829F-7DE9C1355A93}">
       <dgm:prSet phldrT="[Text]" custT="1"/>
-      <dgm:spPr/>
+      <dgm:spPr>
+        <a:noFill/>
+      </dgm:spPr>
       <dgm:t>
         <a:bodyPr/>
         <a:lstStyle/>
@@ -1004,6 +1016,9 @@
           </a:pPr>
           <a:r>
             <a:rPr lang="en-US" sz="2500" dirty="0">
+              <a:solidFill>
+                <a:schemeClr val="tx1"/>
+              </a:solidFill>
               <a:latin typeface="Tahoma" panose="020B0604030504040204" pitchFamily="34" charset="0"/>
               <a:ea typeface="Tahoma" panose="020B0604030504040204" pitchFamily="34" charset="0"/>
               <a:cs typeface="Tahoma" panose="020B0604030504040204" pitchFamily="34" charset="0"/>
@@ -1037,7 +1052,9 @@
     </dgm:pt>
     <dgm:pt modelId="{6C053564-D9A1-4DFC-818F-5B73C5AB8F60}">
       <dgm:prSet phldrT="[Text]" custT="1"/>
-      <dgm:spPr/>
+      <dgm:spPr>
+        <a:noFill/>
+      </dgm:spPr>
       <dgm:t>
         <a:bodyPr/>
         <a:lstStyle/>
@@ -1048,11 +1065,14 @@
           </a:pPr>
           <a:r>
             <a:rPr lang="en-US" sz="2500" dirty="0">
+              <a:solidFill>
+                <a:schemeClr val="tx1"/>
+              </a:solidFill>
               <a:latin typeface="Tahoma" panose="020B0604030504040204" pitchFamily="34" charset="0"/>
               <a:ea typeface="Tahoma" panose="020B0604030504040204" pitchFamily="34" charset="0"/>
               <a:cs typeface="Tahoma" panose="020B0604030504040204" pitchFamily="34" charset="0"/>
             </a:rPr>
-            <a:t>Shooting Data 2020</a:t>
+            <a:t>Shooting Data 2020 (January – June)</a:t>
           </a:r>
         </a:p>
       </dgm:t>
@@ -1081,7 +1101,9 @@
     </dgm:pt>
     <dgm:pt modelId="{5F813D1C-007F-4641-B7D8-C492BDE724FD}">
       <dgm:prSet phldrT="[Text]" custT="1"/>
-      <dgm:spPr/>
+      <dgm:spPr>
+        <a:noFill/>
+      </dgm:spPr>
       <dgm:t>
         <a:bodyPr/>
         <a:lstStyle/>
@@ -1092,6 +1114,9 @@
           </a:pPr>
           <a:r>
             <a:rPr lang="en-US" sz="2500" dirty="0">
+              <a:solidFill>
+                <a:schemeClr val="tx1"/>
+              </a:solidFill>
               <a:latin typeface="Tahoma" panose="020B0604030504040204" pitchFamily="34" charset="0"/>
               <a:ea typeface="Tahoma" panose="020B0604030504040204" pitchFamily="34" charset="0"/>
               <a:cs typeface="Tahoma" panose="020B0604030504040204" pitchFamily="34" charset="0"/>
@@ -1197,20 +1222,13 @@
       </dsp:nvSpPr>
       <dsp:spPr>
         <a:xfrm>
-          <a:off x="0" y="10543"/>
-          <a:ext cx="3935451" cy="1574180"/>
+          <a:off x="0" y="0"/>
+          <a:ext cx="8082022" cy="1555200"/>
         </a:xfrm>
         <a:prstGeom prst="rect">
           <a:avLst/>
         </a:prstGeom>
-        <a:solidFill>
-          <a:schemeClr val="accent1">
-            <a:hueOff val="0"/>
-            <a:satOff val="0"/>
-            <a:lumOff val="0"/>
-            <a:alphaOff val="0"/>
-          </a:schemeClr>
-        </a:solidFill>
+        <a:noFill/>
         <a:ln w="15875" cap="flat" cmpd="sng" algn="ctr">
           <a:solidFill>
             <a:schemeClr val="accent1">
@@ -1244,7 +1262,7 @@
         </a:bodyPr>
         <a:lstStyle/>
         <a:p>
-          <a:pPr marL="0" lvl="0" indent="0" algn="ctr" defTabSz="1333500">
+          <a:pPr marL="0" lvl="0" indent="0" algn="l" defTabSz="1333500">
             <a:lnSpc>
               <a:spcPct val="90000"/>
             </a:lnSpc>
@@ -1270,8 +1288,8 @@
         </a:p>
       </dsp:txBody>
       <dsp:txXfrm>
-        <a:off x="0" y="10543"/>
-        <a:ext cx="3935451" cy="1574180"/>
+        <a:off x="0" y="0"/>
+        <a:ext cx="8082022" cy="1555200"/>
       </dsp:txXfrm>
     </dsp:sp>
     <dsp:sp modelId="{17CA1487-CDD9-4364-92F6-A11DBDAFE16C}">
@@ -1281,22 +1299,13 @@
       </dsp:nvSpPr>
       <dsp:spPr>
         <a:xfrm>
-          <a:off x="0" y="1605818"/>
-          <a:ext cx="3935451" cy="2854800"/>
+          <a:off x="0" y="1563999"/>
+          <a:ext cx="8082022" cy="2371680"/>
         </a:xfrm>
         <a:prstGeom prst="rect">
           <a:avLst/>
         </a:prstGeom>
-        <a:solidFill>
-          <a:schemeClr val="accent1">
-            <a:alpha val="90000"/>
-            <a:tint val="40000"/>
-            <a:hueOff val="0"/>
-            <a:satOff val="0"/>
-            <a:lumOff val="0"/>
-            <a:alphaOff val="0"/>
-          </a:schemeClr>
-        </a:solidFill>
+        <a:noFill/>
         <a:ln w="15875" cap="flat" cmpd="sng" algn="ctr">
           <a:solidFill>
             <a:schemeClr val="accent1">
@@ -1345,6 +1354,9 @@
           </a:pPr>
           <a:r>
             <a:rPr lang="en-US" sz="2500" kern="1200" dirty="0">
+              <a:solidFill>
+                <a:schemeClr val="tx1"/>
+              </a:solidFill>
               <a:latin typeface="Tahoma" panose="020B0604030504040204" pitchFamily="34" charset="0"/>
               <a:ea typeface="Tahoma" panose="020B0604030504040204" pitchFamily="34" charset="0"/>
               <a:cs typeface="Tahoma" panose="020B0604030504040204" pitchFamily="34" charset="0"/>
@@ -1368,11 +1380,14 @@
           </a:pPr>
           <a:r>
             <a:rPr lang="en-US" sz="2500" kern="1200" dirty="0">
+              <a:solidFill>
+                <a:schemeClr val="tx1"/>
+              </a:solidFill>
               <a:latin typeface="Tahoma" panose="020B0604030504040204" pitchFamily="34" charset="0"/>
               <a:ea typeface="Tahoma" panose="020B0604030504040204" pitchFamily="34" charset="0"/>
               <a:cs typeface="Tahoma" panose="020B0604030504040204" pitchFamily="34" charset="0"/>
             </a:rPr>
-            <a:t>Shooting Data 2020</a:t>
+            <a:t>Shooting Data 2020 (January – June)</a:t>
           </a:r>
         </a:p>
         <a:p>
@@ -1391,6 +1406,9 @@
           </a:pPr>
           <a:r>
             <a:rPr lang="en-US" sz="2500" kern="1200" dirty="0">
+              <a:solidFill>
+                <a:schemeClr val="tx1"/>
+              </a:solidFill>
               <a:latin typeface="Tahoma" panose="020B0604030504040204" pitchFamily="34" charset="0"/>
               <a:ea typeface="Tahoma" panose="020B0604030504040204" pitchFamily="34" charset="0"/>
               <a:cs typeface="Tahoma" panose="020B0604030504040204" pitchFamily="34" charset="0"/>
@@ -1414,6 +1432,9 @@
           </a:pPr>
           <a:r>
             <a:rPr lang="en-US" sz="2500" kern="1200" dirty="0">
+              <a:solidFill>
+                <a:schemeClr val="tx1"/>
+              </a:solidFill>
               <a:latin typeface="Tahoma" panose="020B0604030504040204" pitchFamily="34" charset="0"/>
               <a:ea typeface="Tahoma" panose="020B0604030504040204" pitchFamily="34" charset="0"/>
               <a:cs typeface="Tahoma" panose="020B0604030504040204" pitchFamily="34" charset="0"/>
@@ -1423,8 +1444,8 @@
         </a:p>
       </dsp:txBody>
       <dsp:txXfrm>
-        <a:off x="0" y="1605818"/>
-        <a:ext cx="3935451" cy="2854800"/>
+        <a:off x="0" y="1563999"/>
+        <a:ext cx="8082022" cy="2371680"/>
       </dsp:txXfrm>
     </dsp:sp>
   </dsp:spTree>
@@ -2776,7 +2797,7 @@
           <a:p>
             <a:fld id="{2B85766F-5EC0-4797-B4D1-777FCB005B11}" type="datetimeFigureOut">
               <a:rPr lang="en-US" smtClean="0"/>
-              <a:t>7/19/2020</a:t>
+              <a:t>7/21/2020</a:t>
             </a:fld>
             <a:endParaRPr lang="en-US" dirty="0"/>
           </a:p>
@@ -2953,7 +2974,7 @@
           <a:p>
             <a:fld id="{B2B4B5EC-152C-4627-80C0-63B10D5574EF}" type="datetimeFigureOut">
               <a:rPr lang="en-US" smtClean="0"/>
-              <a:t>7/19/2020</a:t>
+              <a:t>7/21/2020</a:t>
             </a:fld>
             <a:endParaRPr lang="en-US" dirty="0"/>
           </a:p>
@@ -3277,7 +3298,7 @@
           <a:noFill/>
           <a:extLst>
             <a:ext uri="{909E8E84-426E-40dd-AFC4-6F175D3DCCD1}">
-              <a14:hiddenFill xmlns:a14="http://schemas.microsoft.com/office/drawing/2010/main" xmlns="">
+              <a14:hiddenFill xmlns="" xmlns:a14="http://schemas.microsoft.com/office/drawing/2010/main">
                 <a:solidFill>
                   <a:srgbClr val="FFFFFF"/>
                 </a:solidFill>
@@ -3336,7 +3357,7 @@
             </a:ln>
             <a:extLst>
               <a:ext uri="{91240B29-F687-4f45-9708-019B960494DF}">
-                <a14:hiddenLine xmlns:a14="http://schemas.microsoft.com/office/drawing/2010/main" xmlns="" w="9525">
+                <a14:hiddenLine xmlns="" xmlns:a14="http://schemas.microsoft.com/office/drawing/2010/main" w="9525">
                   <a:solidFill>
                     <a:srgbClr val="000000"/>
                   </a:solidFill>
@@ -3426,7 +3447,7 @@
             </a:ln>
             <a:extLst>
               <a:ext uri="{91240B29-F687-4f45-9708-019B960494DF}">
-                <a14:hiddenLine xmlns:a14="http://schemas.microsoft.com/office/drawing/2010/main" xmlns="" w="9525">
+                <a14:hiddenLine xmlns="" xmlns:a14="http://schemas.microsoft.com/office/drawing/2010/main" w="9525">
                   <a:solidFill>
                     <a:srgbClr val="000000"/>
                   </a:solidFill>
@@ -3516,7 +3537,7 @@
             </a:ln>
             <a:extLst>
               <a:ext uri="{91240B29-F687-4f45-9708-019B960494DF}">
-                <a14:hiddenLine xmlns:a14="http://schemas.microsoft.com/office/drawing/2010/main" xmlns="" w="9525">
+                <a14:hiddenLine xmlns="" xmlns:a14="http://schemas.microsoft.com/office/drawing/2010/main" w="9525">
                   <a:solidFill>
                     <a:srgbClr val="000000"/>
                   </a:solidFill>
@@ -3550,7 +3571,7 @@
             </a:ln>
             <a:extLst>
               <a:ext uri="{91240B29-F687-4f45-9708-019B960494DF}">
-                <a14:hiddenLine xmlns:a14="http://schemas.microsoft.com/office/drawing/2010/main" xmlns="" w="9525">
+                <a14:hiddenLine xmlns="" xmlns:a14="http://schemas.microsoft.com/office/drawing/2010/main" w="9525">
                   <a:solidFill>
                     <a:srgbClr val="000000"/>
                   </a:solidFill>
@@ -3640,7 +3661,7 @@
             </a:ln>
             <a:extLst>
               <a:ext uri="{91240B29-F687-4f45-9708-019B960494DF}">
-                <a14:hiddenLine xmlns:a14="http://schemas.microsoft.com/office/drawing/2010/main" xmlns="" w="9525">
+                <a14:hiddenLine xmlns="" xmlns:a14="http://schemas.microsoft.com/office/drawing/2010/main" w="9525">
                   <a:solidFill>
                     <a:srgbClr val="000000"/>
                   </a:solidFill>
@@ -3702,7 +3723,7 @@
             </a:ln>
             <a:extLst>
               <a:ext uri="{91240B29-F687-4f45-9708-019B960494DF}">
-                <a14:hiddenLine xmlns:a14="http://schemas.microsoft.com/office/drawing/2010/main" xmlns="" w="9525">
+                <a14:hiddenLine xmlns="" xmlns:a14="http://schemas.microsoft.com/office/drawing/2010/main" w="9525">
                   <a:solidFill>
                     <a:srgbClr val="000000"/>
                   </a:solidFill>
@@ -3764,7 +3785,7 @@
             </a:ln>
             <a:extLst>
               <a:ext uri="{91240B29-F687-4f45-9708-019B960494DF}">
-                <a14:hiddenLine xmlns:a14="http://schemas.microsoft.com/office/drawing/2010/main" xmlns="" w="9525">
+                <a14:hiddenLine xmlns="" xmlns:a14="http://schemas.microsoft.com/office/drawing/2010/main" w="9525">
                   <a:solidFill>
                     <a:srgbClr val="000000"/>
                   </a:solidFill>
@@ -3854,7 +3875,7 @@
             </a:ln>
             <a:extLst>
               <a:ext uri="{91240B29-F687-4f45-9708-019B960494DF}">
-                <a14:hiddenLine xmlns:a14="http://schemas.microsoft.com/office/drawing/2010/main" xmlns="" w="9525">
+                <a14:hiddenLine xmlns="" xmlns:a14="http://schemas.microsoft.com/office/drawing/2010/main" w="9525">
                   <a:solidFill>
                     <a:srgbClr val="000000"/>
                   </a:solidFill>
@@ -3916,7 +3937,7 @@
             </a:ln>
             <a:extLst>
               <a:ext uri="{91240B29-F687-4f45-9708-019B960494DF}">
-                <a14:hiddenLine xmlns:a14="http://schemas.microsoft.com/office/drawing/2010/main" xmlns="" w="9525">
+                <a14:hiddenLine xmlns="" xmlns:a14="http://schemas.microsoft.com/office/drawing/2010/main" w="9525">
                   <a:solidFill>
                     <a:srgbClr val="000000"/>
                   </a:solidFill>
@@ -3978,7 +3999,7 @@
             </a:ln>
             <a:extLst>
               <a:ext uri="{91240B29-F687-4f45-9708-019B960494DF}">
-                <a14:hiddenLine xmlns:a14="http://schemas.microsoft.com/office/drawing/2010/main" xmlns="" w="9525">
+                <a14:hiddenLine xmlns="" xmlns:a14="http://schemas.microsoft.com/office/drawing/2010/main" w="9525">
                   <a:solidFill>
                     <a:srgbClr val="000000"/>
                   </a:solidFill>
@@ -4068,7 +4089,7 @@
             </a:ln>
             <a:extLst>
               <a:ext uri="{91240B29-F687-4f45-9708-019B960494DF}">
-                <a14:hiddenLine xmlns:a14="http://schemas.microsoft.com/office/drawing/2010/main" xmlns="" w="9525">
+                <a14:hiddenLine xmlns="" xmlns:a14="http://schemas.microsoft.com/office/drawing/2010/main" w="9525">
                   <a:solidFill>
                     <a:srgbClr val="000000"/>
                   </a:solidFill>
@@ -4158,7 +4179,7 @@
             </a:ln>
             <a:extLst>
               <a:ext uri="{91240B29-F687-4f45-9708-019B960494DF}">
-                <a14:hiddenLine xmlns:a14="http://schemas.microsoft.com/office/drawing/2010/main" xmlns="" w="9525">
+                <a14:hiddenLine xmlns="" xmlns:a14="http://schemas.microsoft.com/office/drawing/2010/main" w="9525">
                   <a:solidFill>
                     <a:srgbClr val="000000"/>
                   </a:solidFill>
@@ -4220,7 +4241,7 @@
             </a:ln>
             <a:extLst>
               <a:ext uri="{91240B29-F687-4f45-9708-019B960494DF}">
-                <a14:hiddenLine xmlns:a14="http://schemas.microsoft.com/office/drawing/2010/main" xmlns="" w="9525">
+                <a14:hiddenLine xmlns="" xmlns:a14="http://schemas.microsoft.com/office/drawing/2010/main" w="9525">
                   <a:solidFill>
                     <a:srgbClr val="000000"/>
                   </a:solidFill>
@@ -4330,7 +4351,7 @@
             </a:ln>
             <a:extLst>
               <a:ext uri="{91240B29-F687-4f45-9708-019B960494DF}">
-                <a14:hiddenLine xmlns:a14="http://schemas.microsoft.com/office/drawing/2010/main" xmlns="" w="9525">
+                <a14:hiddenLine xmlns="" xmlns:a14="http://schemas.microsoft.com/office/drawing/2010/main" w="9525">
                   <a:solidFill>
                     <a:srgbClr val="000000"/>
                   </a:solidFill>
@@ -4392,7 +4413,7 @@
             </a:ln>
             <a:extLst>
               <a:ext uri="{91240B29-F687-4f45-9708-019B960494DF}">
-                <a14:hiddenLine xmlns:a14="http://schemas.microsoft.com/office/drawing/2010/main" xmlns="" w="9525">
+                <a14:hiddenLine xmlns="" xmlns:a14="http://schemas.microsoft.com/office/drawing/2010/main" w="9525">
                   <a:solidFill>
                     <a:srgbClr val="000000"/>
                   </a:solidFill>
@@ -4482,7 +4503,7 @@
             </a:ln>
             <a:extLst>
               <a:ext uri="{91240B29-F687-4f45-9708-019B960494DF}">
-                <a14:hiddenLine xmlns:a14="http://schemas.microsoft.com/office/drawing/2010/main" xmlns="" w="9525">
+                <a14:hiddenLine xmlns="" xmlns:a14="http://schemas.microsoft.com/office/drawing/2010/main" w="9525">
                   <a:solidFill>
                     <a:srgbClr val="000000"/>
                   </a:solidFill>
@@ -4572,7 +4593,7 @@
             </a:ln>
             <a:extLst>
               <a:ext uri="{91240B29-F687-4f45-9708-019B960494DF}">
-                <a14:hiddenLine xmlns:a14="http://schemas.microsoft.com/office/drawing/2010/main" xmlns="" w="9525">
+                <a14:hiddenLine xmlns="" xmlns:a14="http://schemas.microsoft.com/office/drawing/2010/main" w="9525">
                   <a:solidFill>
                     <a:srgbClr val="000000"/>
                   </a:solidFill>
@@ -4634,7 +4655,7 @@
             </a:ln>
             <a:extLst>
               <a:ext uri="{91240B29-F687-4f45-9708-019B960494DF}">
-                <a14:hiddenLine xmlns:a14="http://schemas.microsoft.com/office/drawing/2010/main" xmlns="" w="9525">
+                <a14:hiddenLine xmlns="" xmlns:a14="http://schemas.microsoft.com/office/drawing/2010/main" w="9525">
                   <a:solidFill>
                     <a:srgbClr val="000000"/>
                   </a:solidFill>
@@ -4724,7 +4745,7 @@
             </a:ln>
             <a:extLst>
               <a:ext uri="{91240B29-F687-4f45-9708-019B960494DF}">
-                <a14:hiddenLine xmlns:a14="http://schemas.microsoft.com/office/drawing/2010/main" xmlns="" w="9525">
+                <a14:hiddenLine xmlns="" xmlns:a14="http://schemas.microsoft.com/office/drawing/2010/main" w="9525">
                   <a:solidFill>
                     <a:srgbClr val="000000"/>
                   </a:solidFill>
@@ -4814,7 +4835,7 @@
             </a:ln>
             <a:extLst>
               <a:ext uri="{91240B29-F687-4f45-9708-019B960494DF}">
-                <a14:hiddenLine xmlns:a14="http://schemas.microsoft.com/office/drawing/2010/main" xmlns="" w="9525">
+                <a14:hiddenLine xmlns="" xmlns:a14="http://schemas.microsoft.com/office/drawing/2010/main" w="9525">
                   <a:solidFill>
                     <a:srgbClr val="000000"/>
                   </a:solidFill>
@@ -4870,7 +4891,7 @@
             </a:ln>
             <a:extLst>
               <a:ext uri="{91240B29-F687-4f45-9708-019B960494DF}">
-                <a14:hiddenLine xmlns:a14="http://schemas.microsoft.com/office/drawing/2010/main" xmlns="" w="9525">
+                <a14:hiddenLine xmlns="" xmlns:a14="http://schemas.microsoft.com/office/drawing/2010/main" w="9525">
                   <a:solidFill>
                     <a:srgbClr val="000000"/>
                   </a:solidFill>
@@ -4960,7 +4981,7 @@
             </a:ln>
             <a:extLst>
               <a:ext uri="{91240B29-F687-4f45-9708-019B960494DF}">
-                <a14:hiddenLine xmlns:a14="http://schemas.microsoft.com/office/drawing/2010/main" xmlns="" w="9525">
+                <a14:hiddenLine xmlns="" xmlns:a14="http://schemas.microsoft.com/office/drawing/2010/main" w="9525">
                   <a:solidFill>
                     <a:srgbClr val="000000"/>
                   </a:solidFill>
@@ -5016,7 +5037,7 @@
             </a:ln>
             <a:extLst>
               <a:ext uri="{91240B29-F687-4f45-9708-019B960494DF}">
-                <a14:hiddenLine xmlns:a14="http://schemas.microsoft.com/office/drawing/2010/main" xmlns="" w="9525">
+                <a14:hiddenLine xmlns="" xmlns:a14="http://schemas.microsoft.com/office/drawing/2010/main" w="9525">
                   <a:solidFill>
                     <a:srgbClr val="000000"/>
                   </a:solidFill>
@@ -5106,7 +5127,7 @@
             </a:ln>
             <a:extLst>
               <a:ext uri="{91240B29-F687-4f45-9708-019B960494DF}">
-                <a14:hiddenLine xmlns:a14="http://schemas.microsoft.com/office/drawing/2010/main" xmlns="" w="9525">
+                <a14:hiddenLine xmlns="" xmlns:a14="http://schemas.microsoft.com/office/drawing/2010/main" w="9525">
                   <a:solidFill>
                     <a:srgbClr val="000000"/>
                   </a:solidFill>
@@ -5174,7 +5195,7 @@
             </a:ln>
             <a:extLst>
               <a:ext uri="{91240B29-F687-4f45-9708-019B960494DF}">
-                <a14:hiddenLine xmlns:a14="http://schemas.microsoft.com/office/drawing/2010/main" xmlns="" w="9525">
+                <a14:hiddenLine xmlns="" xmlns:a14="http://schemas.microsoft.com/office/drawing/2010/main" w="9525">
                   <a:solidFill>
                     <a:srgbClr val="000000"/>
                   </a:solidFill>
@@ -5264,7 +5285,7 @@
             </a:ln>
             <a:extLst>
               <a:ext uri="{91240B29-F687-4f45-9708-019B960494DF}">
-                <a14:hiddenLine xmlns:a14="http://schemas.microsoft.com/office/drawing/2010/main" xmlns="" w="9525">
+                <a14:hiddenLine xmlns="" xmlns:a14="http://schemas.microsoft.com/office/drawing/2010/main" w="9525">
                   <a:solidFill>
                     <a:srgbClr val="000000"/>
                   </a:solidFill>
@@ -5332,7 +5353,7 @@
             </a:ln>
             <a:extLst>
               <a:ext uri="{91240B29-F687-4f45-9708-019B960494DF}">
-                <a14:hiddenLine xmlns:a14="http://schemas.microsoft.com/office/drawing/2010/main" xmlns="" w="9525">
+                <a14:hiddenLine xmlns="" xmlns:a14="http://schemas.microsoft.com/office/drawing/2010/main" w="9525">
                   <a:solidFill>
                     <a:srgbClr val="000000"/>
                   </a:solidFill>
@@ -5422,7 +5443,7 @@
             </a:ln>
             <a:extLst>
               <a:ext uri="{91240B29-F687-4f45-9708-019B960494DF}">
-                <a14:hiddenLine xmlns:a14="http://schemas.microsoft.com/office/drawing/2010/main" xmlns="" w="9525">
+                <a14:hiddenLine xmlns="" xmlns:a14="http://schemas.microsoft.com/office/drawing/2010/main" w="9525">
                   <a:solidFill>
                     <a:srgbClr val="000000"/>
                   </a:solidFill>
@@ -5456,7 +5477,7 @@
             </a:ln>
             <a:extLst>
               <a:ext uri="{91240B29-F687-4f45-9708-019B960494DF}">
-                <a14:hiddenLine xmlns:a14="http://schemas.microsoft.com/office/drawing/2010/main" xmlns="" w="9525">
+                <a14:hiddenLine xmlns="" xmlns:a14="http://schemas.microsoft.com/office/drawing/2010/main" w="9525">
                   <a:solidFill>
                     <a:srgbClr val="000000"/>
                   </a:solidFill>
@@ -5546,7 +5567,7 @@
             </a:ln>
             <a:extLst>
               <a:ext uri="{91240B29-F687-4f45-9708-019B960494DF}">
-                <a14:hiddenLine xmlns:a14="http://schemas.microsoft.com/office/drawing/2010/main" xmlns="" w="9525">
+                <a14:hiddenLine xmlns="" xmlns:a14="http://schemas.microsoft.com/office/drawing/2010/main" w="9525">
                   <a:solidFill>
                     <a:srgbClr val="000000"/>
                   </a:solidFill>
@@ -5608,7 +5629,7 @@
             </a:ln>
             <a:extLst>
               <a:ext uri="{91240B29-F687-4f45-9708-019B960494DF}">
-                <a14:hiddenLine xmlns:a14="http://schemas.microsoft.com/office/drawing/2010/main" xmlns="" w="9525">
+                <a14:hiddenLine xmlns="" xmlns:a14="http://schemas.microsoft.com/office/drawing/2010/main" w="9525">
                   <a:solidFill>
                     <a:srgbClr val="000000"/>
                   </a:solidFill>
@@ -5670,7 +5691,7 @@
             </a:ln>
             <a:extLst>
               <a:ext uri="{91240B29-F687-4f45-9708-019B960494DF}">
-                <a14:hiddenLine xmlns:a14="http://schemas.microsoft.com/office/drawing/2010/main" xmlns="" w="9525">
+                <a14:hiddenLine xmlns="" xmlns:a14="http://schemas.microsoft.com/office/drawing/2010/main" w="9525">
                   <a:solidFill>
                     <a:srgbClr val="000000"/>
                   </a:solidFill>
@@ -5760,7 +5781,7 @@
             </a:ln>
             <a:extLst>
               <a:ext uri="{91240B29-F687-4f45-9708-019B960494DF}">
-                <a14:hiddenLine xmlns:a14="http://schemas.microsoft.com/office/drawing/2010/main" xmlns="" w="9525">
+                <a14:hiddenLine xmlns="" xmlns:a14="http://schemas.microsoft.com/office/drawing/2010/main" w="9525">
                   <a:solidFill>
                     <a:srgbClr val="000000"/>
                   </a:solidFill>
@@ -5828,7 +5849,7 @@
             </a:ln>
             <a:extLst>
               <a:ext uri="{91240B29-F687-4f45-9708-019B960494DF}">
-                <a14:hiddenLine xmlns:a14="http://schemas.microsoft.com/office/drawing/2010/main" xmlns="" w="9525">
+                <a14:hiddenLine xmlns="" xmlns:a14="http://schemas.microsoft.com/office/drawing/2010/main" w="9525">
                   <a:solidFill>
                     <a:srgbClr val="000000"/>
                   </a:solidFill>
@@ -5890,7 +5911,7 @@
             </a:ln>
             <a:extLst>
               <a:ext uri="{91240B29-F687-4f45-9708-019B960494DF}">
-                <a14:hiddenLine xmlns:a14="http://schemas.microsoft.com/office/drawing/2010/main" xmlns="" w="9525">
+                <a14:hiddenLine xmlns="" xmlns:a14="http://schemas.microsoft.com/office/drawing/2010/main" w="9525">
                   <a:solidFill>
                     <a:srgbClr val="000000"/>
                   </a:solidFill>
@@ -5980,7 +6001,7 @@
             </a:ln>
             <a:extLst>
               <a:ext uri="{91240B29-F687-4f45-9708-019B960494DF}">
-                <a14:hiddenLine xmlns:a14="http://schemas.microsoft.com/office/drawing/2010/main" xmlns="" w="9525">
+                <a14:hiddenLine xmlns="" xmlns:a14="http://schemas.microsoft.com/office/drawing/2010/main" w="9525">
                   <a:solidFill>
                     <a:srgbClr val="000000"/>
                   </a:solidFill>
@@ -6042,7 +6063,7 @@
             </a:ln>
             <a:extLst>
               <a:ext uri="{91240B29-F687-4f45-9708-019B960494DF}">
-                <a14:hiddenLine xmlns:a14="http://schemas.microsoft.com/office/drawing/2010/main" xmlns="" w="9525">
+                <a14:hiddenLine xmlns="" xmlns:a14="http://schemas.microsoft.com/office/drawing/2010/main" w="9525">
                   <a:solidFill>
                     <a:srgbClr val="000000"/>
                   </a:solidFill>
@@ -6132,7 +6153,7 @@
             </a:ln>
             <a:extLst>
               <a:ext uri="{91240B29-F687-4f45-9708-019B960494DF}">
-                <a14:hiddenLine xmlns:a14="http://schemas.microsoft.com/office/drawing/2010/main" xmlns="" w="9525">
+                <a14:hiddenLine xmlns="" xmlns:a14="http://schemas.microsoft.com/office/drawing/2010/main" w="9525">
                   <a:solidFill>
                     <a:srgbClr val="000000"/>
                   </a:solidFill>
@@ -6194,7 +6215,7 @@
             </a:ln>
             <a:extLst>
               <a:ext uri="{91240B29-F687-4f45-9708-019B960494DF}">
-                <a14:hiddenLine xmlns:a14="http://schemas.microsoft.com/office/drawing/2010/main" xmlns="" w="9525">
+                <a14:hiddenLine xmlns="" xmlns:a14="http://schemas.microsoft.com/office/drawing/2010/main" w="9525">
                   <a:solidFill>
                     <a:srgbClr val="000000"/>
                   </a:solidFill>
@@ -6284,7 +6305,7 @@
             </a:ln>
             <a:extLst>
               <a:ext uri="{91240B29-F687-4f45-9708-019B960494DF}">
-                <a14:hiddenLine xmlns:a14="http://schemas.microsoft.com/office/drawing/2010/main" xmlns="" w="9525">
+                <a14:hiddenLine xmlns="" xmlns:a14="http://schemas.microsoft.com/office/drawing/2010/main" w="9525">
                   <a:solidFill>
                     <a:srgbClr val="000000"/>
                   </a:solidFill>
@@ -6318,7 +6339,7 @@
             </a:ln>
             <a:extLst>
               <a:ext uri="{91240B29-F687-4f45-9708-019B960494DF}">
-                <a14:hiddenLine xmlns:a14="http://schemas.microsoft.com/office/drawing/2010/main" xmlns="" w="9525">
+                <a14:hiddenLine xmlns="" xmlns:a14="http://schemas.microsoft.com/office/drawing/2010/main" w="9525">
                   <a:solidFill>
                     <a:srgbClr val="000000"/>
                   </a:solidFill>
@@ -6383,7 +6404,7 @@
             </a:ln>
             <a:extLst>
               <a:ext uri="{91240B29-F687-4f45-9708-019B960494DF}">
-                <a14:hiddenLine xmlns:a14="http://schemas.microsoft.com/office/drawing/2010/main" xmlns="" w="9525">
+                <a14:hiddenLine xmlns="" xmlns:a14="http://schemas.microsoft.com/office/drawing/2010/main" w="9525">
                   <a:solidFill>
                     <a:srgbClr val="000000"/>
                   </a:solidFill>
@@ -6473,7 +6494,7 @@
             </a:ln>
             <a:extLst>
               <a:ext uri="{91240B29-F687-4f45-9708-019B960494DF}">
-                <a14:hiddenLine xmlns:a14="http://schemas.microsoft.com/office/drawing/2010/main" xmlns="" w="9525">
+                <a14:hiddenLine xmlns="" xmlns:a14="http://schemas.microsoft.com/office/drawing/2010/main" w="9525">
                   <a:solidFill>
                     <a:srgbClr val="000000"/>
                   </a:solidFill>
@@ -6535,7 +6556,7 @@
             </a:ln>
             <a:extLst>
               <a:ext uri="{91240B29-F687-4f45-9708-019B960494DF}">
-                <a14:hiddenLine xmlns:a14="http://schemas.microsoft.com/office/drawing/2010/main" xmlns="" w="9525">
+                <a14:hiddenLine xmlns="" xmlns:a14="http://schemas.microsoft.com/office/drawing/2010/main" w="9525">
                   <a:solidFill>
                     <a:srgbClr val="000000"/>
                   </a:solidFill>
@@ -6625,7 +6646,7 @@
             </a:ln>
             <a:extLst>
               <a:ext uri="{91240B29-F687-4f45-9708-019B960494DF}">
-                <a14:hiddenLine xmlns:a14="http://schemas.microsoft.com/office/drawing/2010/main" xmlns="" w="9525">
+                <a14:hiddenLine xmlns="" xmlns:a14="http://schemas.microsoft.com/office/drawing/2010/main" w="9525">
                   <a:solidFill>
                     <a:srgbClr val="000000"/>
                   </a:solidFill>
@@ -6715,7 +6736,7 @@
             </a:ln>
             <a:extLst>
               <a:ext uri="{91240B29-F687-4f45-9708-019B960494DF}">
-                <a14:hiddenLine xmlns:a14="http://schemas.microsoft.com/office/drawing/2010/main" xmlns="" w="9525">
+                <a14:hiddenLine xmlns="" xmlns:a14="http://schemas.microsoft.com/office/drawing/2010/main" w="9525">
                   <a:solidFill>
                     <a:srgbClr val="000000"/>
                   </a:solidFill>
@@ -6780,7 +6801,7 @@
             </a:ln>
             <a:extLst>
               <a:ext uri="{91240B29-F687-4f45-9708-019B960494DF}">
-                <a14:hiddenLine xmlns:a14="http://schemas.microsoft.com/office/drawing/2010/main" xmlns="" w="9525">
+                <a14:hiddenLine xmlns="" xmlns:a14="http://schemas.microsoft.com/office/drawing/2010/main" w="9525">
                   <a:solidFill>
                     <a:srgbClr val="000000"/>
                   </a:solidFill>
@@ -6842,7 +6863,7 @@
             </a:ln>
             <a:extLst>
               <a:ext uri="{91240B29-F687-4f45-9708-019B960494DF}">
-                <a14:hiddenLine xmlns:a14="http://schemas.microsoft.com/office/drawing/2010/main" xmlns="" w="9525">
+                <a14:hiddenLine xmlns="" xmlns:a14="http://schemas.microsoft.com/office/drawing/2010/main" w="9525">
                   <a:solidFill>
                     <a:srgbClr val="000000"/>
                   </a:solidFill>
@@ -6932,7 +6953,7 @@
             </a:ln>
             <a:extLst>
               <a:ext uri="{91240B29-F687-4f45-9708-019B960494DF}">
-                <a14:hiddenLine xmlns:a14="http://schemas.microsoft.com/office/drawing/2010/main" xmlns="" w="9525">
+                <a14:hiddenLine xmlns="" xmlns:a14="http://schemas.microsoft.com/office/drawing/2010/main" w="9525">
                   <a:solidFill>
                     <a:srgbClr val="000000"/>
                   </a:solidFill>
@@ -7022,7 +7043,7 @@
             </a:ln>
             <a:extLst>
               <a:ext uri="{91240B29-F687-4f45-9708-019B960494DF}">
-                <a14:hiddenLine xmlns:a14="http://schemas.microsoft.com/office/drawing/2010/main" xmlns="" w="9525">
+                <a14:hiddenLine xmlns="" xmlns:a14="http://schemas.microsoft.com/office/drawing/2010/main" w="9525">
                   <a:solidFill>
                     <a:srgbClr val="000000"/>
                   </a:solidFill>
@@ -7084,7 +7105,7 @@
             </a:ln>
             <a:extLst>
               <a:ext uri="{91240B29-F687-4f45-9708-019B960494DF}">
-                <a14:hiddenLine xmlns:a14="http://schemas.microsoft.com/office/drawing/2010/main" xmlns="" w="9525">
+                <a14:hiddenLine xmlns="" xmlns:a14="http://schemas.microsoft.com/office/drawing/2010/main" w="9525">
                   <a:solidFill>
                     <a:srgbClr val="000000"/>
                   </a:solidFill>
@@ -7204,7 +7225,7 @@
             </a:ln>
             <a:extLst>
               <a:ext uri="{91240B29-F687-4f45-9708-019B960494DF}">
-                <a14:hiddenLine xmlns:a14="http://schemas.microsoft.com/office/drawing/2010/main" xmlns="" w="9525">
+                <a14:hiddenLine xmlns="" xmlns:a14="http://schemas.microsoft.com/office/drawing/2010/main" w="9525">
                   <a:solidFill>
                     <a:srgbClr val="000000"/>
                   </a:solidFill>
@@ -7272,7 +7293,7 @@
             </a:ln>
             <a:extLst>
               <a:ext uri="{91240B29-F687-4f45-9708-019B960494DF}">
-                <a14:hiddenLine xmlns:a14="http://schemas.microsoft.com/office/drawing/2010/main" xmlns="" w="9525">
+                <a14:hiddenLine xmlns="" xmlns:a14="http://schemas.microsoft.com/office/drawing/2010/main" w="9525">
                   <a:solidFill>
                     <a:srgbClr val="000000"/>
                   </a:solidFill>
@@ -7362,7 +7383,7 @@
             </a:ln>
             <a:extLst>
               <a:ext uri="{91240B29-F687-4f45-9708-019B960494DF}">
-                <a14:hiddenLine xmlns:a14="http://schemas.microsoft.com/office/drawing/2010/main" xmlns="" w="9525">
+                <a14:hiddenLine xmlns="" xmlns:a14="http://schemas.microsoft.com/office/drawing/2010/main" w="9525">
                   <a:solidFill>
                     <a:srgbClr val="000000"/>
                   </a:solidFill>
@@ -7502,7 +7523,7 @@
           <a:p>
             <a:fld id="{48A87A34-81AB-432B-8DAE-1953F412C126}" type="datetimeFigureOut">
               <a:rPr lang="en-US" smtClean="0"/>
-              <a:t>7/19/2020</a:t>
+              <a:t>7/21/2020</a:t>
             </a:fld>
             <a:endParaRPr lang="en-US" dirty="0"/>
           </a:p>
@@ -7769,7 +7790,7 @@
           <a:p>
             <a:fld id="{48A87A34-81AB-432B-8DAE-1953F412C126}" type="datetimeFigureOut">
               <a:rPr lang="en-US" smtClean="0"/>
-              <a:t>7/19/2020</a:t>
+              <a:t>7/21/2020</a:t>
             </a:fld>
             <a:endParaRPr lang="en-US" dirty="0"/>
           </a:p>
@@ -7965,7 +7986,7 @@
           <a:p>
             <a:fld id="{48A87A34-81AB-432B-8DAE-1953F412C126}" type="datetimeFigureOut">
               <a:rPr lang="en-US" smtClean="0"/>
-              <a:t>7/19/2020</a:t>
+              <a:t>7/21/2020</a:t>
             </a:fld>
             <a:endParaRPr lang="en-US" dirty="0"/>
           </a:p>
@@ -8228,7 +8249,7 @@
           <a:p>
             <a:fld id="{48A87A34-81AB-432B-8DAE-1953F412C126}" type="datetimeFigureOut">
               <a:rPr lang="en-US" smtClean="0"/>
-              <a:t>7/19/2020</a:t>
+              <a:t>7/21/2020</a:t>
             </a:fld>
             <a:endParaRPr lang="en-US" dirty="0"/>
           </a:p>
@@ -8662,7 +8683,7 @@
           <a:p>
             <a:fld id="{48A87A34-81AB-432B-8DAE-1953F412C126}" type="datetimeFigureOut">
               <a:rPr lang="en-US" smtClean="0"/>
-              <a:t>7/19/2020</a:t>
+              <a:t>7/21/2020</a:t>
             </a:fld>
             <a:endParaRPr lang="en-US" dirty="0"/>
           </a:p>
@@ -9208,7 +9229,7 @@
           <a:p>
             <a:fld id="{48A87A34-81AB-432B-8DAE-1953F412C126}" type="datetimeFigureOut">
               <a:rPr lang="en-US" smtClean="0"/>
-              <a:t>7/19/2020</a:t>
+              <a:t>7/21/2020</a:t>
             </a:fld>
             <a:endParaRPr lang="en-US" dirty="0"/>
           </a:p>
@@ -9928,7 +9949,7 @@
           <a:p>
             <a:fld id="{48A87A34-81AB-432B-8DAE-1953F412C126}" type="datetimeFigureOut">
               <a:rPr lang="en-US" smtClean="0"/>
-              <a:t>7/19/2020</a:t>
+              <a:t>7/21/2020</a:t>
             </a:fld>
             <a:endParaRPr lang="en-US" dirty="0"/>
           </a:p>
@@ -10098,7 +10119,7 @@
           <a:p>
             <a:fld id="{48A87A34-81AB-432B-8DAE-1953F412C126}" type="datetimeFigureOut">
               <a:rPr lang="en-US" smtClean="0"/>
-              <a:t>7/19/2020</a:t>
+              <a:t>7/21/2020</a:t>
             </a:fld>
             <a:endParaRPr lang="en-US" dirty="0"/>
           </a:p>
@@ -10278,7 +10299,7 @@
           <a:p>
             <a:fld id="{48A87A34-81AB-432B-8DAE-1953F412C126}" type="datetimeFigureOut">
               <a:rPr lang="en-US" smtClean="0"/>
-              <a:t>7/19/2020</a:t>
+              <a:t>7/21/2020</a:t>
             </a:fld>
             <a:endParaRPr lang="en-US" dirty="0"/>
           </a:p>
@@ -10448,7 +10469,7 @@
           <a:p>
             <a:fld id="{48A87A34-81AB-432B-8DAE-1953F412C126}" type="datetimeFigureOut">
               <a:rPr lang="en-US" smtClean="0"/>
-              <a:t>7/19/2020</a:t>
+              <a:t>7/21/2020</a:t>
             </a:fld>
             <a:endParaRPr lang="en-US" dirty="0"/>
           </a:p>
@@ -10698,7 +10719,7 @@
           <a:p>
             <a:fld id="{48A87A34-81AB-432B-8DAE-1953F412C126}" type="datetimeFigureOut">
               <a:rPr lang="en-US" smtClean="0"/>
-              <a:t>7/19/2020</a:t>
+              <a:t>7/21/2020</a:t>
             </a:fld>
             <a:endParaRPr lang="en-US" dirty="0"/>
           </a:p>
@@ -10930,7 +10951,7 @@
           <a:p>
             <a:fld id="{48A87A34-81AB-432B-8DAE-1953F412C126}" type="datetimeFigureOut">
               <a:rPr lang="en-US" smtClean="0"/>
-              <a:t>7/19/2020</a:t>
+              <a:t>7/21/2020</a:t>
             </a:fld>
             <a:endParaRPr lang="en-US" dirty="0"/>
           </a:p>
@@ -11311,7 +11332,7 @@
           <a:p>
             <a:fld id="{48A87A34-81AB-432B-8DAE-1953F412C126}" type="datetimeFigureOut">
               <a:rPr lang="en-US" smtClean="0"/>
-              <a:t>7/19/2020</a:t>
+              <a:t>7/21/2020</a:t>
             </a:fld>
             <a:endParaRPr lang="en-US" dirty="0"/>
           </a:p>
@@ -11429,7 +11450,7 @@
           <a:p>
             <a:fld id="{48A87A34-81AB-432B-8DAE-1953F412C126}" type="datetimeFigureOut">
               <a:rPr lang="en-US" smtClean="0"/>
-              <a:t>7/19/2020</a:t>
+              <a:t>7/21/2020</a:t>
             </a:fld>
             <a:endParaRPr lang="en-US" dirty="0"/>
           </a:p>
@@ -11524,7 +11545,7 @@
           <a:p>
             <a:fld id="{48A87A34-81AB-432B-8DAE-1953F412C126}" type="datetimeFigureOut">
               <a:rPr lang="en-US" smtClean="0"/>
-              <a:t>7/19/2020</a:t>
+              <a:t>7/21/2020</a:t>
             </a:fld>
             <a:endParaRPr lang="en-US" dirty="0"/>
           </a:p>
@@ -11773,7 +11794,7 @@
           <a:p>
             <a:fld id="{48A87A34-81AB-432B-8DAE-1953F412C126}" type="datetimeFigureOut">
               <a:rPr lang="en-US" smtClean="0"/>
-              <a:t>7/19/2020</a:t>
+              <a:t>7/21/2020</a:t>
             </a:fld>
             <a:endParaRPr lang="en-US" dirty="0"/>
           </a:p>
@@ -12053,7 +12074,7 @@
           <a:p>
             <a:fld id="{48A87A34-81AB-432B-8DAE-1953F412C126}" type="datetimeFigureOut">
               <a:rPr lang="en-US" smtClean="0"/>
-              <a:t>7/19/2020</a:t>
+              <a:t>7/21/2020</a:t>
             </a:fld>
             <a:endParaRPr lang="en-US" dirty="0"/>
           </a:p>
@@ -12176,7 +12197,7 @@
           <a:noFill/>
           <a:extLst>
             <a:ext uri="{909E8E84-426E-40dd-AFC4-6F175D3DCCD1}">
-              <a14:hiddenFill xmlns:a14="http://schemas.microsoft.com/office/drawing/2010/main" xmlns="">
+              <a14:hiddenFill xmlns="" xmlns:a14="http://schemas.microsoft.com/office/drawing/2010/main">
                 <a:solidFill>
                   <a:srgbClr val="FFFFFF"/>
                 </a:solidFill>
@@ -12250,7 +12271,7 @@
               </a:ln>
               <a:extLst>
                 <a:ext uri="{91240B29-F687-4f45-9708-019B960494DF}">
-                  <a14:hiddenLine xmlns:a14="http://schemas.microsoft.com/office/drawing/2010/main" xmlns="" w="9525">
+                  <a14:hiddenLine xmlns="" xmlns:a14="http://schemas.microsoft.com/office/drawing/2010/main" w="9525">
                     <a:solidFill>
                       <a:srgbClr val="000000"/>
                     </a:solidFill>
@@ -12340,7 +12361,7 @@
               </a:ln>
               <a:extLst>
                 <a:ext uri="{91240B29-F687-4f45-9708-019B960494DF}">
-                  <a14:hiddenLine xmlns:a14="http://schemas.microsoft.com/office/drawing/2010/main" xmlns="" w="9525">
+                  <a14:hiddenLine xmlns="" xmlns:a14="http://schemas.microsoft.com/office/drawing/2010/main" w="9525">
                     <a:solidFill>
                       <a:srgbClr val="000000"/>
                     </a:solidFill>
@@ -12430,7 +12451,7 @@
               </a:ln>
               <a:extLst>
                 <a:ext uri="{91240B29-F687-4f45-9708-019B960494DF}">
-                  <a14:hiddenLine xmlns:a14="http://schemas.microsoft.com/office/drawing/2010/main" xmlns="" w="9525">
+                  <a14:hiddenLine xmlns="" xmlns:a14="http://schemas.microsoft.com/office/drawing/2010/main" w="9525">
                     <a:solidFill>
                       <a:srgbClr val="000000"/>
                     </a:solidFill>
@@ -12492,7 +12513,7 @@
               </a:ln>
               <a:extLst>
                 <a:ext uri="{91240B29-F687-4f45-9708-019B960494DF}">
-                  <a14:hiddenLine xmlns:a14="http://schemas.microsoft.com/office/drawing/2010/main" xmlns="" w="9525">
+                  <a14:hiddenLine xmlns="" xmlns:a14="http://schemas.microsoft.com/office/drawing/2010/main" w="9525">
                     <a:solidFill>
                       <a:srgbClr val="000000"/>
                     </a:solidFill>
@@ -12582,7 +12603,7 @@
               </a:ln>
               <a:extLst>
                 <a:ext uri="{91240B29-F687-4f45-9708-019B960494DF}">
-                  <a14:hiddenLine xmlns:a14="http://schemas.microsoft.com/office/drawing/2010/main" xmlns="" w="9525">
+                  <a14:hiddenLine xmlns="" xmlns:a14="http://schemas.microsoft.com/office/drawing/2010/main" w="9525">
                     <a:solidFill>
                       <a:srgbClr val="000000"/>
                     </a:solidFill>
@@ -12644,7 +12665,7 @@
               </a:ln>
               <a:extLst>
                 <a:ext uri="{91240B29-F687-4f45-9708-019B960494DF}">
-                  <a14:hiddenLine xmlns:a14="http://schemas.microsoft.com/office/drawing/2010/main" xmlns="" w="9525">
+                  <a14:hiddenLine xmlns="" xmlns:a14="http://schemas.microsoft.com/office/drawing/2010/main" w="9525">
                     <a:solidFill>
                       <a:srgbClr val="000000"/>
                     </a:solidFill>
@@ -12706,7 +12727,7 @@
               </a:ln>
               <a:extLst>
                 <a:ext uri="{91240B29-F687-4f45-9708-019B960494DF}">
-                  <a14:hiddenLine xmlns:a14="http://schemas.microsoft.com/office/drawing/2010/main" xmlns="" w="9525">
+                  <a14:hiddenLine xmlns="" xmlns:a14="http://schemas.microsoft.com/office/drawing/2010/main" w="9525">
                     <a:solidFill>
                       <a:srgbClr val="000000"/>
                     </a:solidFill>
@@ -12796,7 +12817,7 @@
               </a:ln>
               <a:extLst>
                 <a:ext uri="{91240B29-F687-4f45-9708-019B960494DF}">
-                  <a14:hiddenLine xmlns:a14="http://schemas.microsoft.com/office/drawing/2010/main" xmlns="" w="9525">
+                  <a14:hiddenLine xmlns="" xmlns:a14="http://schemas.microsoft.com/office/drawing/2010/main" w="9525">
                     <a:solidFill>
                       <a:srgbClr val="000000"/>
                     </a:solidFill>
@@ -12886,7 +12907,7 @@
               </a:ln>
               <a:extLst>
                 <a:ext uri="{91240B29-F687-4f45-9708-019B960494DF}">
-                  <a14:hiddenLine xmlns:a14="http://schemas.microsoft.com/office/drawing/2010/main" xmlns="" w="9525">
+                  <a14:hiddenLine xmlns="" xmlns:a14="http://schemas.microsoft.com/office/drawing/2010/main" w="9525">
                     <a:solidFill>
                       <a:srgbClr val="000000"/>
                     </a:solidFill>
@@ -12948,7 +12969,7 @@
               </a:ln>
               <a:extLst>
                 <a:ext uri="{91240B29-F687-4f45-9708-019B960494DF}">
-                  <a14:hiddenLine xmlns:a14="http://schemas.microsoft.com/office/drawing/2010/main" xmlns="" w="9525">
+                  <a14:hiddenLine xmlns="" xmlns:a14="http://schemas.microsoft.com/office/drawing/2010/main" w="9525">
                     <a:solidFill>
                       <a:srgbClr val="000000"/>
                     </a:solidFill>
@@ -13058,7 +13079,7 @@
               </a:ln>
               <a:extLst>
                 <a:ext uri="{91240B29-F687-4f45-9708-019B960494DF}">
-                  <a14:hiddenLine xmlns:a14="http://schemas.microsoft.com/office/drawing/2010/main" xmlns="" w="9525">
+                  <a14:hiddenLine xmlns="" xmlns:a14="http://schemas.microsoft.com/office/drawing/2010/main" w="9525">
                     <a:solidFill>
                       <a:srgbClr val="000000"/>
                     </a:solidFill>
@@ -13142,7 +13163,7 @@
               </a:ln>
               <a:extLst>
                 <a:ext uri="{91240B29-F687-4f45-9708-019B960494DF}">
-                  <a14:hiddenLine xmlns:a14="http://schemas.microsoft.com/office/drawing/2010/main" xmlns="" w="9525">
+                  <a14:hiddenLine xmlns="" xmlns:a14="http://schemas.microsoft.com/office/drawing/2010/main" w="9525">
                     <a:solidFill>
                       <a:srgbClr val="000000"/>
                     </a:solidFill>
@@ -13204,7 +13225,7 @@
               </a:ln>
               <a:extLst>
                 <a:ext uri="{91240B29-F687-4f45-9708-019B960494DF}">
-                  <a14:hiddenLine xmlns:a14="http://schemas.microsoft.com/office/drawing/2010/main" xmlns="" w="9525">
+                  <a14:hiddenLine xmlns="" xmlns:a14="http://schemas.microsoft.com/office/drawing/2010/main" w="9525">
                     <a:solidFill>
                       <a:srgbClr val="000000"/>
                     </a:solidFill>
@@ -13266,7 +13287,7 @@
               </a:ln>
               <a:extLst>
                 <a:ext uri="{91240B29-F687-4f45-9708-019B960494DF}">
-                  <a14:hiddenLine xmlns:a14="http://schemas.microsoft.com/office/drawing/2010/main" xmlns="" w="9525">
+                  <a14:hiddenLine xmlns="" xmlns:a14="http://schemas.microsoft.com/office/drawing/2010/main" w="9525">
                     <a:solidFill>
                       <a:srgbClr val="000000"/>
                     </a:solidFill>
@@ -13356,7 +13377,7 @@
               </a:ln>
               <a:extLst>
                 <a:ext uri="{91240B29-F687-4f45-9708-019B960494DF}">
-                  <a14:hiddenLine xmlns:a14="http://schemas.microsoft.com/office/drawing/2010/main" xmlns="" w="9525">
+                  <a14:hiddenLine xmlns="" xmlns:a14="http://schemas.microsoft.com/office/drawing/2010/main" w="9525">
                     <a:solidFill>
                       <a:srgbClr val="000000"/>
                     </a:solidFill>
@@ -13390,7 +13411,7 @@
               </a:ln>
               <a:extLst>
                 <a:ext uri="{91240B29-F687-4f45-9708-019B960494DF}">
-                  <a14:hiddenLine xmlns:a14="http://schemas.microsoft.com/office/drawing/2010/main" xmlns="" w="9525">
+                  <a14:hiddenLine xmlns="" xmlns:a14="http://schemas.microsoft.com/office/drawing/2010/main" w="9525">
                     <a:solidFill>
                       <a:srgbClr val="000000"/>
                     </a:solidFill>
@@ -13455,7 +13476,7 @@
               </a:ln>
               <a:extLst>
                 <a:ext uri="{91240B29-F687-4f45-9708-019B960494DF}">
-                  <a14:hiddenLine xmlns:a14="http://schemas.microsoft.com/office/drawing/2010/main" xmlns="" w="9525">
+                  <a14:hiddenLine xmlns="" xmlns:a14="http://schemas.microsoft.com/office/drawing/2010/main" w="9525">
                     <a:solidFill>
                       <a:srgbClr val="000000"/>
                     </a:solidFill>
@@ -13545,7 +13566,7 @@
               </a:ln>
               <a:extLst>
                 <a:ext uri="{91240B29-F687-4f45-9708-019B960494DF}">
-                  <a14:hiddenLine xmlns:a14="http://schemas.microsoft.com/office/drawing/2010/main" xmlns="" w="9525">
+                  <a14:hiddenLine xmlns="" xmlns:a14="http://schemas.microsoft.com/office/drawing/2010/main" w="9525">
                     <a:solidFill>
                       <a:srgbClr val="000000"/>
                     </a:solidFill>
@@ -13607,7 +13628,7 @@
               </a:ln>
               <a:extLst>
                 <a:ext uri="{91240B29-F687-4f45-9708-019B960494DF}">
-                  <a14:hiddenLine xmlns:a14="http://schemas.microsoft.com/office/drawing/2010/main" xmlns="" w="9525">
+                  <a14:hiddenLine xmlns="" xmlns:a14="http://schemas.microsoft.com/office/drawing/2010/main" w="9525">
                     <a:solidFill>
                       <a:srgbClr val="000000"/>
                     </a:solidFill>
@@ -13697,7 +13718,7 @@
               </a:ln>
               <a:extLst>
                 <a:ext uri="{91240B29-F687-4f45-9708-019B960494DF}">
-                  <a14:hiddenLine xmlns:a14="http://schemas.microsoft.com/office/drawing/2010/main" xmlns="" w="9525">
+                  <a14:hiddenLine xmlns="" xmlns:a14="http://schemas.microsoft.com/office/drawing/2010/main" w="9525">
                     <a:solidFill>
                       <a:srgbClr val="000000"/>
                     </a:solidFill>
@@ -13762,7 +13783,7 @@
               </a:ln>
               <a:extLst>
                 <a:ext uri="{91240B29-F687-4f45-9708-019B960494DF}">
-                  <a14:hiddenLine xmlns:a14="http://schemas.microsoft.com/office/drawing/2010/main" xmlns="" w="9525">
+                  <a14:hiddenLine xmlns="" xmlns:a14="http://schemas.microsoft.com/office/drawing/2010/main" w="9525">
                     <a:solidFill>
                       <a:srgbClr val="000000"/>
                     </a:solidFill>
@@ -13824,7 +13845,7 @@
               </a:ln>
               <a:extLst>
                 <a:ext uri="{91240B29-F687-4f45-9708-019B960494DF}">
-                  <a14:hiddenLine xmlns:a14="http://schemas.microsoft.com/office/drawing/2010/main" xmlns="" w="9525">
+                  <a14:hiddenLine xmlns="" xmlns:a14="http://schemas.microsoft.com/office/drawing/2010/main" w="9525">
                     <a:solidFill>
                       <a:srgbClr val="000000"/>
                     </a:solidFill>
@@ -13914,7 +13935,7 @@
               </a:ln>
               <a:extLst>
                 <a:ext uri="{91240B29-F687-4f45-9708-019B960494DF}">
-                  <a14:hiddenLine xmlns:a14="http://schemas.microsoft.com/office/drawing/2010/main" xmlns="" w="9525">
+                  <a14:hiddenLine xmlns="" xmlns:a14="http://schemas.microsoft.com/office/drawing/2010/main" w="9525">
                     <a:solidFill>
                       <a:srgbClr val="000000"/>
                     </a:solidFill>
@@ -14004,7 +14025,7 @@
               </a:ln>
               <a:extLst>
                 <a:ext uri="{91240B29-F687-4f45-9708-019B960494DF}">
-                  <a14:hiddenLine xmlns:a14="http://schemas.microsoft.com/office/drawing/2010/main" xmlns="" w="9525">
+                  <a14:hiddenLine xmlns="" xmlns:a14="http://schemas.microsoft.com/office/drawing/2010/main" w="9525">
                     <a:solidFill>
                       <a:srgbClr val="000000"/>
                     </a:solidFill>
@@ -14069,7 +14090,7 @@
               </a:ln>
               <a:extLst>
                 <a:ext uri="{91240B29-F687-4f45-9708-019B960494DF}">
-                  <a14:hiddenLine xmlns:a14="http://schemas.microsoft.com/office/drawing/2010/main" xmlns="" w="9525">
+                  <a14:hiddenLine xmlns="" xmlns:a14="http://schemas.microsoft.com/office/drawing/2010/main" w="9525">
                     <a:solidFill>
                       <a:srgbClr val="000000"/>
                     </a:solidFill>
@@ -14189,7 +14210,7 @@
               </a:ln>
               <a:extLst>
                 <a:ext uri="{91240B29-F687-4f45-9708-019B960494DF}">
-                  <a14:hiddenLine xmlns:a14="http://schemas.microsoft.com/office/drawing/2010/main" xmlns="" w="9525">
+                  <a14:hiddenLine xmlns="" xmlns:a14="http://schemas.microsoft.com/office/drawing/2010/main" w="9525">
                     <a:solidFill>
                       <a:srgbClr val="000000"/>
                     </a:solidFill>
@@ -14270,7 +14291,7 @@
               </a:ln>
               <a:extLst>
                 <a:ext uri="{91240B29-F687-4f45-9708-019B960494DF}">
-                  <a14:hiddenLine xmlns:a14="http://schemas.microsoft.com/office/drawing/2010/main" xmlns="" w="9525">
+                  <a14:hiddenLine xmlns="" xmlns:a14="http://schemas.microsoft.com/office/drawing/2010/main" w="9525">
                     <a:solidFill>
                       <a:srgbClr val="000000"/>
                     </a:solidFill>
@@ -14385,7 +14406,7 @@
               </a:ln>
               <a:extLst>
                 <a:ext uri="{91240B29-F687-4f45-9708-019B960494DF}">
-                  <a14:hiddenLine xmlns:a14="http://schemas.microsoft.com/office/drawing/2010/main" xmlns="" w="9525">
+                  <a14:hiddenLine xmlns="" xmlns:a14="http://schemas.microsoft.com/office/drawing/2010/main" w="9525">
                     <a:solidFill>
                       <a:srgbClr val="000000"/>
                     </a:solidFill>
@@ -14475,7 +14496,7 @@
               </a:ln>
               <a:extLst>
                 <a:ext uri="{91240B29-F687-4f45-9708-019B960494DF}">
-                  <a14:hiddenLine xmlns:a14="http://schemas.microsoft.com/office/drawing/2010/main" xmlns="" w="9525">
+                  <a14:hiddenLine xmlns="" xmlns:a14="http://schemas.microsoft.com/office/drawing/2010/main" w="9525">
                     <a:solidFill>
                       <a:srgbClr val="000000"/>
                     </a:solidFill>
@@ -14540,7 +14561,7 @@
               </a:ln>
               <a:extLst>
                 <a:ext uri="{91240B29-F687-4f45-9708-019B960494DF}">
-                  <a14:hiddenLine xmlns:a14="http://schemas.microsoft.com/office/drawing/2010/main" xmlns="" w="9525">
+                  <a14:hiddenLine xmlns="" xmlns:a14="http://schemas.microsoft.com/office/drawing/2010/main" w="9525">
                     <a:solidFill>
                       <a:srgbClr val="000000"/>
                     </a:solidFill>
@@ -14630,7 +14651,7 @@
               </a:ln>
               <a:extLst>
                 <a:ext uri="{91240B29-F687-4f45-9708-019B960494DF}">
-                  <a14:hiddenLine xmlns:a14="http://schemas.microsoft.com/office/drawing/2010/main" xmlns="" w="9525">
+                  <a14:hiddenLine xmlns="" xmlns:a14="http://schemas.microsoft.com/office/drawing/2010/main" w="9525">
                     <a:solidFill>
                       <a:srgbClr val="000000"/>
                     </a:solidFill>
@@ -14698,7 +14719,7 @@
               </a:ln>
               <a:extLst>
                 <a:ext uri="{91240B29-F687-4f45-9708-019B960494DF}">
-                  <a14:hiddenLine xmlns:a14="http://schemas.microsoft.com/office/drawing/2010/main" xmlns="" w="9525">
+                  <a14:hiddenLine xmlns="" xmlns:a14="http://schemas.microsoft.com/office/drawing/2010/main" w="9525">
                     <a:solidFill>
                       <a:srgbClr val="000000"/>
                     </a:solidFill>
@@ -14788,7 +14809,7 @@
               </a:ln>
               <a:extLst>
                 <a:ext uri="{91240B29-F687-4f45-9708-019B960494DF}">
-                  <a14:hiddenLine xmlns:a14="http://schemas.microsoft.com/office/drawing/2010/main" xmlns="" w="9525">
+                  <a14:hiddenLine xmlns="" xmlns:a14="http://schemas.microsoft.com/office/drawing/2010/main" w="9525">
                     <a:solidFill>
                       <a:srgbClr val="000000"/>
                     </a:solidFill>
@@ -14856,7 +14877,7 @@
               </a:ln>
               <a:extLst>
                 <a:ext uri="{91240B29-F687-4f45-9708-019B960494DF}">
-                  <a14:hiddenLine xmlns:a14="http://schemas.microsoft.com/office/drawing/2010/main" xmlns="" w="9525">
+                  <a14:hiddenLine xmlns="" xmlns:a14="http://schemas.microsoft.com/office/drawing/2010/main" w="9525">
                     <a:solidFill>
                       <a:srgbClr val="000000"/>
                     </a:solidFill>
@@ -14946,7 +14967,7 @@
               </a:ln>
               <a:extLst>
                 <a:ext uri="{91240B29-F687-4f45-9708-019B960494DF}">
-                  <a14:hiddenLine xmlns:a14="http://schemas.microsoft.com/office/drawing/2010/main" xmlns="" w="9525">
+                  <a14:hiddenLine xmlns="" xmlns:a14="http://schemas.microsoft.com/office/drawing/2010/main" w="9525">
                     <a:solidFill>
                       <a:srgbClr val="000000"/>
                     </a:solidFill>
@@ -14980,7 +15001,7 @@
               </a:ln>
               <a:extLst>
                 <a:ext uri="{91240B29-F687-4f45-9708-019B960494DF}">
-                  <a14:hiddenLine xmlns:a14="http://schemas.microsoft.com/office/drawing/2010/main" xmlns="" w="9525">
+                  <a14:hiddenLine xmlns="" xmlns:a14="http://schemas.microsoft.com/office/drawing/2010/main" w="9525">
                     <a:solidFill>
                       <a:srgbClr val="000000"/>
                     </a:solidFill>
@@ -15121,7 +15142,7 @@
             <a:fld id="{48A87A34-81AB-432B-8DAE-1953F412C126}" type="datetimeFigureOut">
               <a:rPr lang="en-US" smtClean="0"/>
               <a:pPr/>
-              <a:t>7/19/2020</a:t>
+              <a:t>7/21/2020</a:t>
             </a:fld>
             <a:endParaRPr lang="en-US" dirty="0"/>
           </a:p>
@@ -15699,1805 +15720,6 @@
             <p:ph type="title"/>
           </p:nvPr>
         </p:nvSpPr>
-        <p:spPr>
-          <a:xfrm>
-            <a:off x="1141413" y="618518"/>
-            <a:ext cx="9905998" cy="1478570"/>
-          </a:xfrm>
-        </p:spPr>
-        <p:txBody>
-          <a:bodyPr anchor="ctr">
-            <a:normAutofit/>
-          </a:bodyPr>
-          <a:lstStyle/>
-          <a:p>
-            <a:r>
-              <a:rPr lang="en-US"/>
-              <a:t>Do policing strategies help?</a:t>
-            </a:r>
-          </a:p>
-        </p:txBody>
-      </p:sp>
-      <p:pic>
-        <p:nvPicPr>
-          <p:cNvPr id="5" name="Content Placeholder 4" descr="A close up of a logo&#10;&#10;Description automatically generated">
-            <a:extLst>
-              <a:ext uri="{FF2B5EF4-FFF2-40B4-BE49-F238E27FC236}">
-                <a16:creationId xmlns:a16="http://schemas.microsoft.com/office/drawing/2014/main" id="{96832144-CA18-40B1-B434-F6A44FF5B82F}"/>
-              </a:ext>
-            </a:extLst>
-          </p:cNvPr>
-          <p:cNvPicPr>
-            <a:picLocks noGrp="1" noChangeAspect="1"/>
-          </p:cNvPicPr>
-          <p:nvPr>
-            <p:ph sz="half" idx="1"/>
-          </p:nvPr>
-        </p:nvPicPr>
-        <p:blipFill>
-          <a:blip r:embed="rId2"/>
-          <a:stretch>
-            <a:fillRect/>
-          </a:stretch>
-        </p:blipFill>
-        <p:spPr>
-          <a:xfrm>
-            <a:off x="1141410" y="2394213"/>
-            <a:ext cx="4878389" cy="3252259"/>
-          </a:xfrm>
-          <a:noFill/>
-        </p:spPr>
-      </p:pic>
-      <p:pic>
-        <p:nvPicPr>
-          <p:cNvPr id="7" name="Content Placeholder 6" descr="A close up of a map&#10;&#10;Description automatically generated">
-            <a:extLst>
-              <a:ext uri="{FF2B5EF4-FFF2-40B4-BE49-F238E27FC236}">
-                <a16:creationId xmlns:a16="http://schemas.microsoft.com/office/drawing/2014/main" id="{87F485FE-5B28-4433-B8CC-BA1FAFD997D6}"/>
-              </a:ext>
-            </a:extLst>
-          </p:cNvPr>
-          <p:cNvPicPr>
-            <a:picLocks noGrp="1" noChangeAspect="1"/>
-          </p:cNvPicPr>
-          <p:nvPr>
-            <p:ph sz="half" idx="2"/>
-          </p:nvPr>
-        </p:nvPicPr>
-        <p:blipFill>
-          <a:blip r:embed="rId3"/>
-          <a:stretch>
-            <a:fillRect/>
-          </a:stretch>
-        </p:blipFill>
-        <p:spPr>
-          <a:xfrm>
-            <a:off x="6172200" y="2395273"/>
-            <a:ext cx="4875213" cy="3250141"/>
-          </a:xfrm>
-        </p:spPr>
-      </p:pic>
-    </p:spTree>
-    <p:extLst>
-      <p:ext uri="{BB962C8B-B14F-4D97-AF65-F5344CB8AC3E}">
-        <p14:creationId xmlns:p14="http://schemas.microsoft.com/office/powerpoint/2010/main" val="1348318116"/>
-      </p:ext>
-    </p:extLst>
-  </p:cSld>
-  <p:clrMapOvr>
-    <a:masterClrMapping/>
-  </p:clrMapOvr>
-</p:sld>
-</file>
-
-<file path=ppt/slides/slide11.xml><?xml version="1.0" encoding="utf-8"?>
-<p:sld xmlns:a="http://schemas.openxmlformats.org/drawingml/2006/main" xmlns:r="http://schemas.openxmlformats.org/officeDocument/2006/relationships" xmlns:p="http://schemas.openxmlformats.org/presentationml/2006/main">
-  <p:cSld>
-    <p:spTree>
-      <p:nvGrpSpPr>
-        <p:cNvPr id="1" name=""/>
-        <p:cNvGrpSpPr/>
-        <p:nvPr/>
-      </p:nvGrpSpPr>
-      <p:grpSpPr>
-        <a:xfrm>
-          <a:off x="0" y="0"/>
-          <a:ext cx="0" cy="0"/>
-          <a:chOff x="0" y="0"/>
-          <a:chExt cx="0" cy="0"/>
-        </a:xfrm>
-      </p:grpSpPr>
-      <p:sp>
-        <p:nvSpPr>
-          <p:cNvPr id="2" name="Title 1">
-            <a:extLst>
-              <a:ext uri="{FF2B5EF4-FFF2-40B4-BE49-F238E27FC236}">
-                <a16:creationId xmlns:a16="http://schemas.microsoft.com/office/drawing/2014/main" id="{7CF31815-810E-45B1-8D99-C466470B7ABF}"/>
-              </a:ext>
-            </a:extLst>
-          </p:cNvPr>
-          <p:cNvSpPr>
-            <a:spLocks noGrp="1"/>
-          </p:cNvSpPr>
-          <p:nvPr>
-            <p:ph type="title"/>
-          </p:nvPr>
-        </p:nvSpPr>
-        <p:spPr/>
-        <p:txBody>
-          <a:bodyPr>
-            <a:normAutofit fontScale="90000"/>
-          </a:bodyPr>
-          <a:lstStyle/>
-          <a:p>
-            <a:r>
-              <a:rPr lang="en-US" dirty="0">
-                <a:latin typeface="Tahoma" panose="020B0604030504040204" pitchFamily="34" charset="0"/>
-                <a:ea typeface="Tahoma" panose="020B0604030504040204" pitchFamily="34" charset="0"/>
-                <a:cs typeface="Tahoma" panose="020B0604030504040204" pitchFamily="34" charset="0"/>
-              </a:rPr>
-              <a:t>2019 change? Is this an outlier or indication of future trends</a:t>
-            </a:r>
-            <a:br>
-              <a:rPr lang="en-US" dirty="0">
-                <a:latin typeface="Tahoma" panose="020B0604030504040204" pitchFamily="34" charset="0"/>
-                <a:ea typeface="Tahoma" panose="020B0604030504040204" pitchFamily="34" charset="0"/>
-                <a:cs typeface="Tahoma" panose="020B0604030504040204" pitchFamily="34" charset="0"/>
-              </a:rPr>
-            </a:br>
-            <a:endParaRPr lang="en-US" dirty="0"/>
-          </a:p>
-        </p:txBody>
-      </p:sp>
-      <p:pic>
-        <p:nvPicPr>
-          <p:cNvPr id="6" name="Content Placeholder 5" descr="A close up of a map&#10;&#10;Description automatically generated">
-            <a:extLst>
-              <a:ext uri="{FF2B5EF4-FFF2-40B4-BE49-F238E27FC236}">
-                <a16:creationId xmlns:a16="http://schemas.microsoft.com/office/drawing/2014/main" id="{DE360340-A43B-4E6D-90BE-625C52237DBE}"/>
-              </a:ext>
-            </a:extLst>
-          </p:cNvPr>
-          <p:cNvPicPr>
-            <a:picLocks noGrp="1" noChangeAspect="1"/>
-          </p:cNvPicPr>
-          <p:nvPr>
-            <p:ph sz="half" idx="1"/>
-          </p:nvPr>
-        </p:nvPicPr>
-        <p:blipFill>
-          <a:blip r:embed="rId2"/>
-          <a:stretch>
-            <a:fillRect/>
-          </a:stretch>
-        </p:blipFill>
-        <p:spPr>
-          <a:xfrm>
-            <a:off x="1141413" y="2394216"/>
-            <a:ext cx="4878387" cy="2999588"/>
-          </a:xfrm>
-        </p:spPr>
-      </p:pic>
-      <p:sp>
-        <p:nvSpPr>
-          <p:cNvPr id="4" name="Content Placeholder 3">
-            <a:extLst>
-              <a:ext uri="{FF2B5EF4-FFF2-40B4-BE49-F238E27FC236}">
-                <a16:creationId xmlns:a16="http://schemas.microsoft.com/office/drawing/2014/main" id="{A2453EEE-03D5-4327-A0C2-3951EDAE7B50}"/>
-              </a:ext>
-            </a:extLst>
-          </p:cNvPr>
-          <p:cNvSpPr>
-            <a:spLocks noGrp="1"/>
-          </p:cNvSpPr>
-          <p:nvPr>
-            <p:ph sz="half" idx="2"/>
-          </p:nvPr>
-        </p:nvSpPr>
-        <p:spPr/>
-        <p:txBody>
-          <a:bodyPr/>
-          <a:lstStyle/>
-          <a:p>
-            <a:endParaRPr lang="en-US"/>
-          </a:p>
-        </p:txBody>
-      </p:sp>
-    </p:spTree>
-    <p:extLst>
-      <p:ext uri="{BB962C8B-B14F-4D97-AF65-F5344CB8AC3E}">
-        <p14:creationId xmlns:p14="http://schemas.microsoft.com/office/powerpoint/2010/main" val="12265491"/>
-      </p:ext>
-    </p:extLst>
-  </p:cSld>
-  <p:clrMapOvr>
-    <a:masterClrMapping/>
-  </p:clrMapOvr>
-</p:sld>
-</file>
-
-<file path=ppt/slides/slide12.xml><?xml version="1.0" encoding="utf-8"?>
-<p:sld xmlns:a="http://schemas.openxmlformats.org/drawingml/2006/main" xmlns:r="http://schemas.openxmlformats.org/officeDocument/2006/relationships" xmlns:p="http://schemas.openxmlformats.org/presentationml/2006/main">
-  <p:cSld>
-    <p:spTree>
-      <p:nvGrpSpPr>
-        <p:cNvPr id="1" name=""/>
-        <p:cNvGrpSpPr/>
-        <p:nvPr/>
-      </p:nvGrpSpPr>
-      <p:grpSpPr>
-        <a:xfrm>
-          <a:off x="0" y="0"/>
-          <a:ext cx="0" cy="0"/>
-          <a:chOff x="0" y="0"/>
-          <a:chExt cx="0" cy="0"/>
-        </a:xfrm>
-      </p:grpSpPr>
-      <p:sp>
-        <p:nvSpPr>
-          <p:cNvPr id="2" name="Title 1">
-            <a:extLst>
-              <a:ext uri="{FF2B5EF4-FFF2-40B4-BE49-F238E27FC236}">
-                <a16:creationId xmlns:a16="http://schemas.microsoft.com/office/drawing/2014/main" id="{34DB6CE4-2B13-4715-B5B2-615A55922CA1}"/>
-              </a:ext>
-            </a:extLst>
-          </p:cNvPr>
-          <p:cNvSpPr>
-            <a:spLocks noGrp="1"/>
-          </p:cNvSpPr>
-          <p:nvPr>
-            <p:ph type="title"/>
-          </p:nvPr>
-        </p:nvSpPr>
-        <p:spPr/>
-        <p:txBody>
-          <a:bodyPr>
-            <a:normAutofit/>
-          </a:bodyPr>
-          <a:lstStyle/>
-          <a:p>
-            <a:r>
-              <a:rPr lang="en-US" sz="4400" dirty="0">
-                <a:latin typeface="Rockwell" panose="02060603020205020403" pitchFamily="18" charset="0"/>
-              </a:rPr>
-              <a:t>Significance? </a:t>
-            </a:r>
-          </a:p>
-        </p:txBody>
-      </p:sp>
-      <p:sp>
-        <p:nvSpPr>
-          <p:cNvPr id="3" name="Content Placeholder 2">
-            <a:extLst>
-              <a:ext uri="{FF2B5EF4-FFF2-40B4-BE49-F238E27FC236}">
-                <a16:creationId xmlns:a16="http://schemas.microsoft.com/office/drawing/2014/main" id="{143F5361-68C0-4BF5-80C8-F1E7BF92B2DB}"/>
-              </a:ext>
-            </a:extLst>
-          </p:cNvPr>
-          <p:cNvSpPr>
-            <a:spLocks noGrp="1"/>
-          </p:cNvSpPr>
-          <p:nvPr>
-            <p:ph idx="1"/>
-          </p:nvPr>
-        </p:nvSpPr>
-        <p:spPr/>
-        <p:txBody>
-          <a:bodyPr>
-            <a:normAutofit/>
-          </a:bodyPr>
-          <a:lstStyle/>
-          <a:p>
-            <a:pPr lvl="1"/>
-            <a:r>
-              <a:rPr lang="en-US" sz="2400" dirty="0">
-                <a:latin typeface="Tahoma" panose="020B0604030504040204" pitchFamily="34" charset="0"/>
-                <a:ea typeface="Tahoma" panose="020B0604030504040204" pitchFamily="34" charset="0"/>
-                <a:cs typeface="Tahoma" panose="020B0604030504040204" pitchFamily="34" charset="0"/>
-              </a:rPr>
-              <a:t>P-Value 2014 vs 2018 = 0.79</a:t>
-            </a:r>
-          </a:p>
-          <a:p>
-            <a:pPr lvl="2"/>
-            <a:r>
-              <a:rPr lang="en-US" sz="2200" dirty="0">
-                <a:latin typeface="Tahoma" panose="020B0604030504040204" pitchFamily="34" charset="0"/>
-                <a:ea typeface="Tahoma" panose="020B0604030504040204" pitchFamily="34" charset="0"/>
-                <a:cs typeface="Tahoma" panose="020B0604030504040204" pitchFamily="34" charset="0"/>
-              </a:rPr>
-              <a:t> Conclusion – not significant. As likely to see this drop in shooting rates due to chance. </a:t>
-            </a:r>
-          </a:p>
-          <a:p>
-            <a:pPr lvl="2"/>
-            <a:endParaRPr lang="en-US" sz="2200" dirty="0">
-              <a:latin typeface="Tahoma" panose="020B0604030504040204" pitchFamily="34" charset="0"/>
-              <a:ea typeface="Tahoma" panose="020B0604030504040204" pitchFamily="34" charset="0"/>
-              <a:cs typeface="Tahoma" panose="020B0604030504040204" pitchFamily="34" charset="0"/>
-            </a:endParaRPr>
-          </a:p>
-          <a:p>
-            <a:pPr lvl="1"/>
-            <a:r>
-              <a:rPr lang="en-US" sz="2400" dirty="0">
-                <a:latin typeface="Tahoma" panose="020B0604030504040204" pitchFamily="34" charset="0"/>
-                <a:ea typeface="Tahoma" panose="020B0604030504040204" pitchFamily="34" charset="0"/>
-                <a:cs typeface="Tahoma" panose="020B0604030504040204" pitchFamily="34" charset="0"/>
-              </a:rPr>
-              <a:t>P-Value 2018 vs 2019 = 0.61</a:t>
-            </a:r>
-          </a:p>
-          <a:p>
-            <a:pPr lvl="1"/>
-            <a:endParaRPr lang="en-US" sz="2400" dirty="0">
-              <a:latin typeface="Tahoma" panose="020B0604030504040204" pitchFamily="34" charset="0"/>
-              <a:ea typeface="Tahoma" panose="020B0604030504040204" pitchFamily="34" charset="0"/>
-              <a:cs typeface="Tahoma" panose="020B0604030504040204" pitchFamily="34" charset="0"/>
-            </a:endParaRPr>
-          </a:p>
-        </p:txBody>
-      </p:sp>
-    </p:spTree>
-    <p:extLst>
-      <p:ext uri="{BB962C8B-B14F-4D97-AF65-F5344CB8AC3E}">
-        <p14:creationId xmlns:p14="http://schemas.microsoft.com/office/powerpoint/2010/main" val="2919556985"/>
-      </p:ext>
-    </p:extLst>
-  </p:cSld>
-  <p:clrMapOvr>
-    <a:masterClrMapping/>
-  </p:clrMapOvr>
-</p:sld>
-</file>
-
-<file path=ppt/slides/slide13.xml><?xml version="1.0" encoding="utf-8"?>
-<p:sld xmlns:a="http://schemas.openxmlformats.org/drawingml/2006/main" xmlns:r="http://schemas.openxmlformats.org/officeDocument/2006/relationships" xmlns:p="http://schemas.openxmlformats.org/presentationml/2006/main">
-  <p:cSld>
-    <p:spTree>
-      <p:nvGrpSpPr>
-        <p:cNvPr id="1" name=""/>
-        <p:cNvGrpSpPr/>
-        <p:nvPr/>
-      </p:nvGrpSpPr>
-      <p:grpSpPr>
-        <a:xfrm>
-          <a:off x="0" y="0"/>
-          <a:ext cx="0" cy="0"/>
-          <a:chOff x="0" y="0"/>
-          <a:chExt cx="0" cy="0"/>
-        </a:xfrm>
-      </p:grpSpPr>
-      <p:sp>
-        <p:nvSpPr>
-          <p:cNvPr id="2" name="Title 1">
-            <a:extLst>
-              <a:ext uri="{FF2B5EF4-FFF2-40B4-BE49-F238E27FC236}">
-                <a16:creationId xmlns:a16="http://schemas.microsoft.com/office/drawing/2014/main" id="{34DB6CE4-2B13-4715-B5B2-615A55922CA1}"/>
-              </a:ext>
-            </a:extLst>
-          </p:cNvPr>
-          <p:cNvSpPr>
-            <a:spLocks noGrp="1"/>
-          </p:cNvSpPr>
-          <p:nvPr>
-            <p:ph type="title"/>
-          </p:nvPr>
-        </p:nvSpPr>
-        <p:spPr/>
-        <p:txBody>
-          <a:bodyPr>
-            <a:normAutofit/>
-          </a:bodyPr>
-          <a:lstStyle/>
-          <a:p>
-            <a:r>
-              <a:rPr lang="en-US" sz="4400" dirty="0">
-                <a:latin typeface="Rockwell" panose="02060603020205020403" pitchFamily="18" charset="0"/>
-              </a:rPr>
-              <a:t>Conclusion</a:t>
-            </a:r>
-          </a:p>
-        </p:txBody>
-      </p:sp>
-      <p:sp>
-        <p:nvSpPr>
-          <p:cNvPr id="3" name="Content Placeholder 2">
-            <a:extLst>
-              <a:ext uri="{FF2B5EF4-FFF2-40B4-BE49-F238E27FC236}">
-                <a16:creationId xmlns:a16="http://schemas.microsoft.com/office/drawing/2014/main" id="{143F5361-68C0-4BF5-80C8-F1E7BF92B2DB}"/>
-              </a:ext>
-            </a:extLst>
-          </p:cNvPr>
-          <p:cNvSpPr>
-            <a:spLocks noGrp="1"/>
-          </p:cNvSpPr>
-          <p:nvPr>
-            <p:ph idx="1"/>
-          </p:nvPr>
-        </p:nvSpPr>
-        <p:spPr/>
-        <p:txBody>
-          <a:bodyPr vert="horz" lIns="91440" tIns="45720" rIns="91440" bIns="45720" rtlCol="0" anchor="t">
-            <a:normAutofit/>
-          </a:bodyPr>
-          <a:lstStyle/>
-          <a:p>
-            <a:pPr lvl="0"/>
-            <a:r>
-              <a:rPr lang="en-US" dirty="0">
-                <a:latin typeface="Tahoma" panose="020B0604030504040204" pitchFamily="34" charset="0"/>
-                <a:ea typeface="Tahoma" panose="020B0604030504040204" pitchFamily="34" charset="0"/>
-                <a:cs typeface="Tahoma" panose="020B0604030504040204" pitchFamily="34" charset="0"/>
-              </a:rPr>
-              <a:t>Does seem to be evidence to support decrease in shootings as a result of community and neighborhood led policing initiatives, but nothing conclusive. </a:t>
-            </a:r>
-          </a:p>
-        </p:txBody>
-      </p:sp>
-    </p:spTree>
-    <p:extLst>
-      <p:ext uri="{BB962C8B-B14F-4D97-AF65-F5344CB8AC3E}">
-        <p14:creationId xmlns:p14="http://schemas.microsoft.com/office/powerpoint/2010/main" val="1902613301"/>
-      </p:ext>
-    </p:extLst>
-  </p:cSld>
-  <p:clrMapOvr>
-    <a:masterClrMapping/>
-  </p:clrMapOvr>
-</p:sld>
-</file>
-
-<file path=ppt/slides/slide14.xml><?xml version="1.0" encoding="utf-8"?>
-<p:sld xmlns:a="http://schemas.openxmlformats.org/drawingml/2006/main" xmlns:r="http://schemas.openxmlformats.org/officeDocument/2006/relationships" xmlns:p="http://schemas.openxmlformats.org/presentationml/2006/main">
-  <p:cSld>
-    <p:spTree>
-      <p:nvGrpSpPr>
-        <p:cNvPr id="1" name=""/>
-        <p:cNvGrpSpPr/>
-        <p:nvPr/>
-      </p:nvGrpSpPr>
-      <p:grpSpPr>
-        <a:xfrm>
-          <a:off x="0" y="0"/>
-          <a:ext cx="0" cy="0"/>
-          <a:chOff x="0" y="0"/>
-          <a:chExt cx="0" cy="0"/>
-        </a:xfrm>
-      </p:grpSpPr>
-      <p:sp>
-        <p:nvSpPr>
-          <p:cNvPr id="2" name="Title 1">
-            <a:extLst>
-              <a:ext uri="{FF2B5EF4-FFF2-40B4-BE49-F238E27FC236}">
-                <a16:creationId xmlns:a16="http://schemas.microsoft.com/office/drawing/2014/main" id="{34DB6CE4-2B13-4715-B5B2-615A55922CA1}"/>
-              </a:ext>
-            </a:extLst>
-          </p:cNvPr>
-          <p:cNvSpPr>
-            <a:spLocks noGrp="1"/>
-          </p:cNvSpPr>
-          <p:nvPr>
-            <p:ph type="title"/>
-          </p:nvPr>
-        </p:nvSpPr>
-        <p:spPr/>
-        <p:txBody>
-          <a:bodyPr>
-            <a:normAutofit/>
-          </a:bodyPr>
-          <a:lstStyle/>
-          <a:p>
-            <a:r>
-              <a:rPr lang="en-US" sz="4400" dirty="0">
-                <a:latin typeface="Rockwell" panose="02060603020205020403" pitchFamily="18" charset="0"/>
-              </a:rPr>
-              <a:t>Post Mortem</a:t>
-            </a:r>
-          </a:p>
-        </p:txBody>
-      </p:sp>
-      <p:sp>
-        <p:nvSpPr>
-          <p:cNvPr id="3" name="Content Placeholder 2">
-            <a:extLst>
-              <a:ext uri="{FF2B5EF4-FFF2-40B4-BE49-F238E27FC236}">
-                <a16:creationId xmlns:a16="http://schemas.microsoft.com/office/drawing/2014/main" id="{143F5361-68C0-4BF5-80C8-F1E7BF92B2DB}"/>
-              </a:ext>
-            </a:extLst>
-          </p:cNvPr>
-          <p:cNvSpPr>
-            <a:spLocks noGrp="1"/>
-          </p:cNvSpPr>
-          <p:nvPr>
-            <p:ph idx="1"/>
-          </p:nvPr>
-        </p:nvSpPr>
-        <p:spPr/>
-        <p:txBody>
-          <a:bodyPr>
-            <a:normAutofit fontScale="92500"/>
-          </a:bodyPr>
-          <a:lstStyle/>
-          <a:p>
-            <a:pPr lvl="1"/>
-            <a:r>
-              <a:rPr lang="en-US" sz="2400" dirty="0">
-                <a:latin typeface="Tahoma" panose="020B0604030504040204" pitchFamily="34" charset="0"/>
-                <a:ea typeface="Tahoma" panose="020B0604030504040204" pitchFamily="34" charset="0"/>
-                <a:cs typeface="Tahoma" panose="020B0604030504040204" pitchFamily="34" charset="0"/>
-              </a:rPr>
-              <a:t>Many policing strategies are in play at one time – unable to clearly assume change over time or specific impacts</a:t>
-            </a:r>
-          </a:p>
-          <a:p>
-            <a:pPr lvl="1"/>
-            <a:r>
-              <a:rPr lang="en-US" sz="2400" dirty="0">
-                <a:latin typeface="Tahoma" panose="020B0604030504040204" pitchFamily="34" charset="0"/>
-                <a:ea typeface="Tahoma" panose="020B0604030504040204" pitchFamily="34" charset="0"/>
-                <a:cs typeface="Tahoma" panose="020B0604030504040204" pitchFamily="34" charset="0"/>
-              </a:rPr>
-              <a:t>We only reviewed shooting data and not all crime – some strategies may be more effective for some types of crime. Would like to see overall crime rates and break down specifics for true impact analysis</a:t>
-            </a:r>
-          </a:p>
-          <a:p>
-            <a:pPr lvl="1"/>
-            <a:r>
-              <a:rPr lang="en-US" sz="2400" dirty="0">
-                <a:latin typeface="Tahoma" panose="020B0604030504040204" pitchFamily="34" charset="0"/>
-                <a:ea typeface="Tahoma" panose="020B0604030504040204" pitchFamily="34" charset="0"/>
-                <a:cs typeface="Tahoma" panose="020B0604030504040204" pitchFamily="34" charset="0"/>
-              </a:rPr>
-              <a:t>No data for us to evaluate policing methodologies by police precinct or borough</a:t>
-            </a:r>
-          </a:p>
-          <a:p>
-            <a:pPr lvl="1"/>
-            <a:r>
-              <a:rPr lang="en-US" sz="2400" dirty="0">
-                <a:latin typeface="Tahoma" panose="020B0604030504040204" pitchFamily="34" charset="0"/>
-                <a:ea typeface="Tahoma" panose="020B0604030504040204" pitchFamily="34" charset="0"/>
-                <a:cs typeface="Tahoma" panose="020B0604030504040204" pitchFamily="34" charset="0"/>
-              </a:rPr>
-              <a:t>Impact of current events</a:t>
-            </a:r>
-          </a:p>
-        </p:txBody>
-      </p:sp>
-    </p:spTree>
-    <p:extLst>
-      <p:ext uri="{BB962C8B-B14F-4D97-AF65-F5344CB8AC3E}">
-        <p14:creationId xmlns:p14="http://schemas.microsoft.com/office/powerpoint/2010/main" val="2962823511"/>
-      </p:ext>
-    </p:extLst>
-  </p:cSld>
-  <p:clrMapOvr>
-    <a:masterClrMapping/>
-  </p:clrMapOvr>
-</p:sld>
-</file>
-
-<file path=ppt/slides/slide15.xml><?xml version="1.0" encoding="utf-8"?>
-<p:sld xmlns:a="http://schemas.openxmlformats.org/drawingml/2006/main" xmlns:r="http://schemas.openxmlformats.org/officeDocument/2006/relationships" xmlns:p="http://schemas.openxmlformats.org/presentationml/2006/main">
-  <p:cSld>
-    <p:spTree>
-      <p:nvGrpSpPr>
-        <p:cNvPr id="1" name=""/>
-        <p:cNvGrpSpPr/>
-        <p:nvPr/>
-      </p:nvGrpSpPr>
-      <p:grpSpPr>
-        <a:xfrm>
-          <a:off x="0" y="0"/>
-          <a:ext cx="0" cy="0"/>
-          <a:chOff x="0" y="0"/>
-          <a:chExt cx="0" cy="0"/>
-        </a:xfrm>
-      </p:grpSpPr>
-      <p:sp>
-        <p:nvSpPr>
-          <p:cNvPr id="2" name="Title 1">
-            <a:extLst>
-              <a:ext uri="{FF2B5EF4-FFF2-40B4-BE49-F238E27FC236}">
-                <a16:creationId xmlns:a16="http://schemas.microsoft.com/office/drawing/2014/main" id="{D64877FD-FCAC-4C02-ACC3-3EEF96578391}"/>
-              </a:ext>
-            </a:extLst>
-          </p:cNvPr>
-          <p:cNvSpPr>
-            <a:spLocks noGrp="1"/>
-          </p:cNvSpPr>
-          <p:nvPr>
-            <p:ph type="title"/>
-          </p:nvPr>
-        </p:nvSpPr>
-        <p:spPr/>
-        <p:txBody>
-          <a:bodyPr/>
-          <a:lstStyle/>
-          <a:p>
-            <a:r>
-              <a:rPr lang="en-US" dirty="0"/>
-              <a:t>Data Sources</a:t>
-            </a:r>
-          </a:p>
-        </p:txBody>
-      </p:sp>
-      <p:sp>
-        <p:nvSpPr>
-          <p:cNvPr id="3" name="Content Placeholder 2">
-            <a:extLst>
-              <a:ext uri="{FF2B5EF4-FFF2-40B4-BE49-F238E27FC236}">
-                <a16:creationId xmlns:a16="http://schemas.microsoft.com/office/drawing/2014/main" id="{5B004970-BAF2-4FE3-B24C-7B5BCE333D13}"/>
-              </a:ext>
-            </a:extLst>
-          </p:cNvPr>
-          <p:cNvSpPr>
-            <a:spLocks noGrp="1"/>
-          </p:cNvSpPr>
-          <p:nvPr>
-            <p:ph idx="1"/>
-          </p:nvPr>
-        </p:nvSpPr>
-        <p:spPr/>
-        <p:txBody>
-          <a:bodyPr>
-            <a:normAutofit fontScale="92500" lnSpcReduction="20000"/>
-          </a:bodyPr>
-          <a:lstStyle/>
-          <a:p>
-            <a:r>
-              <a:rPr lang="en-US" dirty="0"/>
-              <a:t>Borough Map: </a:t>
-            </a:r>
-            <a:r>
-              <a:rPr lang="en-US" dirty="0">
-                <a:hlinkClick r:id="rId2">
-                  <a:extLst>
-                    <a:ext uri="{A12FA001-AC4F-418D-AE19-62706E023703}">
-                      <ahyp:hlinkClr xmlns:ahyp="http://schemas.microsoft.com/office/drawing/2018/hyperlinkcolor" val="tx"/>
-                    </a:ext>
-                  </a:extLst>
-                </a:hlinkClick>
-              </a:rPr>
-              <a:t>https://data.cityofnewyork.us/City-Government/Borough-Boundaries/tqmj-j8zm</a:t>
-            </a:r>
-            <a:endParaRPr lang="en-US" dirty="0">
-              <a:hlinkClick r:id="rId3">
-                <a:extLst>
-                  <a:ext uri="{A12FA001-AC4F-418D-AE19-62706E023703}">
-                    <ahyp:hlinkClr xmlns:ahyp="http://schemas.microsoft.com/office/drawing/2018/hyperlinkcolor" val="tx"/>
-                  </a:ext>
-                </a:extLst>
-              </a:hlinkClick>
-            </a:endParaRPr>
-          </a:p>
-          <a:p>
-            <a:r>
-              <a:rPr lang="en-US" dirty="0"/>
-              <a:t>Historic Shooting Data (2006-2019): </a:t>
-            </a:r>
-            <a:r>
-              <a:rPr lang="en-US" dirty="0">
-                <a:hlinkClick r:id="rId4">
-                  <a:extLst>
-                    <a:ext uri="{A12FA001-AC4F-418D-AE19-62706E023703}">
-                      <ahyp:hlinkClr xmlns:ahyp="http://schemas.microsoft.com/office/drawing/2018/hyperlinkcolor" val="tx"/>
-                    </a:ext>
-                  </a:extLst>
-                </a:hlinkClick>
-              </a:rPr>
-              <a:t>https://data.cityofnewyork.us/Public-Safety/NYPD-Shooting-Incident-Data-Historic-/833y-fsy8</a:t>
-            </a:r>
-            <a:endParaRPr lang="en-US" dirty="0"/>
-          </a:p>
-          <a:p>
-            <a:r>
-              <a:rPr lang="en-US" dirty="0"/>
-              <a:t>Year to Date Shooting Data (2020): </a:t>
-            </a:r>
-            <a:r>
-              <a:rPr lang="en-US" dirty="0">
-                <a:hlinkClick r:id="rId5">
-                  <a:extLst>
-                    <a:ext uri="{A12FA001-AC4F-418D-AE19-62706E023703}">
-                      <ahyp:hlinkClr xmlns:ahyp="http://schemas.microsoft.com/office/drawing/2018/hyperlinkcolor" val="tx"/>
-                    </a:ext>
-                  </a:extLst>
-                </a:hlinkClick>
-              </a:rPr>
-              <a:t>https://data.cityofnewyork.us/Public-Safety/NYPD-Shooting-Incident-Data-Year-To-Date-/5ucz-vwe8</a:t>
-            </a:r>
-            <a:endParaRPr lang="en-US" dirty="0">
-              <a:hlinkClick r:id="rId3">
-                <a:extLst>
-                  <a:ext uri="{A12FA001-AC4F-418D-AE19-62706E023703}">
-                    <ahyp:hlinkClr xmlns:ahyp="http://schemas.microsoft.com/office/drawing/2018/hyperlinkcolor" val="tx"/>
-                  </a:ext>
-                </a:extLst>
-              </a:hlinkClick>
-            </a:endParaRPr>
-          </a:p>
-          <a:p>
-            <a:r>
-              <a:rPr lang="en-US" dirty="0"/>
-              <a:t>Research Articles for method years:</a:t>
-            </a:r>
-            <a:endParaRPr lang="en-US" dirty="0">
-              <a:hlinkClick r:id="rId3">
-                <a:extLst>
-                  <a:ext uri="{A12FA001-AC4F-418D-AE19-62706E023703}">
-                    <ahyp:hlinkClr xmlns:ahyp="http://schemas.microsoft.com/office/drawing/2018/hyperlinkcolor" val="tx"/>
-                  </a:ext>
-                </a:extLst>
-              </a:hlinkClick>
-            </a:endParaRPr>
-          </a:p>
-          <a:p>
-            <a:pPr lvl="1"/>
-            <a:r>
-              <a:rPr lang="en-US" dirty="0">
-                <a:hlinkClick r:id="rId3">
-                  <a:extLst>
-                    <a:ext uri="{A12FA001-AC4F-418D-AE19-62706E023703}">
-                      <ahyp:hlinkClr xmlns:ahyp="http://schemas.microsoft.com/office/drawing/2018/hyperlinkcolor" val="tx"/>
-                    </a:ext>
-                  </a:extLst>
-                </a:hlinkClick>
-              </a:rPr>
-              <a:t>http://johnjay.jjay.cuny.edu/files/White.pdf</a:t>
-            </a:r>
-            <a:endParaRPr lang="en-US" dirty="0"/>
-          </a:p>
-          <a:p>
-            <a:pPr lvl="1"/>
-            <a:r>
-              <a:rPr lang="en-US" dirty="0">
-                <a:hlinkClick r:id="rId6">
-                  <a:extLst>
-                    <a:ext uri="{A12FA001-AC4F-418D-AE19-62706E023703}">
-                      <ahyp:hlinkClr xmlns:ahyp="http://schemas.microsoft.com/office/drawing/2018/hyperlinkcolor" val="tx"/>
-                    </a:ext>
-                  </a:extLst>
-                </a:hlinkClick>
-              </a:rPr>
-              <a:t>https://www1.nyc.gov/site/nypd/index.page</a:t>
-            </a:r>
-            <a:endParaRPr lang="en-US" dirty="0"/>
-          </a:p>
-        </p:txBody>
-      </p:sp>
-    </p:spTree>
-    <p:extLst>
-      <p:ext uri="{BB962C8B-B14F-4D97-AF65-F5344CB8AC3E}">
-        <p14:creationId xmlns:p14="http://schemas.microsoft.com/office/powerpoint/2010/main" val="1645499797"/>
-      </p:ext>
-    </p:extLst>
-  </p:cSld>
-  <p:clrMapOvr>
-    <a:masterClrMapping/>
-  </p:clrMapOvr>
-</p:sld>
-</file>
-
-<file path=ppt/slides/slide2.xml><?xml version="1.0" encoding="utf-8"?>
-<p:sld xmlns:a="http://schemas.openxmlformats.org/drawingml/2006/main" xmlns:r="http://schemas.openxmlformats.org/officeDocument/2006/relationships" xmlns:p="http://schemas.openxmlformats.org/presentationml/2006/main">
-  <p:cSld>
-    <p:spTree>
-      <p:nvGrpSpPr>
-        <p:cNvPr id="1" name=""/>
-        <p:cNvGrpSpPr/>
-        <p:nvPr/>
-      </p:nvGrpSpPr>
-      <p:grpSpPr>
-        <a:xfrm>
-          <a:off x="0" y="0"/>
-          <a:ext cx="0" cy="0"/>
-          <a:chOff x="0" y="0"/>
-          <a:chExt cx="0" cy="0"/>
-        </a:xfrm>
-      </p:grpSpPr>
-      <p:sp>
-        <p:nvSpPr>
-          <p:cNvPr id="2" name="Title 1">
-            <a:extLst>
-              <a:ext uri="{FF2B5EF4-FFF2-40B4-BE49-F238E27FC236}">
-                <a16:creationId xmlns:a16="http://schemas.microsoft.com/office/drawing/2014/main" id="{34DB6CE4-2B13-4715-B5B2-615A55922CA1}"/>
-              </a:ext>
-            </a:extLst>
-          </p:cNvPr>
-          <p:cNvSpPr>
-            <a:spLocks noGrp="1"/>
-          </p:cNvSpPr>
-          <p:nvPr>
-            <p:ph type="title"/>
-          </p:nvPr>
-        </p:nvSpPr>
-        <p:spPr/>
-        <p:txBody>
-          <a:bodyPr>
-            <a:normAutofit/>
-          </a:bodyPr>
-          <a:lstStyle/>
-          <a:p>
-            <a:r>
-              <a:rPr lang="en-US" sz="4400" dirty="0">
-                <a:latin typeface="Rockwell" panose="02060603020205020403" pitchFamily="18" charset="0"/>
-              </a:rPr>
-              <a:t>Hypothesis</a:t>
-            </a:r>
-          </a:p>
-        </p:txBody>
-      </p:sp>
-      <p:sp>
-        <p:nvSpPr>
-          <p:cNvPr id="3" name="Content Placeholder 2">
-            <a:extLst>
-              <a:ext uri="{FF2B5EF4-FFF2-40B4-BE49-F238E27FC236}">
-                <a16:creationId xmlns:a16="http://schemas.microsoft.com/office/drawing/2014/main" id="{143F5361-68C0-4BF5-80C8-F1E7BF92B2DB}"/>
-              </a:ext>
-            </a:extLst>
-          </p:cNvPr>
-          <p:cNvSpPr>
-            <a:spLocks noGrp="1"/>
-          </p:cNvSpPr>
-          <p:nvPr>
-            <p:ph idx="1"/>
-          </p:nvPr>
-        </p:nvSpPr>
-        <p:spPr/>
-        <p:txBody>
-          <a:bodyPr/>
-          <a:lstStyle/>
-          <a:p>
-            <a:pPr marL="0" indent="0">
-              <a:buNone/>
-            </a:pPr>
-            <a:r>
-              <a:rPr lang="en-US" b="1" dirty="0">
-                <a:latin typeface="Tahoma" panose="020B0604030504040204" pitchFamily="34" charset="0"/>
-                <a:ea typeface="Tahoma" panose="020B0604030504040204" pitchFamily="34" charset="0"/>
-                <a:cs typeface="Tahoma" panose="020B0604030504040204" pitchFamily="34" charset="0"/>
-              </a:rPr>
-              <a:t>Null Hypothesis</a:t>
-            </a:r>
-          </a:p>
-          <a:p>
-            <a:pPr marL="0" indent="0">
-              <a:buNone/>
-            </a:pPr>
-            <a:r>
-              <a:rPr lang="en-US" dirty="0">
-                <a:latin typeface="Tahoma" panose="020B0604030504040204" pitchFamily="34" charset="0"/>
-                <a:ea typeface="Tahoma" panose="020B0604030504040204" pitchFamily="34" charset="0"/>
-                <a:cs typeface="Tahoma" panose="020B0604030504040204" pitchFamily="34" charset="0"/>
-              </a:rPr>
-              <a:t>Policing methodologies have no impact on shooting rates. </a:t>
-            </a:r>
-          </a:p>
-          <a:p>
-            <a:pPr marL="0" indent="0">
-              <a:buNone/>
-            </a:pPr>
-            <a:r>
-              <a:rPr lang="en-US" b="1" dirty="0">
-                <a:latin typeface="Tahoma" panose="020B0604030504040204" pitchFamily="34" charset="0"/>
-                <a:ea typeface="Tahoma" panose="020B0604030504040204" pitchFamily="34" charset="0"/>
-                <a:cs typeface="Tahoma" panose="020B0604030504040204" pitchFamily="34" charset="0"/>
-              </a:rPr>
-              <a:t>Alternate Hypothesis</a:t>
-            </a:r>
-          </a:p>
-          <a:p>
-            <a:pPr marL="0" indent="0">
-              <a:buNone/>
-            </a:pPr>
-            <a:r>
-              <a:rPr lang="en-US" dirty="0">
-                <a:latin typeface="Tahoma" panose="020B0604030504040204" pitchFamily="34" charset="0"/>
-                <a:ea typeface="Tahoma" panose="020B0604030504040204" pitchFamily="34" charset="0"/>
-                <a:cs typeface="Tahoma" panose="020B0604030504040204" pitchFamily="34" charset="0"/>
-              </a:rPr>
-              <a:t>Community or intelligence led policing methodologies decrease shooting rates vs other types of methods. </a:t>
-            </a:r>
-          </a:p>
-          <a:p>
-            <a:pPr marL="0" indent="0">
-              <a:buNone/>
-            </a:pPr>
-            <a:endParaRPr lang="en-US" dirty="0">
-              <a:latin typeface="Tahoma" panose="020B0604030504040204" pitchFamily="34" charset="0"/>
-              <a:ea typeface="Tahoma" panose="020B0604030504040204" pitchFamily="34" charset="0"/>
-              <a:cs typeface="Tahoma" panose="020B0604030504040204" pitchFamily="34" charset="0"/>
-            </a:endParaRPr>
-          </a:p>
-        </p:txBody>
-      </p:sp>
-    </p:spTree>
-    <p:extLst>
-      <p:ext uri="{BB962C8B-B14F-4D97-AF65-F5344CB8AC3E}">
-        <p14:creationId xmlns:p14="http://schemas.microsoft.com/office/powerpoint/2010/main" val="2172179498"/>
-      </p:ext>
-    </p:extLst>
-  </p:cSld>
-  <p:clrMapOvr>
-    <a:masterClrMapping/>
-  </p:clrMapOvr>
-</p:sld>
-</file>
-
-<file path=ppt/slides/slide3.xml><?xml version="1.0" encoding="utf-8"?>
-<p:sld xmlns:a="http://schemas.openxmlformats.org/drawingml/2006/main" xmlns:r="http://schemas.openxmlformats.org/officeDocument/2006/relationships" xmlns:p="http://schemas.openxmlformats.org/presentationml/2006/main">
-  <p:cSld>
-    <p:spTree>
-      <p:nvGrpSpPr>
-        <p:cNvPr id="1" name=""/>
-        <p:cNvGrpSpPr/>
-        <p:nvPr/>
-      </p:nvGrpSpPr>
-      <p:grpSpPr>
-        <a:xfrm>
-          <a:off x="0" y="0"/>
-          <a:ext cx="0" cy="0"/>
-          <a:chOff x="0" y="0"/>
-          <a:chExt cx="0" cy="0"/>
-        </a:xfrm>
-      </p:grpSpPr>
-      <p:sp>
-        <p:nvSpPr>
-          <p:cNvPr id="2" name="Title 1">
-            <a:extLst>
-              <a:ext uri="{FF2B5EF4-FFF2-40B4-BE49-F238E27FC236}">
-                <a16:creationId xmlns:a16="http://schemas.microsoft.com/office/drawing/2014/main" id="{0A4EB72E-96C0-4A8D-9ED2-3A8CC7FD9B93}"/>
-              </a:ext>
-            </a:extLst>
-          </p:cNvPr>
-          <p:cNvSpPr>
-            <a:spLocks noGrp="1"/>
-          </p:cNvSpPr>
-          <p:nvPr>
-            <p:ph type="title"/>
-          </p:nvPr>
-        </p:nvSpPr>
-        <p:spPr/>
-        <p:txBody>
-          <a:bodyPr/>
-          <a:lstStyle/>
-          <a:p>
-            <a:r>
-              <a:rPr lang="en-US" dirty="0"/>
-              <a:t>Questions</a:t>
-            </a:r>
-          </a:p>
-        </p:txBody>
-      </p:sp>
-      <p:sp>
-        <p:nvSpPr>
-          <p:cNvPr id="3" name="Content Placeholder 2">
-            <a:extLst>
-              <a:ext uri="{FF2B5EF4-FFF2-40B4-BE49-F238E27FC236}">
-                <a16:creationId xmlns:a16="http://schemas.microsoft.com/office/drawing/2014/main" id="{A712A1D5-1F81-419E-8394-D00D5CEF966B}"/>
-              </a:ext>
-            </a:extLst>
-          </p:cNvPr>
-          <p:cNvSpPr>
-            <a:spLocks noGrp="1"/>
-          </p:cNvSpPr>
-          <p:nvPr>
-            <p:ph idx="1"/>
-          </p:nvPr>
-        </p:nvSpPr>
-        <p:spPr/>
-        <p:txBody>
-          <a:bodyPr>
-            <a:normAutofit fontScale="85000" lnSpcReduction="20000"/>
-          </a:bodyPr>
-          <a:lstStyle/>
-          <a:p>
-            <a:r>
-              <a:rPr lang="en-US" dirty="0"/>
-              <a:t>How has their policing approach changed over time? Did they combine methodologies during the period evaluated?</a:t>
-            </a:r>
-          </a:p>
-          <a:p>
-            <a:r>
-              <a:rPr lang="en-US" dirty="0"/>
-              <a:t>Where are shootings most prevalent in New York (analyzed by borough or precinct)?</a:t>
-            </a:r>
-          </a:p>
-          <a:p>
-            <a:r>
-              <a:rPr lang="en-US" dirty="0"/>
-              <a:t>What are the demographics of victims? Are there patterns or trends based on victim demographics?</a:t>
-            </a:r>
-          </a:p>
-          <a:p>
-            <a:r>
-              <a:rPr lang="en-US" dirty="0"/>
-              <a:t>What outliers were discovered in the data that had an impact on the crime rate? Are there geographical impacts?</a:t>
-            </a:r>
-          </a:p>
-          <a:p>
-            <a:r>
-              <a:rPr lang="en-US" dirty="0"/>
-              <a:t>How were shooting incidents statistically impacted by implemented strategies? What were those % changes (+/-)? </a:t>
-            </a:r>
-          </a:p>
-          <a:p>
-            <a:endParaRPr lang="en-US" dirty="0"/>
-          </a:p>
-          <a:p>
-            <a:endParaRPr lang="en-US" dirty="0"/>
-          </a:p>
-          <a:p>
-            <a:endParaRPr lang="en-US" dirty="0"/>
-          </a:p>
-          <a:p>
-            <a:endParaRPr lang="en-US" dirty="0"/>
-          </a:p>
-        </p:txBody>
-      </p:sp>
-    </p:spTree>
-    <p:extLst>
-      <p:ext uri="{BB962C8B-B14F-4D97-AF65-F5344CB8AC3E}">
-        <p14:creationId xmlns:p14="http://schemas.microsoft.com/office/powerpoint/2010/main" val="2500733770"/>
-      </p:ext>
-    </p:extLst>
-  </p:cSld>
-  <p:clrMapOvr>
-    <a:masterClrMapping/>
-  </p:clrMapOvr>
-</p:sld>
-</file>
-
-<file path=ppt/slides/slide4.xml><?xml version="1.0" encoding="utf-8"?>
-<p:sld xmlns:a="http://schemas.openxmlformats.org/drawingml/2006/main" xmlns:r="http://schemas.openxmlformats.org/officeDocument/2006/relationships" xmlns:p="http://schemas.openxmlformats.org/presentationml/2006/main">
-  <p:cSld>
-    <p:spTree>
-      <p:nvGrpSpPr>
-        <p:cNvPr id="1" name=""/>
-        <p:cNvGrpSpPr/>
-        <p:nvPr/>
-      </p:nvGrpSpPr>
-      <p:grpSpPr>
-        <a:xfrm>
-          <a:off x="0" y="0"/>
-          <a:ext cx="0" cy="0"/>
-          <a:chOff x="0" y="0"/>
-          <a:chExt cx="0" cy="0"/>
-        </a:xfrm>
-      </p:grpSpPr>
-      <p:sp>
-        <p:nvSpPr>
-          <p:cNvPr id="2" name="Title 1">
-            <a:extLst>
-              <a:ext uri="{FF2B5EF4-FFF2-40B4-BE49-F238E27FC236}">
-                <a16:creationId xmlns:a16="http://schemas.microsoft.com/office/drawing/2014/main" id="{34DB6CE4-2B13-4715-B5B2-615A55922CA1}"/>
-              </a:ext>
-            </a:extLst>
-          </p:cNvPr>
-          <p:cNvSpPr>
-            <a:spLocks noGrp="1"/>
-          </p:cNvSpPr>
-          <p:nvPr>
-            <p:ph type="title"/>
-          </p:nvPr>
-        </p:nvSpPr>
-        <p:spPr>
-          <a:xfrm>
-            <a:off x="1143001" y="653242"/>
-            <a:ext cx="9905998" cy="1478570"/>
-          </a:xfrm>
-        </p:spPr>
-        <p:txBody>
-          <a:bodyPr>
-            <a:normAutofit/>
-          </a:bodyPr>
-          <a:lstStyle/>
-          <a:p>
-            <a:r>
-              <a:rPr lang="en-US" sz="4400" dirty="0">
-                <a:latin typeface="Rockwell" panose="02060603020205020403" pitchFamily="18" charset="0"/>
-              </a:rPr>
-              <a:t>Data Sets</a:t>
-            </a:r>
-          </a:p>
-        </p:txBody>
-      </p:sp>
-      <p:graphicFrame>
-        <p:nvGraphicFramePr>
-          <p:cNvPr id="4" name="Content Placeholder 3">
-            <a:extLst>
-              <a:ext uri="{FF2B5EF4-FFF2-40B4-BE49-F238E27FC236}">
-                <a16:creationId xmlns:a16="http://schemas.microsoft.com/office/drawing/2014/main" id="{242FA989-6B7C-488C-85ED-CB8D01BA3254}"/>
-              </a:ext>
-              <a:ext uri="{C183D7F6-B498-43B3-948B-1728B52AA6E4}">
-                <adec:decorative xmlns:adec="http://schemas.microsoft.com/office/drawing/2017/decorative" val="1"/>
-              </a:ext>
-            </a:extLst>
-          </p:cNvPr>
-          <p:cNvGraphicFramePr>
-            <a:graphicFrameLocks noGrp="1"/>
-          </p:cNvGraphicFramePr>
-          <p:nvPr>
-            <p:ph idx="1"/>
-            <p:extLst>
-              <p:ext uri="{D42A27DB-BD31-4B8C-83A1-F6EECF244321}">
-                <p14:modId xmlns:p14="http://schemas.microsoft.com/office/powerpoint/2010/main" val="3423465758"/>
-              </p:ext>
-            </p:extLst>
-          </p:nvPr>
-        </p:nvGraphicFramePr>
-        <p:xfrm>
-          <a:off x="477060" y="1871331"/>
-          <a:ext cx="3935451" cy="4492256"/>
-        </p:xfrm>
-        <a:graphic>
-          <a:graphicData uri="http://schemas.openxmlformats.org/drawingml/2006/diagram">
-            <dgm:relIds xmlns:dgm="http://schemas.openxmlformats.org/drawingml/2006/diagram" xmlns:r="http://schemas.openxmlformats.org/officeDocument/2006/relationships" r:dm="rId2" r:lo="rId3" r:qs="rId4" r:cs="rId5"/>
-          </a:graphicData>
-        </a:graphic>
-      </p:graphicFrame>
-      <p:pic>
-        <p:nvPicPr>
-          <p:cNvPr id="5" name="Picture 4">
-            <a:extLst>
-              <a:ext uri="{FF2B5EF4-FFF2-40B4-BE49-F238E27FC236}">
-                <a16:creationId xmlns:a16="http://schemas.microsoft.com/office/drawing/2014/main" id="{FA36678A-9C6F-4CDB-A1AC-04248530028E}"/>
-              </a:ext>
-            </a:extLst>
-          </p:cNvPr>
-          <p:cNvPicPr>
-            <a:picLocks noChangeAspect="1"/>
-          </p:cNvPicPr>
-          <p:nvPr/>
-        </p:nvPicPr>
-        <p:blipFill>
-          <a:blip r:embed="rId7"/>
-          <a:stretch>
-            <a:fillRect/>
-          </a:stretch>
-        </p:blipFill>
-        <p:spPr>
-          <a:xfrm>
-            <a:off x="4894857" y="2414137"/>
-            <a:ext cx="6296025" cy="2752725"/>
-          </a:xfrm>
-          <a:prstGeom prst="rect">
-            <a:avLst/>
-          </a:prstGeom>
-        </p:spPr>
-      </p:pic>
-    </p:spTree>
-    <p:extLst>
-      <p:ext uri="{BB962C8B-B14F-4D97-AF65-F5344CB8AC3E}">
-        <p14:creationId xmlns:p14="http://schemas.microsoft.com/office/powerpoint/2010/main" val="1193417028"/>
-      </p:ext>
-    </p:extLst>
-  </p:cSld>
-  <p:clrMapOvr>
-    <a:masterClrMapping/>
-  </p:clrMapOvr>
-</p:sld>
-</file>
-
-<file path=ppt/slides/slide5.xml><?xml version="1.0" encoding="utf-8"?>
-<p:sld xmlns:a="http://schemas.openxmlformats.org/drawingml/2006/main" xmlns:r="http://schemas.openxmlformats.org/officeDocument/2006/relationships" xmlns:p="http://schemas.openxmlformats.org/presentationml/2006/main">
-  <p:cSld>
-    <p:spTree>
-      <p:nvGrpSpPr>
-        <p:cNvPr id="1" name=""/>
-        <p:cNvGrpSpPr/>
-        <p:nvPr/>
-      </p:nvGrpSpPr>
-      <p:grpSpPr>
-        <a:xfrm>
-          <a:off x="0" y="0"/>
-          <a:ext cx="0" cy="0"/>
-          <a:chOff x="0" y="0"/>
-          <a:chExt cx="0" cy="0"/>
-        </a:xfrm>
-      </p:grpSpPr>
-      <p:sp>
-        <p:nvSpPr>
-          <p:cNvPr id="2" name="Title 1">
-            <a:extLst>
-              <a:ext uri="{FF2B5EF4-FFF2-40B4-BE49-F238E27FC236}">
-                <a16:creationId xmlns:a16="http://schemas.microsoft.com/office/drawing/2014/main" id="{162317DA-BE17-4CE8-A0BA-8CE28C8DFBEF}"/>
-              </a:ext>
-            </a:extLst>
-          </p:cNvPr>
-          <p:cNvSpPr>
-            <a:spLocks noGrp="1"/>
-          </p:cNvSpPr>
-          <p:nvPr>
-            <p:ph type="title"/>
-          </p:nvPr>
-        </p:nvSpPr>
-        <p:spPr/>
-        <p:txBody>
-          <a:bodyPr/>
-          <a:lstStyle/>
-          <a:p>
-            <a:r>
-              <a:rPr lang="en-US" dirty="0"/>
-              <a:t>Specific Methodology Targets</a:t>
-            </a:r>
-          </a:p>
-        </p:txBody>
-      </p:sp>
-      <p:sp>
-        <p:nvSpPr>
-          <p:cNvPr id="3" name="Content Placeholder 2">
-            <a:extLst>
-              <a:ext uri="{FF2B5EF4-FFF2-40B4-BE49-F238E27FC236}">
-                <a16:creationId xmlns:a16="http://schemas.microsoft.com/office/drawing/2014/main" id="{838D2379-7CE5-4CDD-9433-D8F024D06B96}"/>
-              </a:ext>
-            </a:extLst>
-          </p:cNvPr>
-          <p:cNvSpPr>
-            <a:spLocks noGrp="1"/>
-          </p:cNvSpPr>
-          <p:nvPr>
-            <p:ph idx="1"/>
-          </p:nvPr>
-        </p:nvSpPr>
-        <p:spPr/>
-        <p:txBody>
-          <a:bodyPr/>
-          <a:lstStyle/>
-          <a:p>
-            <a:r>
-              <a:rPr lang="en-US" dirty="0"/>
-              <a:t>We collectively reviewed multiple research studies to get our year groupings of interest. </a:t>
-            </a:r>
-          </a:p>
-          <a:p>
-            <a:r>
-              <a:rPr lang="en-US" dirty="0"/>
-              <a:t>2006- 2010 - NYC was primarily utilizing their </a:t>
-            </a:r>
-            <a:r>
-              <a:rPr lang="en-US" dirty="0" err="1"/>
-              <a:t>ComStat</a:t>
-            </a:r>
-            <a:r>
-              <a:rPr lang="en-US" dirty="0"/>
-              <a:t> Model - baseline</a:t>
-            </a:r>
-          </a:p>
-          <a:p>
-            <a:r>
-              <a:rPr lang="en-US" dirty="0"/>
-              <a:t>2010 - 2014 – NYC was primarily utilizing their </a:t>
-            </a:r>
-            <a:r>
-              <a:rPr lang="en-US" dirty="0" err="1"/>
-              <a:t>ComStat</a:t>
-            </a:r>
-            <a:r>
-              <a:rPr lang="en-US" dirty="0"/>
-              <a:t> Model – with introduction of some community programs (Ceasefire, </a:t>
-            </a:r>
-            <a:r>
-              <a:rPr lang="en-US" dirty="0" err="1"/>
-              <a:t>etc</a:t>
-            </a:r>
-            <a:r>
-              <a:rPr lang="en-US" dirty="0"/>
-              <a:t>)</a:t>
-            </a:r>
-          </a:p>
-          <a:p>
-            <a:r>
-              <a:rPr lang="en-US" dirty="0"/>
-              <a:t>2015 - 2019 – Introduction of additional community policing initiatives</a:t>
-            </a:r>
-          </a:p>
-        </p:txBody>
-      </p:sp>
-    </p:spTree>
-    <p:extLst>
-      <p:ext uri="{BB962C8B-B14F-4D97-AF65-F5344CB8AC3E}">
-        <p14:creationId xmlns:p14="http://schemas.microsoft.com/office/powerpoint/2010/main" val="3262789724"/>
-      </p:ext>
-    </p:extLst>
-  </p:cSld>
-  <p:clrMapOvr>
-    <a:masterClrMapping/>
-  </p:clrMapOvr>
-</p:sld>
-</file>
-
-<file path=ppt/slides/slide6.xml><?xml version="1.0" encoding="utf-8"?>
-<p:sld xmlns:a="http://schemas.openxmlformats.org/drawingml/2006/main" xmlns:r="http://schemas.openxmlformats.org/officeDocument/2006/relationships" xmlns:p="http://schemas.openxmlformats.org/presentationml/2006/main">
-  <p:cSld>
-    <p:spTree>
-      <p:nvGrpSpPr>
-        <p:cNvPr id="1" name=""/>
-        <p:cNvGrpSpPr/>
-        <p:nvPr/>
-      </p:nvGrpSpPr>
-      <p:grpSpPr>
-        <a:xfrm>
-          <a:off x="0" y="0"/>
-          <a:ext cx="0" cy="0"/>
-          <a:chOff x="0" y="0"/>
-          <a:chExt cx="0" cy="0"/>
-        </a:xfrm>
-      </p:grpSpPr>
-      <p:sp>
-        <p:nvSpPr>
-          <p:cNvPr id="2" name="Title 1">
-            <a:extLst>
-              <a:ext uri="{FF2B5EF4-FFF2-40B4-BE49-F238E27FC236}">
-                <a16:creationId xmlns:a16="http://schemas.microsoft.com/office/drawing/2014/main" id="{D790A8F9-9D13-4C68-86DB-E2E5DB4C545B}"/>
-              </a:ext>
-            </a:extLst>
-          </p:cNvPr>
-          <p:cNvSpPr>
-            <a:spLocks noGrp="1"/>
-          </p:cNvSpPr>
-          <p:nvPr>
-            <p:ph type="title"/>
-          </p:nvPr>
-        </p:nvSpPr>
-        <p:spPr/>
-        <p:txBody>
-          <a:bodyPr/>
-          <a:lstStyle/>
-          <a:p>
-            <a:r>
-              <a:rPr lang="en-US" dirty="0"/>
-              <a:t>Data Cleansing</a:t>
-            </a:r>
-          </a:p>
-        </p:txBody>
-      </p:sp>
-      <p:sp>
-        <p:nvSpPr>
-          <p:cNvPr id="3" name="Text Placeholder 2">
-            <a:extLst>
-              <a:ext uri="{FF2B5EF4-FFF2-40B4-BE49-F238E27FC236}">
-                <a16:creationId xmlns:a16="http://schemas.microsoft.com/office/drawing/2014/main" id="{B8DCB3D4-EB2C-425E-8C7E-C4EEA6A6F889}"/>
-              </a:ext>
-            </a:extLst>
-          </p:cNvPr>
-          <p:cNvSpPr>
-            <a:spLocks noGrp="1"/>
-          </p:cNvSpPr>
-          <p:nvPr>
-            <p:ph sz="half" idx="1"/>
-          </p:nvPr>
-        </p:nvSpPr>
-        <p:spPr/>
-        <p:txBody>
-          <a:bodyPr/>
-          <a:lstStyle/>
-          <a:p>
-            <a:pPr marL="0" indent="0">
-              <a:buNone/>
-            </a:pPr>
-            <a:r>
-              <a:rPr lang="en-US" b="1" dirty="0"/>
-              <a:t>Original Data </a:t>
-            </a:r>
-          </a:p>
-          <a:p>
-            <a:pPr marL="285750" indent="-285750"/>
-            <a:r>
-              <a:rPr lang="en-US" dirty="0"/>
-              <a:t>Data very clean with very few missing values so limiting cleansing was required</a:t>
-            </a:r>
-          </a:p>
-          <a:p>
-            <a:pPr marL="285750" indent="-285750"/>
-            <a:r>
-              <a:rPr lang="en-US" dirty="0"/>
-              <a:t>Missing data on offenders</a:t>
-            </a:r>
-          </a:p>
-          <a:p>
-            <a:r>
-              <a:rPr lang="en-US" dirty="0"/>
-              <a:t>Sets</a:t>
-            </a:r>
-          </a:p>
-        </p:txBody>
-      </p:sp>
-      <p:sp>
-        <p:nvSpPr>
-          <p:cNvPr id="5" name="Text Placeholder 4">
-            <a:extLst>
-              <a:ext uri="{FF2B5EF4-FFF2-40B4-BE49-F238E27FC236}">
-                <a16:creationId xmlns:a16="http://schemas.microsoft.com/office/drawing/2014/main" id="{650752E6-5118-455B-9A4A-B132B58D0D61}"/>
-              </a:ext>
-            </a:extLst>
-          </p:cNvPr>
-          <p:cNvSpPr>
-            <a:spLocks noGrp="1"/>
-          </p:cNvSpPr>
-          <p:nvPr>
-            <p:ph sz="half" idx="2"/>
-          </p:nvPr>
-        </p:nvSpPr>
-        <p:spPr/>
-        <p:txBody>
-          <a:bodyPr/>
-          <a:lstStyle/>
-          <a:p>
-            <a:pPr marL="0" indent="0">
-              <a:buNone/>
-            </a:pPr>
-            <a:r>
-              <a:rPr lang="en-US" b="1" dirty="0"/>
-              <a:t>2020 Data</a:t>
-            </a:r>
-          </a:p>
-          <a:p>
-            <a:r>
-              <a:rPr lang="en-US" dirty="0"/>
-              <a:t>To answer additional questions we had about 2019 we populated 2020 with “0” so we could draw some conclusions over the first 6 months. </a:t>
-            </a:r>
-          </a:p>
-          <a:p>
-            <a:endParaRPr lang="en-US" dirty="0"/>
-          </a:p>
-        </p:txBody>
-      </p:sp>
-    </p:spTree>
-    <p:extLst>
-      <p:ext uri="{BB962C8B-B14F-4D97-AF65-F5344CB8AC3E}">
-        <p14:creationId xmlns:p14="http://schemas.microsoft.com/office/powerpoint/2010/main" val="2192271657"/>
-      </p:ext>
-    </p:extLst>
-  </p:cSld>
-  <p:clrMapOvr>
-    <a:masterClrMapping/>
-  </p:clrMapOvr>
-</p:sld>
-</file>
-
-<file path=ppt/slides/slide7.xml><?xml version="1.0" encoding="utf-8"?>
-<p:sld xmlns:a="http://schemas.openxmlformats.org/drawingml/2006/main" xmlns:r="http://schemas.openxmlformats.org/officeDocument/2006/relationships" xmlns:p="http://schemas.openxmlformats.org/presentationml/2006/main">
-  <p:cSld>
-    <p:spTree>
-      <p:nvGrpSpPr>
-        <p:cNvPr id="1" name=""/>
-        <p:cNvGrpSpPr/>
-        <p:nvPr/>
-      </p:nvGrpSpPr>
-      <p:grpSpPr>
-        <a:xfrm>
-          <a:off x="0" y="0"/>
-          <a:ext cx="0" cy="0"/>
-          <a:chOff x="0" y="0"/>
-          <a:chExt cx="0" cy="0"/>
-        </a:xfrm>
-      </p:grpSpPr>
-      <p:sp>
-        <p:nvSpPr>
-          <p:cNvPr id="2" name="Title 1">
-            <a:extLst>
-              <a:ext uri="{FF2B5EF4-FFF2-40B4-BE49-F238E27FC236}">
-                <a16:creationId xmlns:a16="http://schemas.microsoft.com/office/drawing/2014/main" id="{1DFE54A6-8866-4AF7-970F-B96E863244C7}"/>
-              </a:ext>
-            </a:extLst>
-          </p:cNvPr>
-          <p:cNvSpPr>
-            <a:spLocks noGrp="1"/>
-          </p:cNvSpPr>
-          <p:nvPr>
-            <p:ph type="title"/>
-          </p:nvPr>
-        </p:nvSpPr>
-        <p:spPr/>
-        <p:txBody>
-          <a:bodyPr/>
-          <a:lstStyle/>
-          <a:p>
-            <a:r>
-              <a:rPr lang="en-US" dirty="0"/>
-              <a:t>Data Exploration</a:t>
-            </a:r>
-          </a:p>
-        </p:txBody>
-      </p:sp>
-      <p:sp>
-        <p:nvSpPr>
-          <p:cNvPr id="8" name="Text Placeholder 7">
-            <a:extLst>
-              <a:ext uri="{FF2B5EF4-FFF2-40B4-BE49-F238E27FC236}">
-                <a16:creationId xmlns:a16="http://schemas.microsoft.com/office/drawing/2014/main" id="{5D4A5571-5FB4-4409-80E8-455A947B481A}"/>
-              </a:ext>
-            </a:extLst>
-          </p:cNvPr>
-          <p:cNvSpPr>
-            <a:spLocks noGrp="1"/>
-          </p:cNvSpPr>
-          <p:nvPr>
-            <p:ph type="body" sz="half" idx="17"/>
-          </p:nvPr>
-        </p:nvSpPr>
-        <p:spPr>
-          <a:xfrm>
-            <a:off x="7148582" y="2961166"/>
-            <a:ext cx="3898828" cy="3148635"/>
-          </a:xfrm>
-        </p:spPr>
-        <p:txBody>
-          <a:bodyPr>
-            <a:normAutofit/>
-          </a:bodyPr>
-          <a:lstStyle/>
-          <a:p>
-            <a:pPr marL="285750" indent="-285750">
-              <a:buFont typeface="Arial" panose="020B0604020202020204" pitchFamily="34" charset="0"/>
-              <a:buChar char="•"/>
-            </a:pPr>
-            <a:r>
-              <a:rPr lang="en-US" sz="1800" dirty="0"/>
-              <a:t>Borough Breakdown – thought this would be more beneficial but not enough ties to methodology changes</a:t>
-            </a:r>
-          </a:p>
-          <a:p>
-            <a:pPr marL="285750" indent="-285750">
-              <a:buFont typeface="Arial" panose="020B0604020202020204" pitchFamily="34" charset="0"/>
-              <a:buChar char="•"/>
-            </a:pPr>
-            <a:r>
-              <a:rPr lang="en-US" sz="1800" dirty="0"/>
-              <a:t>Precincts too granular to benefit overall assumptions</a:t>
-            </a:r>
-          </a:p>
-          <a:p>
-            <a:pPr marL="285750" indent="-285750">
-              <a:buFont typeface="Arial" panose="020B0604020202020204" pitchFamily="34" charset="0"/>
-              <a:buChar char="•"/>
-            </a:pPr>
-            <a:r>
-              <a:rPr lang="en-US" sz="1800" dirty="0"/>
-              <a:t>Reviewed by year/ month/ time of day – all too granular for ultimate questions</a:t>
-            </a:r>
-          </a:p>
-          <a:p>
-            <a:endParaRPr lang="en-US" dirty="0"/>
-          </a:p>
-        </p:txBody>
-      </p:sp>
-      <p:pic>
-        <p:nvPicPr>
-          <p:cNvPr id="10" name="Picture 9" descr="A screenshot of a cell phone&#10;&#10;Description automatically generated">
-            <a:extLst>
-              <a:ext uri="{FF2B5EF4-FFF2-40B4-BE49-F238E27FC236}">
-                <a16:creationId xmlns:a16="http://schemas.microsoft.com/office/drawing/2014/main" id="{4E5C564F-1C25-4B0B-B753-80AE298103CD}"/>
-              </a:ext>
-            </a:extLst>
-          </p:cNvPr>
-          <p:cNvPicPr>
-            <a:picLocks noChangeAspect="1"/>
-          </p:cNvPicPr>
-          <p:nvPr/>
-        </p:nvPicPr>
-        <p:blipFill>
-          <a:blip r:embed="rId2"/>
-          <a:stretch>
-            <a:fillRect/>
-          </a:stretch>
-        </p:blipFill>
-        <p:spPr>
-          <a:xfrm>
-            <a:off x="401507" y="2395959"/>
-            <a:ext cx="6747075" cy="3148635"/>
-          </a:xfrm>
-          <a:prstGeom prst="rect">
-            <a:avLst/>
-          </a:prstGeom>
-        </p:spPr>
-      </p:pic>
-      <p:pic>
-        <p:nvPicPr>
-          <p:cNvPr id="11" name="Picture 10" descr="A close up of a card&#10;&#10;Description automatically generated">
-            <a:extLst>
-              <a:ext uri="{FF2B5EF4-FFF2-40B4-BE49-F238E27FC236}">
-                <a16:creationId xmlns:a16="http://schemas.microsoft.com/office/drawing/2014/main" id="{034AC155-C193-47C0-A411-BAAF34D44198}"/>
-              </a:ext>
-            </a:extLst>
-          </p:cNvPr>
-          <p:cNvPicPr>
-            <a:picLocks noChangeAspect="1"/>
-          </p:cNvPicPr>
-          <p:nvPr/>
-        </p:nvPicPr>
-        <p:blipFill>
-          <a:blip r:embed="rId3"/>
-          <a:stretch>
-            <a:fillRect/>
-          </a:stretch>
-        </p:blipFill>
-        <p:spPr>
-          <a:xfrm>
-            <a:off x="7148582" y="110559"/>
-            <a:ext cx="2784441" cy="2784441"/>
-          </a:xfrm>
-          <a:prstGeom prst="rect">
-            <a:avLst/>
-          </a:prstGeom>
-        </p:spPr>
-      </p:pic>
-    </p:spTree>
-    <p:extLst>
-      <p:ext uri="{BB962C8B-B14F-4D97-AF65-F5344CB8AC3E}">
-        <p14:creationId xmlns:p14="http://schemas.microsoft.com/office/powerpoint/2010/main" val="4178116313"/>
-      </p:ext>
-    </p:extLst>
-  </p:cSld>
-  <p:clrMapOvr>
-    <a:masterClrMapping/>
-  </p:clrMapOvr>
-</p:sld>
-</file>
-
-<file path=ppt/slides/slide8.xml><?xml version="1.0" encoding="utf-8"?>
-<p:sld xmlns:a="http://schemas.openxmlformats.org/drawingml/2006/main" xmlns:r="http://schemas.openxmlformats.org/officeDocument/2006/relationships" xmlns:p="http://schemas.openxmlformats.org/presentationml/2006/main">
-  <p:cSld>
-    <p:spTree>
-      <p:nvGrpSpPr>
-        <p:cNvPr id="1" name=""/>
-        <p:cNvGrpSpPr/>
-        <p:nvPr/>
-      </p:nvGrpSpPr>
-      <p:grpSpPr>
-        <a:xfrm>
-          <a:off x="0" y="0"/>
-          <a:ext cx="0" cy="0"/>
-          <a:chOff x="0" y="0"/>
-          <a:chExt cx="0" cy="0"/>
-        </a:xfrm>
-      </p:grpSpPr>
-      <p:sp>
-        <p:nvSpPr>
-          <p:cNvPr id="2" name="Title 1">
-            <a:extLst>
-              <a:ext uri="{FF2B5EF4-FFF2-40B4-BE49-F238E27FC236}">
-                <a16:creationId xmlns:a16="http://schemas.microsoft.com/office/drawing/2014/main" id="{B7410DBB-74CC-4D25-B8EC-9EFA34888B8A}"/>
-              </a:ext>
-            </a:extLst>
-          </p:cNvPr>
-          <p:cNvSpPr>
-            <a:spLocks noGrp="1"/>
-          </p:cNvSpPr>
-          <p:nvPr>
-            <p:ph type="title"/>
-          </p:nvPr>
-        </p:nvSpPr>
-        <p:spPr>
-          <a:xfrm>
-            <a:off x="1141413" y="618518"/>
-            <a:ext cx="9905998" cy="1478570"/>
-          </a:xfrm>
-        </p:spPr>
-        <p:txBody>
-          <a:bodyPr anchor="ctr">
-            <a:normAutofit/>
-          </a:bodyPr>
-          <a:lstStyle/>
-          <a:p>
-            <a:r>
-              <a:rPr lang="en-US" dirty="0"/>
-              <a:t>Most Dangerous Borough</a:t>
-            </a:r>
-          </a:p>
-        </p:txBody>
-      </p:sp>
-      <p:pic>
-        <p:nvPicPr>
-          <p:cNvPr id="6" name="Content Placeholder 5" descr="Yearly Shootings per Borough">
-            <a:extLst>
-              <a:ext uri="{FF2B5EF4-FFF2-40B4-BE49-F238E27FC236}">
-                <a16:creationId xmlns:a16="http://schemas.microsoft.com/office/drawing/2014/main" id="{A6888274-8257-424A-ACF1-4394D9F82E31}"/>
-              </a:ext>
-            </a:extLst>
-          </p:cNvPr>
-          <p:cNvPicPr>
-            <a:picLocks noGrp="1" noChangeAspect="1"/>
-          </p:cNvPicPr>
-          <p:nvPr>
-            <p:ph sz="half" idx="2"/>
-          </p:nvPr>
-        </p:nvPicPr>
-        <p:blipFill>
-          <a:blip r:embed="rId2"/>
-          <a:stretch>
-            <a:fillRect/>
-          </a:stretch>
-        </p:blipFill>
-        <p:spPr>
-          <a:xfrm>
-            <a:off x="5792702" y="2280969"/>
-            <a:ext cx="5837947" cy="2729239"/>
-          </a:xfrm>
-          <a:noFill/>
-        </p:spPr>
-      </p:pic>
-      <p:pic>
-        <p:nvPicPr>
-          <p:cNvPr id="12" name="Content Placeholder 11">
-            <a:extLst>
-              <a:ext uri="{FF2B5EF4-FFF2-40B4-BE49-F238E27FC236}">
-                <a16:creationId xmlns:a16="http://schemas.microsoft.com/office/drawing/2014/main" id="{16B2ECEE-1F40-41DC-A9A5-03285BA57BF2}"/>
-              </a:ext>
-            </a:extLst>
-          </p:cNvPr>
-          <p:cNvPicPr>
-            <a:picLocks noGrp="1" noChangeAspect="1"/>
-          </p:cNvPicPr>
-          <p:nvPr>
-            <p:ph sz="half" idx="1"/>
-          </p:nvPr>
-        </p:nvPicPr>
-        <p:blipFill>
-          <a:blip r:embed="rId3"/>
-          <a:stretch>
-            <a:fillRect/>
-          </a:stretch>
-        </p:blipFill>
-        <p:spPr>
-          <a:xfrm>
-            <a:off x="766659" y="1899451"/>
-            <a:ext cx="4878387" cy="3492277"/>
-          </a:xfrm>
-          <a:prstGeom prst="rect">
-            <a:avLst/>
-          </a:prstGeom>
-        </p:spPr>
-      </p:pic>
-    </p:spTree>
-    <p:extLst>
-      <p:ext uri="{BB962C8B-B14F-4D97-AF65-F5344CB8AC3E}">
-        <p14:creationId xmlns:p14="http://schemas.microsoft.com/office/powerpoint/2010/main" val="2289467716"/>
-      </p:ext>
-    </p:extLst>
-  </p:cSld>
-  <p:clrMapOvr>
-    <a:masterClrMapping/>
-  </p:clrMapOvr>
-</p:sld>
-</file>
-
-<file path=ppt/slides/slide9.xml><?xml version="1.0" encoding="utf-8"?>
-<p:sld xmlns:a="http://schemas.openxmlformats.org/drawingml/2006/main" xmlns:r="http://schemas.openxmlformats.org/officeDocument/2006/relationships" xmlns:p="http://schemas.openxmlformats.org/presentationml/2006/main">
-  <p:cSld>
-    <p:spTree>
-      <p:nvGrpSpPr>
-        <p:cNvPr id="1" name=""/>
-        <p:cNvGrpSpPr/>
-        <p:nvPr/>
-      </p:nvGrpSpPr>
-      <p:grpSpPr>
-        <a:xfrm>
-          <a:off x="0" y="0"/>
-          <a:ext cx="0" cy="0"/>
-          <a:chOff x="0" y="0"/>
-          <a:chExt cx="0" cy="0"/>
-        </a:xfrm>
-      </p:grpSpPr>
-      <p:sp>
-        <p:nvSpPr>
-          <p:cNvPr id="2" name="Title 1">
-            <a:extLst>
-              <a:ext uri="{FF2B5EF4-FFF2-40B4-BE49-F238E27FC236}">
-                <a16:creationId xmlns:a16="http://schemas.microsoft.com/office/drawing/2014/main" id="{34DB6CE4-2B13-4715-B5B2-615A55922CA1}"/>
-              </a:ext>
-            </a:extLst>
-          </p:cNvPr>
-          <p:cNvSpPr>
-            <a:spLocks noGrp="1"/>
-          </p:cNvSpPr>
-          <p:nvPr>
-            <p:ph type="title"/>
-          </p:nvPr>
-        </p:nvSpPr>
         <p:spPr/>
         <p:txBody>
           <a:bodyPr>
@@ -17607,6 +15829,2243 @@
     <p:extLst>
       <p:ext uri="{BB962C8B-B14F-4D97-AF65-F5344CB8AC3E}">
         <p14:creationId xmlns:p14="http://schemas.microsoft.com/office/powerpoint/2010/main" val="1398410914"/>
+      </p:ext>
+    </p:extLst>
+  </p:cSld>
+  <p:clrMapOvr>
+    <a:masterClrMapping/>
+  </p:clrMapOvr>
+</p:sld>
+</file>
+
+<file path=ppt/slides/slide11.xml><?xml version="1.0" encoding="utf-8"?>
+<p:sld xmlns:a="http://schemas.openxmlformats.org/drawingml/2006/main" xmlns:r="http://schemas.openxmlformats.org/officeDocument/2006/relationships" xmlns:p="http://schemas.openxmlformats.org/presentationml/2006/main">
+  <p:cSld>
+    <p:spTree>
+      <p:nvGrpSpPr>
+        <p:cNvPr id="1" name=""/>
+        <p:cNvGrpSpPr/>
+        <p:nvPr/>
+      </p:nvGrpSpPr>
+      <p:grpSpPr>
+        <a:xfrm>
+          <a:off x="0" y="0"/>
+          <a:ext cx="0" cy="0"/>
+          <a:chOff x="0" y="0"/>
+          <a:chExt cx="0" cy="0"/>
+        </a:xfrm>
+      </p:grpSpPr>
+      <p:sp>
+        <p:nvSpPr>
+          <p:cNvPr id="2" name="Title 1">
+            <a:extLst>
+              <a:ext uri="{FF2B5EF4-FFF2-40B4-BE49-F238E27FC236}">
+                <a16:creationId xmlns:a16="http://schemas.microsoft.com/office/drawing/2014/main" id="{34DB6CE4-2B13-4715-B5B2-615A55922CA1}"/>
+              </a:ext>
+            </a:extLst>
+          </p:cNvPr>
+          <p:cNvSpPr>
+            <a:spLocks noGrp="1"/>
+          </p:cNvSpPr>
+          <p:nvPr>
+            <p:ph type="title"/>
+          </p:nvPr>
+        </p:nvSpPr>
+        <p:spPr>
+          <a:xfrm>
+            <a:off x="1141413" y="618518"/>
+            <a:ext cx="9905998" cy="1478570"/>
+          </a:xfrm>
+        </p:spPr>
+        <p:txBody>
+          <a:bodyPr anchor="ctr">
+            <a:normAutofit/>
+          </a:bodyPr>
+          <a:lstStyle/>
+          <a:p>
+            <a:r>
+              <a:rPr lang="en-US"/>
+              <a:t>Do policing strategies help?</a:t>
+            </a:r>
+          </a:p>
+        </p:txBody>
+      </p:sp>
+      <p:pic>
+        <p:nvPicPr>
+          <p:cNvPr id="5" name="Content Placeholder 4" descr="A close up of a logo&#10;&#10;Description automatically generated">
+            <a:extLst>
+              <a:ext uri="{FF2B5EF4-FFF2-40B4-BE49-F238E27FC236}">
+                <a16:creationId xmlns:a16="http://schemas.microsoft.com/office/drawing/2014/main" id="{96832144-CA18-40B1-B434-F6A44FF5B82F}"/>
+              </a:ext>
+            </a:extLst>
+          </p:cNvPr>
+          <p:cNvPicPr>
+            <a:picLocks noGrp="1" noChangeAspect="1"/>
+          </p:cNvPicPr>
+          <p:nvPr>
+            <p:ph sz="half" idx="1"/>
+          </p:nvPr>
+        </p:nvPicPr>
+        <p:blipFill>
+          <a:blip r:embed="rId2"/>
+          <a:stretch>
+            <a:fillRect/>
+          </a:stretch>
+        </p:blipFill>
+        <p:spPr>
+          <a:xfrm>
+            <a:off x="671120" y="2080687"/>
+            <a:ext cx="5348680" cy="3565786"/>
+          </a:xfrm>
+          <a:noFill/>
+        </p:spPr>
+      </p:pic>
+      <p:pic>
+        <p:nvPicPr>
+          <p:cNvPr id="7" name="Content Placeholder 6" descr="A close up of a map&#10;&#10;Description automatically generated">
+            <a:extLst>
+              <a:ext uri="{FF2B5EF4-FFF2-40B4-BE49-F238E27FC236}">
+                <a16:creationId xmlns:a16="http://schemas.microsoft.com/office/drawing/2014/main" id="{87F485FE-5B28-4433-B8CC-BA1FAFD997D6}"/>
+              </a:ext>
+            </a:extLst>
+          </p:cNvPr>
+          <p:cNvPicPr>
+            <a:picLocks noGrp="1" noChangeAspect="1"/>
+          </p:cNvPicPr>
+          <p:nvPr>
+            <p:ph sz="half" idx="2"/>
+          </p:nvPr>
+        </p:nvPicPr>
+        <p:blipFill>
+          <a:blip r:embed="rId3"/>
+          <a:stretch>
+            <a:fillRect/>
+          </a:stretch>
+        </p:blipFill>
+        <p:spPr>
+          <a:xfrm>
+            <a:off x="6172200" y="2079629"/>
+            <a:ext cx="5348681" cy="3565786"/>
+          </a:xfrm>
+        </p:spPr>
+      </p:pic>
+    </p:spTree>
+    <p:extLst>
+      <p:ext uri="{BB962C8B-B14F-4D97-AF65-F5344CB8AC3E}">
+        <p14:creationId xmlns:p14="http://schemas.microsoft.com/office/powerpoint/2010/main" val="1348318116"/>
+      </p:ext>
+    </p:extLst>
+  </p:cSld>
+  <p:clrMapOvr>
+    <a:masterClrMapping/>
+  </p:clrMapOvr>
+</p:sld>
+</file>
+
+<file path=ppt/slides/slide12.xml><?xml version="1.0" encoding="utf-8"?>
+<p:sld xmlns:a="http://schemas.openxmlformats.org/drawingml/2006/main" xmlns:r="http://schemas.openxmlformats.org/officeDocument/2006/relationships" xmlns:p="http://schemas.openxmlformats.org/presentationml/2006/main">
+  <p:cSld>
+    <p:spTree>
+      <p:nvGrpSpPr>
+        <p:cNvPr id="1" name=""/>
+        <p:cNvGrpSpPr/>
+        <p:nvPr/>
+      </p:nvGrpSpPr>
+      <p:grpSpPr>
+        <a:xfrm>
+          <a:off x="0" y="0"/>
+          <a:ext cx="0" cy="0"/>
+          <a:chOff x="0" y="0"/>
+          <a:chExt cx="0" cy="0"/>
+        </a:xfrm>
+      </p:grpSpPr>
+      <p:sp>
+        <p:nvSpPr>
+          <p:cNvPr id="2" name="Title 1">
+            <a:extLst>
+              <a:ext uri="{FF2B5EF4-FFF2-40B4-BE49-F238E27FC236}">
+                <a16:creationId xmlns:a16="http://schemas.microsoft.com/office/drawing/2014/main" id="{7CF31815-810E-45B1-8D99-C466470B7ABF}"/>
+              </a:ext>
+            </a:extLst>
+          </p:cNvPr>
+          <p:cNvSpPr>
+            <a:spLocks noGrp="1"/>
+          </p:cNvSpPr>
+          <p:nvPr>
+            <p:ph type="title"/>
+          </p:nvPr>
+        </p:nvSpPr>
+        <p:spPr/>
+        <p:txBody>
+          <a:bodyPr>
+            <a:normAutofit fontScale="90000"/>
+          </a:bodyPr>
+          <a:lstStyle/>
+          <a:p>
+            <a:r>
+              <a:rPr lang="en-US" dirty="0">
+                <a:latin typeface="Tahoma" panose="020B0604030504040204" pitchFamily="34" charset="0"/>
+                <a:ea typeface="Tahoma" panose="020B0604030504040204" pitchFamily="34" charset="0"/>
+                <a:cs typeface="Tahoma" panose="020B0604030504040204" pitchFamily="34" charset="0"/>
+              </a:rPr>
+              <a:t>2019 change? Is this an outlier or indication of future trends</a:t>
+            </a:r>
+            <a:br>
+              <a:rPr lang="en-US" dirty="0">
+                <a:latin typeface="Tahoma" panose="020B0604030504040204" pitchFamily="34" charset="0"/>
+                <a:ea typeface="Tahoma" panose="020B0604030504040204" pitchFamily="34" charset="0"/>
+                <a:cs typeface="Tahoma" panose="020B0604030504040204" pitchFamily="34" charset="0"/>
+              </a:rPr>
+            </a:br>
+            <a:endParaRPr lang="en-US" dirty="0"/>
+          </a:p>
+        </p:txBody>
+      </p:sp>
+      <p:pic>
+        <p:nvPicPr>
+          <p:cNvPr id="6" name="Content Placeholder 5" descr="A close up of a map&#10;&#10;Description automatically generated">
+            <a:extLst>
+              <a:ext uri="{FF2B5EF4-FFF2-40B4-BE49-F238E27FC236}">
+                <a16:creationId xmlns:a16="http://schemas.microsoft.com/office/drawing/2014/main" id="{DE360340-A43B-4E6D-90BE-625C52237DBE}"/>
+              </a:ext>
+            </a:extLst>
+          </p:cNvPr>
+          <p:cNvPicPr>
+            <a:picLocks noGrp="1" noChangeAspect="1"/>
+          </p:cNvPicPr>
+          <p:nvPr>
+            <p:ph sz="half" idx="1"/>
+          </p:nvPr>
+        </p:nvPicPr>
+        <p:blipFill>
+          <a:blip r:embed="rId2"/>
+          <a:stretch>
+            <a:fillRect/>
+          </a:stretch>
+        </p:blipFill>
+        <p:spPr>
+          <a:xfrm>
+            <a:off x="609720" y="1835092"/>
+            <a:ext cx="5811596" cy="3573393"/>
+          </a:xfrm>
+        </p:spPr>
+      </p:pic>
+      <p:pic>
+        <p:nvPicPr>
+          <p:cNvPr id="3" name="Content Placeholder 2">
+            <a:extLst>
+              <a:ext uri="{FF2B5EF4-FFF2-40B4-BE49-F238E27FC236}">
+                <a16:creationId xmlns:a16="http://schemas.microsoft.com/office/drawing/2014/main" id="{9EE84E79-C037-41B6-86E5-DB4FE177D279}"/>
+              </a:ext>
+            </a:extLst>
+          </p:cNvPr>
+          <p:cNvPicPr>
+            <a:picLocks noGrp="1" noChangeAspect="1"/>
+          </p:cNvPicPr>
+          <p:nvPr>
+            <p:ph sz="half" idx="2"/>
+          </p:nvPr>
+        </p:nvPicPr>
+        <p:blipFill>
+          <a:blip r:embed="rId3"/>
+          <a:stretch>
+            <a:fillRect/>
+          </a:stretch>
+        </p:blipFill>
+        <p:spPr>
+          <a:xfrm>
+            <a:off x="6505206" y="1820411"/>
+            <a:ext cx="4817948" cy="3588074"/>
+          </a:xfrm>
+          <a:prstGeom prst="rect">
+            <a:avLst/>
+          </a:prstGeom>
+        </p:spPr>
+      </p:pic>
+    </p:spTree>
+    <p:extLst>
+      <p:ext uri="{BB962C8B-B14F-4D97-AF65-F5344CB8AC3E}">
+        <p14:creationId xmlns:p14="http://schemas.microsoft.com/office/powerpoint/2010/main" val="12265491"/>
+      </p:ext>
+    </p:extLst>
+  </p:cSld>
+  <p:clrMapOvr>
+    <a:masterClrMapping/>
+  </p:clrMapOvr>
+</p:sld>
+</file>
+
+<file path=ppt/slides/slide13.xml><?xml version="1.0" encoding="utf-8"?>
+<p:sld xmlns:a="http://schemas.openxmlformats.org/drawingml/2006/main" xmlns:r="http://schemas.openxmlformats.org/officeDocument/2006/relationships" xmlns:p="http://schemas.openxmlformats.org/presentationml/2006/main">
+  <p:cSld>
+    <p:spTree>
+      <p:nvGrpSpPr>
+        <p:cNvPr id="1" name=""/>
+        <p:cNvGrpSpPr/>
+        <p:nvPr/>
+      </p:nvGrpSpPr>
+      <p:grpSpPr>
+        <a:xfrm>
+          <a:off x="0" y="0"/>
+          <a:ext cx="0" cy="0"/>
+          <a:chOff x="0" y="0"/>
+          <a:chExt cx="0" cy="0"/>
+        </a:xfrm>
+      </p:grpSpPr>
+      <p:sp>
+        <p:nvSpPr>
+          <p:cNvPr id="2" name="Title 1">
+            <a:extLst>
+              <a:ext uri="{FF2B5EF4-FFF2-40B4-BE49-F238E27FC236}">
+                <a16:creationId xmlns:a16="http://schemas.microsoft.com/office/drawing/2014/main" id="{34DB6CE4-2B13-4715-B5B2-615A55922CA1}"/>
+              </a:ext>
+            </a:extLst>
+          </p:cNvPr>
+          <p:cNvSpPr>
+            <a:spLocks noGrp="1"/>
+          </p:cNvSpPr>
+          <p:nvPr>
+            <p:ph type="title"/>
+          </p:nvPr>
+        </p:nvSpPr>
+        <p:spPr/>
+        <p:txBody>
+          <a:bodyPr>
+            <a:normAutofit/>
+          </a:bodyPr>
+          <a:lstStyle/>
+          <a:p>
+            <a:r>
+              <a:rPr lang="en-US" sz="4400" dirty="0">
+                <a:latin typeface="Rockwell" panose="02060603020205020403" pitchFamily="18" charset="0"/>
+              </a:rPr>
+              <a:t>Significance? </a:t>
+            </a:r>
+          </a:p>
+        </p:txBody>
+      </p:sp>
+      <p:sp>
+        <p:nvSpPr>
+          <p:cNvPr id="3" name="Content Placeholder 2">
+            <a:extLst>
+              <a:ext uri="{FF2B5EF4-FFF2-40B4-BE49-F238E27FC236}">
+                <a16:creationId xmlns:a16="http://schemas.microsoft.com/office/drawing/2014/main" id="{143F5361-68C0-4BF5-80C8-F1E7BF92B2DB}"/>
+              </a:ext>
+            </a:extLst>
+          </p:cNvPr>
+          <p:cNvSpPr>
+            <a:spLocks noGrp="1"/>
+          </p:cNvSpPr>
+          <p:nvPr>
+            <p:ph idx="1"/>
+          </p:nvPr>
+        </p:nvSpPr>
+        <p:spPr/>
+        <p:txBody>
+          <a:bodyPr>
+            <a:normAutofit/>
+          </a:bodyPr>
+          <a:lstStyle/>
+          <a:p>
+            <a:pPr lvl="1"/>
+            <a:r>
+              <a:rPr lang="en-US" sz="2400" dirty="0">
+                <a:latin typeface="Tahoma" panose="020B0604030504040204" pitchFamily="34" charset="0"/>
+                <a:ea typeface="Tahoma" panose="020B0604030504040204" pitchFamily="34" charset="0"/>
+                <a:cs typeface="Tahoma" panose="020B0604030504040204" pitchFamily="34" charset="0"/>
+              </a:rPr>
+              <a:t>P-Value 2014 vs 2018 = 0.79</a:t>
+            </a:r>
+          </a:p>
+          <a:p>
+            <a:pPr lvl="2"/>
+            <a:r>
+              <a:rPr lang="en-US" sz="2200" dirty="0">
+                <a:latin typeface="Tahoma" panose="020B0604030504040204" pitchFamily="34" charset="0"/>
+                <a:ea typeface="Tahoma" panose="020B0604030504040204" pitchFamily="34" charset="0"/>
+                <a:cs typeface="Tahoma" panose="020B0604030504040204" pitchFamily="34" charset="0"/>
+              </a:rPr>
+              <a:t> Conclusion – not significant. As likely to see this drop in shooting rates due to chance. </a:t>
+            </a:r>
+          </a:p>
+          <a:p>
+            <a:pPr lvl="2"/>
+            <a:endParaRPr lang="en-US" sz="2200" dirty="0">
+              <a:latin typeface="Tahoma" panose="020B0604030504040204" pitchFamily="34" charset="0"/>
+              <a:ea typeface="Tahoma" panose="020B0604030504040204" pitchFamily="34" charset="0"/>
+              <a:cs typeface="Tahoma" panose="020B0604030504040204" pitchFamily="34" charset="0"/>
+            </a:endParaRPr>
+          </a:p>
+          <a:p>
+            <a:pPr lvl="1"/>
+            <a:r>
+              <a:rPr lang="en-US" sz="2400" dirty="0">
+                <a:latin typeface="Tahoma" panose="020B0604030504040204" pitchFamily="34" charset="0"/>
+                <a:ea typeface="Tahoma" panose="020B0604030504040204" pitchFamily="34" charset="0"/>
+                <a:cs typeface="Tahoma" panose="020B0604030504040204" pitchFamily="34" charset="0"/>
+              </a:rPr>
+              <a:t>P-Value 2018 vs 2019 = 0.61</a:t>
+            </a:r>
+          </a:p>
+          <a:p>
+            <a:pPr lvl="2"/>
+            <a:r>
+              <a:rPr lang="en-US" sz="2200" dirty="0">
+                <a:latin typeface="Tahoma" panose="020B0604030504040204" pitchFamily="34" charset="0"/>
+                <a:ea typeface="Tahoma" panose="020B0604030504040204" pitchFamily="34" charset="0"/>
+                <a:cs typeface="Tahoma" panose="020B0604030504040204" pitchFamily="34" charset="0"/>
+              </a:rPr>
+              <a:t>Conclusion – not significant. Trending the wrong direction but not able to draw a correlation better than random chance.</a:t>
+            </a:r>
+          </a:p>
+          <a:p>
+            <a:pPr lvl="1"/>
+            <a:endParaRPr lang="en-US" sz="2400" dirty="0">
+              <a:latin typeface="Tahoma" panose="020B0604030504040204" pitchFamily="34" charset="0"/>
+              <a:ea typeface="Tahoma" panose="020B0604030504040204" pitchFamily="34" charset="0"/>
+              <a:cs typeface="Tahoma" panose="020B0604030504040204" pitchFamily="34" charset="0"/>
+            </a:endParaRPr>
+          </a:p>
+        </p:txBody>
+      </p:sp>
+    </p:spTree>
+    <p:extLst>
+      <p:ext uri="{BB962C8B-B14F-4D97-AF65-F5344CB8AC3E}">
+        <p14:creationId xmlns:p14="http://schemas.microsoft.com/office/powerpoint/2010/main" val="2919556985"/>
+      </p:ext>
+    </p:extLst>
+  </p:cSld>
+  <p:clrMapOvr>
+    <a:masterClrMapping/>
+  </p:clrMapOvr>
+</p:sld>
+</file>
+
+<file path=ppt/slides/slide14.xml><?xml version="1.0" encoding="utf-8"?>
+<p:sld xmlns:a="http://schemas.openxmlformats.org/drawingml/2006/main" xmlns:r="http://schemas.openxmlformats.org/officeDocument/2006/relationships" xmlns:p="http://schemas.openxmlformats.org/presentationml/2006/main">
+  <p:cSld>
+    <p:spTree>
+      <p:nvGrpSpPr>
+        <p:cNvPr id="1" name=""/>
+        <p:cNvGrpSpPr/>
+        <p:nvPr/>
+      </p:nvGrpSpPr>
+      <p:grpSpPr>
+        <a:xfrm>
+          <a:off x="0" y="0"/>
+          <a:ext cx="0" cy="0"/>
+          <a:chOff x="0" y="0"/>
+          <a:chExt cx="0" cy="0"/>
+        </a:xfrm>
+      </p:grpSpPr>
+      <p:sp>
+        <p:nvSpPr>
+          <p:cNvPr id="2" name="Title 1">
+            <a:extLst>
+              <a:ext uri="{FF2B5EF4-FFF2-40B4-BE49-F238E27FC236}">
+                <a16:creationId xmlns:a16="http://schemas.microsoft.com/office/drawing/2014/main" id="{34DB6CE4-2B13-4715-B5B2-615A55922CA1}"/>
+              </a:ext>
+            </a:extLst>
+          </p:cNvPr>
+          <p:cNvSpPr>
+            <a:spLocks noGrp="1"/>
+          </p:cNvSpPr>
+          <p:nvPr>
+            <p:ph type="title"/>
+          </p:nvPr>
+        </p:nvSpPr>
+        <p:spPr/>
+        <p:txBody>
+          <a:bodyPr>
+            <a:normAutofit/>
+          </a:bodyPr>
+          <a:lstStyle/>
+          <a:p>
+            <a:r>
+              <a:rPr lang="en-US" sz="4400" dirty="0">
+                <a:latin typeface="Rockwell" panose="02060603020205020403" pitchFamily="18" charset="0"/>
+              </a:rPr>
+              <a:t>Conclusion</a:t>
+            </a:r>
+          </a:p>
+        </p:txBody>
+      </p:sp>
+      <p:sp>
+        <p:nvSpPr>
+          <p:cNvPr id="3" name="Content Placeholder 2">
+            <a:extLst>
+              <a:ext uri="{FF2B5EF4-FFF2-40B4-BE49-F238E27FC236}">
+                <a16:creationId xmlns:a16="http://schemas.microsoft.com/office/drawing/2014/main" id="{143F5361-68C0-4BF5-80C8-F1E7BF92B2DB}"/>
+              </a:ext>
+            </a:extLst>
+          </p:cNvPr>
+          <p:cNvSpPr>
+            <a:spLocks noGrp="1"/>
+          </p:cNvSpPr>
+          <p:nvPr>
+            <p:ph idx="1"/>
+          </p:nvPr>
+        </p:nvSpPr>
+        <p:spPr/>
+        <p:txBody>
+          <a:bodyPr vert="horz" lIns="91440" tIns="45720" rIns="91440" bIns="45720" rtlCol="0" anchor="t">
+            <a:normAutofit/>
+          </a:bodyPr>
+          <a:lstStyle/>
+          <a:p>
+            <a:pPr marL="0" lvl="0" indent="0">
+              <a:buNone/>
+            </a:pPr>
+            <a:r>
+              <a:rPr lang="en-US" dirty="0">
+                <a:latin typeface="Tahoma" panose="020B0604030504040204" pitchFamily="34" charset="0"/>
+                <a:ea typeface="Tahoma" panose="020B0604030504040204" pitchFamily="34" charset="0"/>
+                <a:cs typeface="Tahoma" panose="020B0604030504040204" pitchFamily="34" charset="0"/>
+              </a:rPr>
+              <a:t>While there does seem to be evidence indicating community and neighborhood led policing initiatives lead to a decrease in shootings, we were unable to draw conclusive evidence to support our alternate hypothesis.</a:t>
+            </a:r>
+          </a:p>
+        </p:txBody>
+      </p:sp>
+    </p:spTree>
+    <p:extLst>
+      <p:ext uri="{BB962C8B-B14F-4D97-AF65-F5344CB8AC3E}">
+        <p14:creationId xmlns:p14="http://schemas.microsoft.com/office/powerpoint/2010/main" val="1902613301"/>
+      </p:ext>
+    </p:extLst>
+  </p:cSld>
+  <p:clrMapOvr>
+    <a:masterClrMapping/>
+  </p:clrMapOvr>
+</p:sld>
+</file>
+
+<file path=ppt/slides/slide15.xml><?xml version="1.0" encoding="utf-8"?>
+<p:sld xmlns:a="http://schemas.openxmlformats.org/drawingml/2006/main" xmlns:r="http://schemas.openxmlformats.org/officeDocument/2006/relationships" xmlns:p="http://schemas.openxmlformats.org/presentationml/2006/main">
+  <p:cSld>
+    <p:spTree>
+      <p:nvGrpSpPr>
+        <p:cNvPr id="1" name=""/>
+        <p:cNvGrpSpPr/>
+        <p:nvPr/>
+      </p:nvGrpSpPr>
+      <p:grpSpPr>
+        <a:xfrm>
+          <a:off x="0" y="0"/>
+          <a:ext cx="0" cy="0"/>
+          <a:chOff x="0" y="0"/>
+          <a:chExt cx="0" cy="0"/>
+        </a:xfrm>
+      </p:grpSpPr>
+      <p:sp>
+        <p:nvSpPr>
+          <p:cNvPr id="2" name="Title 1">
+            <a:extLst>
+              <a:ext uri="{FF2B5EF4-FFF2-40B4-BE49-F238E27FC236}">
+                <a16:creationId xmlns:a16="http://schemas.microsoft.com/office/drawing/2014/main" id="{34DB6CE4-2B13-4715-B5B2-615A55922CA1}"/>
+              </a:ext>
+            </a:extLst>
+          </p:cNvPr>
+          <p:cNvSpPr>
+            <a:spLocks noGrp="1"/>
+          </p:cNvSpPr>
+          <p:nvPr>
+            <p:ph type="title"/>
+          </p:nvPr>
+        </p:nvSpPr>
+        <p:spPr/>
+        <p:txBody>
+          <a:bodyPr>
+            <a:normAutofit/>
+          </a:bodyPr>
+          <a:lstStyle/>
+          <a:p>
+            <a:r>
+              <a:rPr lang="en-US" sz="4400" dirty="0">
+                <a:latin typeface="Rockwell" panose="02060603020205020403" pitchFamily="18" charset="0"/>
+              </a:rPr>
+              <a:t>Post Mortem</a:t>
+            </a:r>
+          </a:p>
+        </p:txBody>
+      </p:sp>
+      <p:sp>
+        <p:nvSpPr>
+          <p:cNvPr id="3" name="Content Placeholder 2">
+            <a:extLst>
+              <a:ext uri="{FF2B5EF4-FFF2-40B4-BE49-F238E27FC236}">
+                <a16:creationId xmlns:a16="http://schemas.microsoft.com/office/drawing/2014/main" id="{143F5361-68C0-4BF5-80C8-F1E7BF92B2DB}"/>
+              </a:ext>
+            </a:extLst>
+          </p:cNvPr>
+          <p:cNvSpPr>
+            <a:spLocks noGrp="1"/>
+          </p:cNvSpPr>
+          <p:nvPr>
+            <p:ph idx="1"/>
+          </p:nvPr>
+        </p:nvSpPr>
+        <p:spPr/>
+        <p:txBody>
+          <a:bodyPr>
+            <a:normAutofit fontScale="92500"/>
+          </a:bodyPr>
+          <a:lstStyle/>
+          <a:p>
+            <a:pPr lvl="1"/>
+            <a:r>
+              <a:rPr lang="en-US" sz="2400" dirty="0">
+                <a:latin typeface="Tahoma" panose="020B0604030504040204" pitchFamily="34" charset="0"/>
+                <a:ea typeface="Tahoma" panose="020B0604030504040204" pitchFamily="34" charset="0"/>
+                <a:cs typeface="Tahoma" panose="020B0604030504040204" pitchFamily="34" charset="0"/>
+              </a:rPr>
+              <a:t>Many policing strategies are in play at one time – unable to clearly assume change over time or specific impacts</a:t>
+            </a:r>
+          </a:p>
+          <a:p>
+            <a:pPr lvl="1"/>
+            <a:r>
+              <a:rPr lang="en-US" sz="2400" dirty="0">
+                <a:latin typeface="Tahoma" panose="020B0604030504040204" pitchFamily="34" charset="0"/>
+                <a:ea typeface="Tahoma" panose="020B0604030504040204" pitchFamily="34" charset="0"/>
+                <a:cs typeface="Tahoma" panose="020B0604030504040204" pitchFamily="34" charset="0"/>
+              </a:rPr>
+              <a:t>We only reviewed shooting data and not all crime – some strategies may be more effective for some types of crime. Would like to see overall crime rates and break down specifics for true impact analysis</a:t>
+            </a:r>
+          </a:p>
+          <a:p>
+            <a:pPr lvl="1"/>
+            <a:r>
+              <a:rPr lang="en-US" sz="2400" dirty="0">
+                <a:latin typeface="Tahoma" panose="020B0604030504040204" pitchFamily="34" charset="0"/>
+                <a:ea typeface="Tahoma" panose="020B0604030504040204" pitchFamily="34" charset="0"/>
+                <a:cs typeface="Tahoma" panose="020B0604030504040204" pitchFamily="34" charset="0"/>
+              </a:rPr>
+              <a:t>No data for us to evaluate policing methodologies by police precinct or borough</a:t>
+            </a:r>
+          </a:p>
+          <a:p>
+            <a:pPr lvl="1"/>
+            <a:r>
+              <a:rPr lang="en-US" sz="2400" dirty="0">
+                <a:latin typeface="Tahoma" panose="020B0604030504040204" pitchFamily="34" charset="0"/>
+                <a:ea typeface="Tahoma" panose="020B0604030504040204" pitchFamily="34" charset="0"/>
+                <a:cs typeface="Tahoma" panose="020B0604030504040204" pitchFamily="34" charset="0"/>
+              </a:rPr>
+              <a:t>Impact of current events</a:t>
+            </a:r>
+          </a:p>
+        </p:txBody>
+      </p:sp>
+    </p:spTree>
+    <p:extLst>
+      <p:ext uri="{BB962C8B-B14F-4D97-AF65-F5344CB8AC3E}">
+        <p14:creationId xmlns:p14="http://schemas.microsoft.com/office/powerpoint/2010/main" val="2962823511"/>
+      </p:ext>
+    </p:extLst>
+  </p:cSld>
+  <p:clrMapOvr>
+    <a:masterClrMapping/>
+  </p:clrMapOvr>
+</p:sld>
+</file>
+
+<file path=ppt/slides/slide16.xml><?xml version="1.0" encoding="utf-8"?>
+<p:sld xmlns:a="http://schemas.openxmlformats.org/drawingml/2006/main" xmlns:r="http://schemas.openxmlformats.org/officeDocument/2006/relationships" xmlns:p="http://schemas.openxmlformats.org/presentationml/2006/main">
+  <p:cSld>
+    <p:spTree>
+      <p:nvGrpSpPr>
+        <p:cNvPr id="1" name=""/>
+        <p:cNvGrpSpPr/>
+        <p:nvPr/>
+      </p:nvGrpSpPr>
+      <p:grpSpPr>
+        <a:xfrm>
+          <a:off x="0" y="0"/>
+          <a:ext cx="0" cy="0"/>
+          <a:chOff x="0" y="0"/>
+          <a:chExt cx="0" cy="0"/>
+        </a:xfrm>
+      </p:grpSpPr>
+      <p:sp>
+        <p:nvSpPr>
+          <p:cNvPr id="2" name="Title 1">
+            <a:extLst>
+              <a:ext uri="{FF2B5EF4-FFF2-40B4-BE49-F238E27FC236}">
+                <a16:creationId xmlns:a16="http://schemas.microsoft.com/office/drawing/2014/main" id="{D64877FD-FCAC-4C02-ACC3-3EEF96578391}"/>
+              </a:ext>
+            </a:extLst>
+          </p:cNvPr>
+          <p:cNvSpPr>
+            <a:spLocks noGrp="1"/>
+          </p:cNvSpPr>
+          <p:nvPr>
+            <p:ph type="title"/>
+          </p:nvPr>
+        </p:nvSpPr>
+        <p:spPr/>
+        <p:txBody>
+          <a:bodyPr/>
+          <a:lstStyle/>
+          <a:p>
+            <a:r>
+              <a:rPr lang="en-US" dirty="0"/>
+              <a:t>Data Sources</a:t>
+            </a:r>
+          </a:p>
+        </p:txBody>
+      </p:sp>
+      <p:sp>
+        <p:nvSpPr>
+          <p:cNvPr id="3" name="Content Placeholder 2">
+            <a:extLst>
+              <a:ext uri="{FF2B5EF4-FFF2-40B4-BE49-F238E27FC236}">
+                <a16:creationId xmlns:a16="http://schemas.microsoft.com/office/drawing/2014/main" id="{5B004970-BAF2-4FE3-B24C-7B5BCE333D13}"/>
+              </a:ext>
+            </a:extLst>
+          </p:cNvPr>
+          <p:cNvSpPr>
+            <a:spLocks noGrp="1"/>
+          </p:cNvSpPr>
+          <p:nvPr>
+            <p:ph idx="1"/>
+          </p:nvPr>
+        </p:nvSpPr>
+        <p:spPr/>
+        <p:txBody>
+          <a:bodyPr>
+            <a:normAutofit fontScale="92500" lnSpcReduction="20000"/>
+          </a:bodyPr>
+          <a:lstStyle/>
+          <a:p>
+            <a:r>
+              <a:rPr lang="en-US" dirty="0"/>
+              <a:t>Borough Map: </a:t>
+            </a:r>
+            <a:r>
+              <a:rPr lang="en-US" dirty="0">
+                <a:hlinkClick r:id="rId2">
+                  <a:extLst>
+                    <a:ext uri="{A12FA001-AC4F-418D-AE19-62706E023703}">
+                      <ahyp:hlinkClr xmlns:ahyp="http://schemas.microsoft.com/office/drawing/2018/hyperlinkcolor" val="tx"/>
+                    </a:ext>
+                  </a:extLst>
+                </a:hlinkClick>
+              </a:rPr>
+              <a:t>https://data.cityofnewyork.us/City-Government/Borough-Boundaries/tqmj-j8zm</a:t>
+            </a:r>
+            <a:endParaRPr lang="en-US" dirty="0">
+              <a:hlinkClick r:id="rId3">
+                <a:extLst>
+                  <a:ext uri="{A12FA001-AC4F-418D-AE19-62706E023703}">
+                    <ahyp:hlinkClr xmlns:ahyp="http://schemas.microsoft.com/office/drawing/2018/hyperlinkcolor" val="tx"/>
+                  </a:ext>
+                </a:extLst>
+              </a:hlinkClick>
+            </a:endParaRPr>
+          </a:p>
+          <a:p>
+            <a:r>
+              <a:rPr lang="en-US" dirty="0"/>
+              <a:t>Historic Shooting Data (2006-2019): </a:t>
+            </a:r>
+            <a:r>
+              <a:rPr lang="en-US" dirty="0">
+                <a:hlinkClick r:id="rId4">
+                  <a:extLst>
+                    <a:ext uri="{A12FA001-AC4F-418D-AE19-62706E023703}">
+                      <ahyp:hlinkClr xmlns:ahyp="http://schemas.microsoft.com/office/drawing/2018/hyperlinkcolor" val="tx"/>
+                    </a:ext>
+                  </a:extLst>
+                </a:hlinkClick>
+              </a:rPr>
+              <a:t>https://data.cityofnewyork.us/Public-Safety/NYPD-Shooting-Incident-Data-Historic-/833y-fsy8</a:t>
+            </a:r>
+            <a:endParaRPr lang="en-US" dirty="0"/>
+          </a:p>
+          <a:p>
+            <a:r>
+              <a:rPr lang="en-US" dirty="0"/>
+              <a:t>Year to Date Shooting Data (2020): </a:t>
+            </a:r>
+            <a:r>
+              <a:rPr lang="en-US" dirty="0">
+                <a:hlinkClick r:id="rId5">
+                  <a:extLst>
+                    <a:ext uri="{A12FA001-AC4F-418D-AE19-62706E023703}">
+                      <ahyp:hlinkClr xmlns:ahyp="http://schemas.microsoft.com/office/drawing/2018/hyperlinkcolor" val="tx"/>
+                    </a:ext>
+                  </a:extLst>
+                </a:hlinkClick>
+              </a:rPr>
+              <a:t>https://data.cityofnewyork.us/Public-Safety/NYPD-Shooting-Incident-Data-Year-To-Date-/5ucz-vwe8</a:t>
+            </a:r>
+            <a:endParaRPr lang="en-US" dirty="0">
+              <a:hlinkClick r:id="rId3">
+                <a:extLst>
+                  <a:ext uri="{A12FA001-AC4F-418D-AE19-62706E023703}">
+                    <ahyp:hlinkClr xmlns:ahyp="http://schemas.microsoft.com/office/drawing/2018/hyperlinkcolor" val="tx"/>
+                  </a:ext>
+                </a:extLst>
+              </a:hlinkClick>
+            </a:endParaRPr>
+          </a:p>
+          <a:p>
+            <a:r>
+              <a:rPr lang="en-US" dirty="0"/>
+              <a:t>Research Articles for method years:</a:t>
+            </a:r>
+            <a:endParaRPr lang="en-US" dirty="0">
+              <a:hlinkClick r:id="rId3">
+                <a:extLst>
+                  <a:ext uri="{A12FA001-AC4F-418D-AE19-62706E023703}">
+                    <ahyp:hlinkClr xmlns:ahyp="http://schemas.microsoft.com/office/drawing/2018/hyperlinkcolor" val="tx"/>
+                  </a:ext>
+                </a:extLst>
+              </a:hlinkClick>
+            </a:endParaRPr>
+          </a:p>
+          <a:p>
+            <a:pPr lvl="1"/>
+            <a:r>
+              <a:rPr lang="en-US" dirty="0">
+                <a:hlinkClick r:id="rId3">
+                  <a:extLst>
+                    <a:ext uri="{A12FA001-AC4F-418D-AE19-62706E023703}">
+                      <ahyp:hlinkClr xmlns:ahyp="http://schemas.microsoft.com/office/drawing/2018/hyperlinkcolor" val="tx"/>
+                    </a:ext>
+                  </a:extLst>
+                </a:hlinkClick>
+              </a:rPr>
+              <a:t>http://johnjay.jjay.cuny.edu/files/White.pdf</a:t>
+            </a:r>
+            <a:endParaRPr lang="en-US" dirty="0"/>
+          </a:p>
+          <a:p>
+            <a:pPr lvl="1"/>
+            <a:r>
+              <a:rPr lang="en-US" dirty="0">
+                <a:hlinkClick r:id="rId6">
+                  <a:extLst>
+                    <a:ext uri="{A12FA001-AC4F-418D-AE19-62706E023703}">
+                      <ahyp:hlinkClr xmlns:ahyp="http://schemas.microsoft.com/office/drawing/2018/hyperlinkcolor" val="tx"/>
+                    </a:ext>
+                  </a:extLst>
+                </a:hlinkClick>
+              </a:rPr>
+              <a:t>https://www1.nyc.gov/site/nypd/index.page</a:t>
+            </a:r>
+            <a:endParaRPr lang="en-US" dirty="0"/>
+          </a:p>
+        </p:txBody>
+      </p:sp>
+    </p:spTree>
+    <p:extLst>
+      <p:ext uri="{BB962C8B-B14F-4D97-AF65-F5344CB8AC3E}">
+        <p14:creationId xmlns:p14="http://schemas.microsoft.com/office/powerpoint/2010/main" val="1645499797"/>
+      </p:ext>
+    </p:extLst>
+  </p:cSld>
+  <p:clrMapOvr>
+    <a:masterClrMapping/>
+  </p:clrMapOvr>
+</p:sld>
+</file>
+
+<file path=ppt/slides/slide17.xml><?xml version="1.0" encoding="utf-8"?>
+<p:sld xmlns:a="http://schemas.openxmlformats.org/drawingml/2006/main" xmlns:r="http://schemas.openxmlformats.org/officeDocument/2006/relationships" xmlns:p="http://schemas.openxmlformats.org/presentationml/2006/main">
+  <p:cSld>
+    <p:spTree>
+      <p:nvGrpSpPr>
+        <p:cNvPr id="1" name=""/>
+        <p:cNvGrpSpPr/>
+        <p:nvPr/>
+      </p:nvGrpSpPr>
+      <p:grpSpPr>
+        <a:xfrm>
+          <a:off x="0" y="0"/>
+          <a:ext cx="0" cy="0"/>
+          <a:chOff x="0" y="0"/>
+          <a:chExt cx="0" cy="0"/>
+        </a:xfrm>
+      </p:grpSpPr>
+      <p:sp>
+        <p:nvSpPr>
+          <p:cNvPr id="2" name="Title 1">
+            <a:extLst>
+              <a:ext uri="{FF2B5EF4-FFF2-40B4-BE49-F238E27FC236}">
+                <a16:creationId xmlns:a16="http://schemas.microsoft.com/office/drawing/2014/main" id="{A281A79E-5233-47E1-9CDF-1168A37FE3AB}"/>
+              </a:ext>
+            </a:extLst>
+          </p:cNvPr>
+          <p:cNvSpPr>
+            <a:spLocks noGrp="1"/>
+          </p:cNvSpPr>
+          <p:nvPr>
+            <p:ph type="title"/>
+          </p:nvPr>
+        </p:nvSpPr>
+        <p:spPr>
+          <a:xfrm>
+            <a:off x="1141413" y="618518"/>
+            <a:ext cx="9905998" cy="1478570"/>
+          </a:xfrm>
+        </p:spPr>
+        <p:txBody>
+          <a:bodyPr anchor="ctr">
+            <a:normAutofit/>
+          </a:bodyPr>
+          <a:lstStyle/>
+          <a:p>
+            <a:r>
+              <a:rPr lang="en-US" dirty="0"/>
+              <a:t>Questions?  </a:t>
+            </a:r>
+          </a:p>
+        </p:txBody>
+      </p:sp>
+      <p:pic>
+        <p:nvPicPr>
+          <p:cNvPr id="5" name="Picture 4" descr="A close up of a boy&#10;&#10;Description automatically generated">
+            <a:extLst>
+              <a:ext uri="{FF2B5EF4-FFF2-40B4-BE49-F238E27FC236}">
+                <a16:creationId xmlns:a16="http://schemas.microsoft.com/office/drawing/2014/main" id="{FC4F9C1B-C077-4DD3-98BB-4D763098F755}"/>
+              </a:ext>
+            </a:extLst>
+          </p:cNvPr>
+          <p:cNvPicPr>
+            <a:picLocks noChangeAspect="1"/>
+          </p:cNvPicPr>
+          <p:nvPr/>
+        </p:nvPicPr>
+        <p:blipFill rotWithShape="1">
+          <a:blip r:embed="rId2">
+            <a:extLst>
+              <a:ext uri="{837473B0-CC2E-450A-ABE3-18F120FF3D39}">
+                <a1611:picAttrSrcUrl xmlns:a1611="http://schemas.microsoft.com/office/drawing/2016/11/main" r:id="rId3"/>
+              </a:ext>
+            </a:extLst>
+          </a:blip>
+          <a:srcRect t="32242" r="1" b="37993"/>
+          <a:stretch/>
+        </p:blipFill>
+        <p:spPr>
+          <a:xfrm>
+            <a:off x="1141412" y="1922317"/>
+            <a:ext cx="9905999" cy="3541714"/>
+          </a:xfrm>
+          <a:prstGeom prst="rect">
+            <a:avLst/>
+          </a:prstGeom>
+          <a:noFill/>
+        </p:spPr>
+      </p:pic>
+      <p:sp>
+        <p:nvSpPr>
+          <p:cNvPr id="6" name="TextBox 5">
+            <a:extLst>
+              <a:ext uri="{FF2B5EF4-FFF2-40B4-BE49-F238E27FC236}">
+                <a16:creationId xmlns:a16="http://schemas.microsoft.com/office/drawing/2014/main" id="{97D041B2-B618-417C-A7ED-6E4A0392ED0A}"/>
+              </a:ext>
+            </a:extLst>
+          </p:cNvPr>
+          <p:cNvSpPr txBox="1"/>
+          <p:nvPr/>
+        </p:nvSpPr>
+        <p:spPr>
+          <a:xfrm>
+            <a:off x="8927921" y="5591146"/>
+            <a:ext cx="2119490" cy="200055"/>
+          </a:xfrm>
+          <a:prstGeom prst="rect">
+            <a:avLst/>
+          </a:prstGeom>
+          <a:solidFill>
+            <a:srgbClr val="000000"/>
+          </a:solidFill>
+        </p:spPr>
+        <p:txBody>
+          <a:bodyPr wrap="none" rtlCol="0">
+            <a:spAutoFit/>
+          </a:bodyPr>
+          <a:lstStyle/>
+          <a:p>
+            <a:pPr algn="r">
+              <a:spcAft>
+                <a:spcPts val="600"/>
+              </a:spcAft>
+            </a:pPr>
+            <a:r>
+              <a:rPr lang="en-US" sz="700">
+                <a:solidFill>
+                  <a:srgbClr val="FFFFFF"/>
+                </a:solidFill>
+                <a:hlinkClick r:id="rId3" tooltip="http://chaoticsoulzzz.wordpress.com/2012/02/27/fall-in-and-out-of-love/">
+                  <a:extLst>
+                    <a:ext uri="{A12FA001-AC4F-418D-AE19-62706E023703}">
+                      <ahyp:hlinkClr xmlns:ahyp="http://schemas.microsoft.com/office/drawing/2018/hyperlinkcolor" val="tx"/>
+                    </a:ext>
+                  </a:extLst>
+                </a:hlinkClick>
+              </a:rPr>
+              <a:t>This Photo</a:t>
+            </a:r>
+            <a:r>
+              <a:rPr lang="en-US" sz="700">
+                <a:solidFill>
+                  <a:srgbClr val="FFFFFF"/>
+                </a:solidFill>
+              </a:rPr>
+              <a:t> by Unknown Author is licensed under </a:t>
+            </a:r>
+            <a:r>
+              <a:rPr lang="en-US" sz="700">
+                <a:solidFill>
+                  <a:srgbClr val="FFFFFF"/>
+                </a:solidFill>
+                <a:hlinkClick r:id="rId4" tooltip="https://creativecommons.org/licenses/by/3.0/">
+                  <a:extLst>
+                    <a:ext uri="{A12FA001-AC4F-418D-AE19-62706E023703}">
+                      <ahyp:hlinkClr xmlns:ahyp="http://schemas.microsoft.com/office/drawing/2018/hyperlinkcolor" val="tx"/>
+                    </a:ext>
+                  </a:extLst>
+                </a:hlinkClick>
+              </a:rPr>
+              <a:t>CC BY</a:t>
+            </a:r>
+            <a:endParaRPr lang="en-US" sz="700">
+              <a:solidFill>
+                <a:srgbClr val="FFFFFF"/>
+              </a:solidFill>
+            </a:endParaRPr>
+          </a:p>
+        </p:txBody>
+      </p:sp>
+    </p:spTree>
+    <p:extLst>
+      <p:ext uri="{BB962C8B-B14F-4D97-AF65-F5344CB8AC3E}">
+        <p14:creationId xmlns:p14="http://schemas.microsoft.com/office/powerpoint/2010/main" val="2355077644"/>
+      </p:ext>
+    </p:extLst>
+  </p:cSld>
+  <p:clrMapOvr>
+    <a:masterClrMapping/>
+  </p:clrMapOvr>
+</p:sld>
+</file>
+
+<file path=ppt/slides/slide2.xml><?xml version="1.0" encoding="utf-8"?>
+<p:sld xmlns:a="http://schemas.openxmlformats.org/drawingml/2006/main" xmlns:r="http://schemas.openxmlformats.org/officeDocument/2006/relationships" xmlns:p="http://schemas.openxmlformats.org/presentationml/2006/main">
+  <p:cSld>
+    <p:spTree>
+      <p:nvGrpSpPr>
+        <p:cNvPr id="1" name=""/>
+        <p:cNvGrpSpPr/>
+        <p:nvPr/>
+      </p:nvGrpSpPr>
+      <p:grpSpPr>
+        <a:xfrm>
+          <a:off x="0" y="0"/>
+          <a:ext cx="0" cy="0"/>
+          <a:chOff x="0" y="0"/>
+          <a:chExt cx="0" cy="0"/>
+        </a:xfrm>
+      </p:grpSpPr>
+      <p:sp>
+        <p:nvSpPr>
+          <p:cNvPr id="2" name="Title 1">
+            <a:extLst>
+              <a:ext uri="{FF2B5EF4-FFF2-40B4-BE49-F238E27FC236}">
+                <a16:creationId xmlns:a16="http://schemas.microsoft.com/office/drawing/2014/main" id="{DE86DEFA-585D-4152-A085-B7C97E57E6FC}"/>
+              </a:ext>
+            </a:extLst>
+          </p:cNvPr>
+          <p:cNvSpPr>
+            <a:spLocks noGrp="1"/>
+          </p:cNvSpPr>
+          <p:nvPr>
+            <p:ph type="title"/>
+          </p:nvPr>
+        </p:nvSpPr>
+        <p:spPr/>
+        <p:txBody>
+          <a:bodyPr/>
+          <a:lstStyle/>
+          <a:p>
+            <a:r>
+              <a:rPr lang="en-US" dirty="0"/>
+              <a:t>Motivation and Summary</a:t>
+            </a:r>
+          </a:p>
+        </p:txBody>
+      </p:sp>
+      <p:sp>
+        <p:nvSpPr>
+          <p:cNvPr id="3" name="Content Placeholder 2">
+            <a:extLst>
+              <a:ext uri="{FF2B5EF4-FFF2-40B4-BE49-F238E27FC236}">
+                <a16:creationId xmlns:a16="http://schemas.microsoft.com/office/drawing/2014/main" id="{82CBA727-1156-4B91-A78E-05650F897C18}"/>
+              </a:ext>
+            </a:extLst>
+          </p:cNvPr>
+          <p:cNvSpPr>
+            <a:spLocks noGrp="1"/>
+          </p:cNvSpPr>
+          <p:nvPr>
+            <p:ph idx="1"/>
+          </p:nvPr>
+        </p:nvSpPr>
+        <p:spPr/>
+        <p:txBody>
+          <a:bodyPr/>
+          <a:lstStyle/>
+          <a:p>
+            <a:r>
+              <a:rPr lang="en-US" dirty="0"/>
+              <a:t>Why Crime Data? </a:t>
+            </a:r>
+          </a:p>
+          <a:p>
+            <a:r>
+              <a:rPr lang="en-US" dirty="0"/>
+              <a:t>Why NYC? </a:t>
+            </a:r>
+          </a:p>
+          <a:p>
+            <a:r>
+              <a:rPr lang="en-US" dirty="0"/>
+              <a:t>NYPD Methodologies</a:t>
+            </a:r>
+          </a:p>
+          <a:p>
+            <a:r>
+              <a:rPr lang="en-US" dirty="0"/>
+              <a:t>Current events and shooting data</a:t>
+            </a:r>
+          </a:p>
+        </p:txBody>
+      </p:sp>
+    </p:spTree>
+    <p:extLst>
+      <p:ext uri="{BB962C8B-B14F-4D97-AF65-F5344CB8AC3E}">
+        <p14:creationId xmlns:p14="http://schemas.microsoft.com/office/powerpoint/2010/main" val="1863819678"/>
+      </p:ext>
+    </p:extLst>
+  </p:cSld>
+  <p:clrMapOvr>
+    <a:masterClrMapping/>
+  </p:clrMapOvr>
+</p:sld>
+</file>
+
+<file path=ppt/slides/slide3.xml><?xml version="1.0" encoding="utf-8"?>
+<p:sld xmlns:a="http://schemas.openxmlformats.org/drawingml/2006/main" xmlns:r="http://schemas.openxmlformats.org/officeDocument/2006/relationships" xmlns:p="http://schemas.openxmlformats.org/presentationml/2006/main">
+  <p:cSld>
+    <p:spTree>
+      <p:nvGrpSpPr>
+        <p:cNvPr id="1" name=""/>
+        <p:cNvGrpSpPr/>
+        <p:nvPr/>
+      </p:nvGrpSpPr>
+      <p:grpSpPr>
+        <a:xfrm>
+          <a:off x="0" y="0"/>
+          <a:ext cx="0" cy="0"/>
+          <a:chOff x="0" y="0"/>
+          <a:chExt cx="0" cy="0"/>
+        </a:xfrm>
+      </p:grpSpPr>
+      <p:sp>
+        <p:nvSpPr>
+          <p:cNvPr id="2" name="Title 1">
+            <a:extLst>
+              <a:ext uri="{FF2B5EF4-FFF2-40B4-BE49-F238E27FC236}">
+                <a16:creationId xmlns:a16="http://schemas.microsoft.com/office/drawing/2014/main" id="{34DB6CE4-2B13-4715-B5B2-615A55922CA1}"/>
+              </a:ext>
+            </a:extLst>
+          </p:cNvPr>
+          <p:cNvSpPr>
+            <a:spLocks noGrp="1"/>
+          </p:cNvSpPr>
+          <p:nvPr>
+            <p:ph type="title"/>
+          </p:nvPr>
+        </p:nvSpPr>
+        <p:spPr/>
+        <p:txBody>
+          <a:bodyPr>
+            <a:normAutofit/>
+          </a:bodyPr>
+          <a:lstStyle/>
+          <a:p>
+            <a:r>
+              <a:rPr lang="en-US" sz="4400" dirty="0">
+                <a:latin typeface="Rockwell" panose="02060603020205020403" pitchFamily="18" charset="0"/>
+              </a:rPr>
+              <a:t>Hypothesis</a:t>
+            </a:r>
+          </a:p>
+        </p:txBody>
+      </p:sp>
+      <p:sp>
+        <p:nvSpPr>
+          <p:cNvPr id="3" name="Content Placeholder 2">
+            <a:extLst>
+              <a:ext uri="{FF2B5EF4-FFF2-40B4-BE49-F238E27FC236}">
+                <a16:creationId xmlns:a16="http://schemas.microsoft.com/office/drawing/2014/main" id="{143F5361-68C0-4BF5-80C8-F1E7BF92B2DB}"/>
+              </a:ext>
+            </a:extLst>
+          </p:cNvPr>
+          <p:cNvSpPr>
+            <a:spLocks noGrp="1"/>
+          </p:cNvSpPr>
+          <p:nvPr>
+            <p:ph idx="1"/>
+          </p:nvPr>
+        </p:nvSpPr>
+        <p:spPr/>
+        <p:txBody>
+          <a:bodyPr/>
+          <a:lstStyle/>
+          <a:p>
+            <a:pPr marL="0" indent="0">
+              <a:buNone/>
+            </a:pPr>
+            <a:r>
+              <a:rPr lang="en-US" b="1" dirty="0">
+                <a:latin typeface="Tahoma" panose="020B0604030504040204" pitchFamily="34" charset="0"/>
+                <a:ea typeface="Tahoma" panose="020B0604030504040204" pitchFamily="34" charset="0"/>
+                <a:cs typeface="Tahoma" panose="020B0604030504040204" pitchFamily="34" charset="0"/>
+              </a:rPr>
+              <a:t>Null Hypothesis</a:t>
+            </a:r>
+          </a:p>
+          <a:p>
+            <a:pPr marL="0" indent="0">
+              <a:buNone/>
+            </a:pPr>
+            <a:r>
+              <a:rPr lang="en-US" dirty="0">
+                <a:latin typeface="Tahoma" panose="020B0604030504040204" pitchFamily="34" charset="0"/>
+                <a:ea typeface="Tahoma" panose="020B0604030504040204" pitchFamily="34" charset="0"/>
+                <a:cs typeface="Tahoma" panose="020B0604030504040204" pitchFamily="34" charset="0"/>
+              </a:rPr>
+              <a:t>Policing methodologies have no impact on shooting rates. </a:t>
+            </a:r>
+          </a:p>
+          <a:p>
+            <a:pPr marL="0" indent="0">
+              <a:buNone/>
+            </a:pPr>
+            <a:r>
+              <a:rPr lang="en-US" b="1" dirty="0">
+                <a:latin typeface="Tahoma" panose="020B0604030504040204" pitchFamily="34" charset="0"/>
+                <a:ea typeface="Tahoma" panose="020B0604030504040204" pitchFamily="34" charset="0"/>
+                <a:cs typeface="Tahoma" panose="020B0604030504040204" pitchFamily="34" charset="0"/>
+              </a:rPr>
+              <a:t>Alternate Hypothesis</a:t>
+            </a:r>
+          </a:p>
+          <a:p>
+            <a:pPr marL="0" indent="0">
+              <a:buNone/>
+            </a:pPr>
+            <a:r>
+              <a:rPr lang="en-US" dirty="0">
+                <a:latin typeface="Tahoma" panose="020B0604030504040204" pitchFamily="34" charset="0"/>
+                <a:ea typeface="Tahoma" panose="020B0604030504040204" pitchFamily="34" charset="0"/>
+                <a:cs typeface="Tahoma" panose="020B0604030504040204" pitchFamily="34" charset="0"/>
+              </a:rPr>
+              <a:t>Community or intelligence led policing methodologies decrease shooting rates vs other types of methods. </a:t>
+            </a:r>
+          </a:p>
+          <a:p>
+            <a:pPr marL="0" indent="0">
+              <a:buNone/>
+            </a:pPr>
+            <a:endParaRPr lang="en-US" dirty="0">
+              <a:latin typeface="Tahoma" panose="020B0604030504040204" pitchFamily="34" charset="0"/>
+              <a:ea typeface="Tahoma" panose="020B0604030504040204" pitchFamily="34" charset="0"/>
+              <a:cs typeface="Tahoma" panose="020B0604030504040204" pitchFamily="34" charset="0"/>
+            </a:endParaRPr>
+          </a:p>
+        </p:txBody>
+      </p:sp>
+    </p:spTree>
+    <p:extLst>
+      <p:ext uri="{BB962C8B-B14F-4D97-AF65-F5344CB8AC3E}">
+        <p14:creationId xmlns:p14="http://schemas.microsoft.com/office/powerpoint/2010/main" val="2172179498"/>
+      </p:ext>
+    </p:extLst>
+  </p:cSld>
+  <p:clrMapOvr>
+    <a:masterClrMapping/>
+  </p:clrMapOvr>
+</p:sld>
+</file>
+
+<file path=ppt/slides/slide4.xml><?xml version="1.0" encoding="utf-8"?>
+<p:sld xmlns:a="http://schemas.openxmlformats.org/drawingml/2006/main" xmlns:r="http://schemas.openxmlformats.org/officeDocument/2006/relationships" xmlns:p="http://schemas.openxmlformats.org/presentationml/2006/main">
+  <p:cSld>
+    <p:spTree>
+      <p:nvGrpSpPr>
+        <p:cNvPr id="1" name=""/>
+        <p:cNvGrpSpPr/>
+        <p:nvPr/>
+      </p:nvGrpSpPr>
+      <p:grpSpPr>
+        <a:xfrm>
+          <a:off x="0" y="0"/>
+          <a:ext cx="0" cy="0"/>
+          <a:chOff x="0" y="0"/>
+          <a:chExt cx="0" cy="0"/>
+        </a:xfrm>
+      </p:grpSpPr>
+      <p:sp>
+        <p:nvSpPr>
+          <p:cNvPr id="2" name="Title 1">
+            <a:extLst>
+              <a:ext uri="{FF2B5EF4-FFF2-40B4-BE49-F238E27FC236}">
+                <a16:creationId xmlns:a16="http://schemas.microsoft.com/office/drawing/2014/main" id="{0A4EB72E-96C0-4A8D-9ED2-3A8CC7FD9B93}"/>
+              </a:ext>
+            </a:extLst>
+          </p:cNvPr>
+          <p:cNvSpPr>
+            <a:spLocks noGrp="1"/>
+          </p:cNvSpPr>
+          <p:nvPr>
+            <p:ph type="title"/>
+          </p:nvPr>
+        </p:nvSpPr>
+        <p:spPr/>
+        <p:txBody>
+          <a:bodyPr/>
+          <a:lstStyle/>
+          <a:p>
+            <a:r>
+              <a:rPr lang="en-US" dirty="0"/>
+              <a:t>Questions</a:t>
+            </a:r>
+          </a:p>
+        </p:txBody>
+      </p:sp>
+      <p:sp>
+        <p:nvSpPr>
+          <p:cNvPr id="3" name="Content Placeholder 2">
+            <a:extLst>
+              <a:ext uri="{FF2B5EF4-FFF2-40B4-BE49-F238E27FC236}">
+                <a16:creationId xmlns:a16="http://schemas.microsoft.com/office/drawing/2014/main" id="{A712A1D5-1F81-419E-8394-D00D5CEF966B}"/>
+              </a:ext>
+            </a:extLst>
+          </p:cNvPr>
+          <p:cNvSpPr>
+            <a:spLocks noGrp="1"/>
+          </p:cNvSpPr>
+          <p:nvPr>
+            <p:ph idx="1"/>
+          </p:nvPr>
+        </p:nvSpPr>
+        <p:spPr/>
+        <p:txBody>
+          <a:bodyPr>
+            <a:normAutofit fontScale="85000" lnSpcReduction="20000"/>
+          </a:bodyPr>
+          <a:lstStyle/>
+          <a:p>
+            <a:r>
+              <a:rPr lang="en-US" dirty="0"/>
+              <a:t>How has their policing approach changed over time? Did they combine methodologies during the period evaluated?</a:t>
+            </a:r>
+          </a:p>
+          <a:p>
+            <a:r>
+              <a:rPr lang="en-US" dirty="0"/>
+              <a:t>Where are shootings most prevalent in New York (analyzed by borough or precinct)?</a:t>
+            </a:r>
+          </a:p>
+          <a:p>
+            <a:r>
+              <a:rPr lang="en-US" dirty="0"/>
+              <a:t>What are the demographics of victims? Are there patterns or trends based on victim demographics?</a:t>
+            </a:r>
+          </a:p>
+          <a:p>
+            <a:r>
+              <a:rPr lang="en-US" dirty="0"/>
+              <a:t>What outliers were discovered in the data that had an impact on the crime rate? Are there geographical impacts?</a:t>
+            </a:r>
+          </a:p>
+          <a:p>
+            <a:r>
+              <a:rPr lang="en-US" dirty="0"/>
+              <a:t>How were shooting incidents statistically impacted by implemented strategies? What were those % changes (+/-)? </a:t>
+            </a:r>
+          </a:p>
+          <a:p>
+            <a:endParaRPr lang="en-US" dirty="0"/>
+          </a:p>
+          <a:p>
+            <a:endParaRPr lang="en-US" dirty="0"/>
+          </a:p>
+          <a:p>
+            <a:endParaRPr lang="en-US" dirty="0"/>
+          </a:p>
+          <a:p>
+            <a:endParaRPr lang="en-US" dirty="0"/>
+          </a:p>
+        </p:txBody>
+      </p:sp>
+    </p:spTree>
+    <p:extLst>
+      <p:ext uri="{BB962C8B-B14F-4D97-AF65-F5344CB8AC3E}">
+        <p14:creationId xmlns:p14="http://schemas.microsoft.com/office/powerpoint/2010/main" val="2500733770"/>
+      </p:ext>
+    </p:extLst>
+  </p:cSld>
+  <p:clrMapOvr>
+    <a:masterClrMapping/>
+  </p:clrMapOvr>
+</p:sld>
+</file>
+
+<file path=ppt/slides/slide5.xml><?xml version="1.0" encoding="utf-8"?>
+<p:sld xmlns:a="http://schemas.openxmlformats.org/drawingml/2006/main" xmlns:r="http://schemas.openxmlformats.org/officeDocument/2006/relationships" xmlns:p="http://schemas.openxmlformats.org/presentationml/2006/main">
+  <p:cSld>
+    <p:spTree>
+      <p:nvGrpSpPr>
+        <p:cNvPr id="1" name=""/>
+        <p:cNvGrpSpPr/>
+        <p:nvPr/>
+      </p:nvGrpSpPr>
+      <p:grpSpPr>
+        <a:xfrm>
+          <a:off x="0" y="0"/>
+          <a:ext cx="0" cy="0"/>
+          <a:chOff x="0" y="0"/>
+          <a:chExt cx="0" cy="0"/>
+        </a:xfrm>
+      </p:grpSpPr>
+      <p:sp>
+        <p:nvSpPr>
+          <p:cNvPr id="2" name="Title 1">
+            <a:extLst>
+              <a:ext uri="{FF2B5EF4-FFF2-40B4-BE49-F238E27FC236}">
+                <a16:creationId xmlns:a16="http://schemas.microsoft.com/office/drawing/2014/main" id="{162317DA-BE17-4CE8-A0BA-8CE28C8DFBEF}"/>
+              </a:ext>
+            </a:extLst>
+          </p:cNvPr>
+          <p:cNvSpPr>
+            <a:spLocks noGrp="1"/>
+          </p:cNvSpPr>
+          <p:nvPr>
+            <p:ph type="title"/>
+          </p:nvPr>
+        </p:nvSpPr>
+        <p:spPr/>
+        <p:txBody>
+          <a:bodyPr/>
+          <a:lstStyle/>
+          <a:p>
+            <a:r>
+              <a:rPr lang="en-US" dirty="0"/>
+              <a:t>Specific Methodology Targets</a:t>
+            </a:r>
+          </a:p>
+        </p:txBody>
+      </p:sp>
+      <p:sp>
+        <p:nvSpPr>
+          <p:cNvPr id="3" name="Content Placeholder 2">
+            <a:extLst>
+              <a:ext uri="{FF2B5EF4-FFF2-40B4-BE49-F238E27FC236}">
+                <a16:creationId xmlns:a16="http://schemas.microsoft.com/office/drawing/2014/main" id="{838D2379-7CE5-4CDD-9433-D8F024D06B96}"/>
+              </a:ext>
+            </a:extLst>
+          </p:cNvPr>
+          <p:cNvSpPr>
+            <a:spLocks noGrp="1"/>
+          </p:cNvSpPr>
+          <p:nvPr>
+            <p:ph idx="1"/>
+          </p:nvPr>
+        </p:nvSpPr>
+        <p:spPr/>
+        <p:txBody>
+          <a:bodyPr/>
+          <a:lstStyle/>
+          <a:p>
+            <a:pPr marL="0" indent="0" algn="ctr">
+              <a:buNone/>
+            </a:pPr>
+            <a:r>
+              <a:rPr lang="en-US" dirty="0"/>
+              <a:t>We collectively reviewed multiple research studies to get our year groupings of interest:</a:t>
+            </a:r>
+          </a:p>
+          <a:p>
+            <a:r>
+              <a:rPr lang="en-US" b="1" dirty="0"/>
+              <a:t>2006 - 2010 </a:t>
+            </a:r>
+            <a:r>
+              <a:rPr lang="en-US" dirty="0"/>
+              <a:t>- NYC was primarily utilizing their </a:t>
+            </a:r>
+            <a:r>
+              <a:rPr lang="en-US" dirty="0" err="1"/>
+              <a:t>ComStat</a:t>
+            </a:r>
+            <a:r>
+              <a:rPr lang="en-US" dirty="0"/>
+              <a:t> Model - baseline</a:t>
+            </a:r>
+          </a:p>
+          <a:p>
+            <a:r>
+              <a:rPr lang="en-US" b="1" dirty="0"/>
+              <a:t>2010 - 2014 </a:t>
+            </a:r>
+            <a:r>
+              <a:rPr lang="en-US" dirty="0"/>
+              <a:t>– NYC was primarily utilizing their </a:t>
+            </a:r>
+            <a:r>
+              <a:rPr lang="en-US" dirty="0" err="1"/>
+              <a:t>ComStat</a:t>
+            </a:r>
+            <a:r>
+              <a:rPr lang="en-US" dirty="0"/>
+              <a:t> Model – with introduction of some community programs (Ceasefire, </a:t>
+            </a:r>
+            <a:r>
+              <a:rPr lang="en-US" dirty="0" err="1"/>
+              <a:t>etc</a:t>
+            </a:r>
+            <a:r>
+              <a:rPr lang="en-US" dirty="0"/>
+              <a:t>)</a:t>
+            </a:r>
+          </a:p>
+          <a:p>
+            <a:r>
+              <a:rPr lang="en-US" b="1" dirty="0"/>
+              <a:t>2015 - 2019 </a:t>
+            </a:r>
+            <a:r>
+              <a:rPr lang="en-US" dirty="0"/>
+              <a:t>– Introduction of additional community policing initiatives</a:t>
+            </a:r>
+          </a:p>
+        </p:txBody>
+      </p:sp>
+    </p:spTree>
+    <p:extLst>
+      <p:ext uri="{BB962C8B-B14F-4D97-AF65-F5344CB8AC3E}">
+        <p14:creationId xmlns:p14="http://schemas.microsoft.com/office/powerpoint/2010/main" val="3262789724"/>
+      </p:ext>
+    </p:extLst>
+  </p:cSld>
+  <p:clrMapOvr>
+    <a:masterClrMapping/>
+  </p:clrMapOvr>
+</p:sld>
+</file>
+
+<file path=ppt/slides/slide6.xml><?xml version="1.0" encoding="utf-8"?>
+<p:sld xmlns:a="http://schemas.openxmlformats.org/drawingml/2006/main" xmlns:r="http://schemas.openxmlformats.org/officeDocument/2006/relationships" xmlns:p="http://schemas.openxmlformats.org/presentationml/2006/main">
+  <p:cSld>
+    <p:spTree>
+      <p:nvGrpSpPr>
+        <p:cNvPr id="1" name=""/>
+        <p:cNvGrpSpPr/>
+        <p:nvPr/>
+      </p:nvGrpSpPr>
+      <p:grpSpPr>
+        <a:xfrm>
+          <a:off x="0" y="0"/>
+          <a:ext cx="0" cy="0"/>
+          <a:chOff x="0" y="0"/>
+          <a:chExt cx="0" cy="0"/>
+        </a:xfrm>
+      </p:grpSpPr>
+      <p:sp>
+        <p:nvSpPr>
+          <p:cNvPr id="2" name="Title 1">
+            <a:extLst>
+              <a:ext uri="{FF2B5EF4-FFF2-40B4-BE49-F238E27FC236}">
+                <a16:creationId xmlns:a16="http://schemas.microsoft.com/office/drawing/2014/main" id="{34DB6CE4-2B13-4715-B5B2-615A55922CA1}"/>
+              </a:ext>
+            </a:extLst>
+          </p:cNvPr>
+          <p:cNvSpPr>
+            <a:spLocks noGrp="1"/>
+          </p:cNvSpPr>
+          <p:nvPr>
+            <p:ph type="title"/>
+          </p:nvPr>
+        </p:nvSpPr>
+        <p:spPr>
+          <a:xfrm>
+            <a:off x="1143001" y="653242"/>
+            <a:ext cx="9905998" cy="1478570"/>
+          </a:xfrm>
+        </p:spPr>
+        <p:txBody>
+          <a:bodyPr>
+            <a:normAutofit/>
+          </a:bodyPr>
+          <a:lstStyle/>
+          <a:p>
+            <a:r>
+              <a:rPr lang="en-US" sz="4400" dirty="0">
+                <a:latin typeface="Rockwell" panose="02060603020205020403" pitchFamily="18" charset="0"/>
+              </a:rPr>
+              <a:t>Data Sets</a:t>
+            </a:r>
+          </a:p>
+        </p:txBody>
+      </p:sp>
+      <p:graphicFrame>
+        <p:nvGraphicFramePr>
+          <p:cNvPr id="4" name="Content Placeholder 3">
+            <a:extLst>
+              <a:ext uri="{FF2B5EF4-FFF2-40B4-BE49-F238E27FC236}">
+                <a16:creationId xmlns:a16="http://schemas.microsoft.com/office/drawing/2014/main" id="{242FA989-6B7C-488C-85ED-CB8D01BA3254}"/>
+              </a:ext>
+              <a:ext uri="{C183D7F6-B498-43B3-948B-1728B52AA6E4}">
+                <adec:decorative xmlns:adec="http://schemas.microsoft.com/office/drawing/2017/decorative" val="1"/>
+              </a:ext>
+            </a:extLst>
+          </p:cNvPr>
+          <p:cNvGraphicFramePr>
+            <a:graphicFrameLocks noGrp="1"/>
+          </p:cNvGraphicFramePr>
+          <p:nvPr>
+            <p:ph idx="1"/>
+            <p:extLst>
+              <p:ext uri="{D42A27DB-BD31-4B8C-83A1-F6EECF244321}">
+                <p14:modId xmlns:p14="http://schemas.microsoft.com/office/powerpoint/2010/main" val="3591900943"/>
+              </p:ext>
+            </p:extLst>
+          </p:nvPr>
+        </p:nvGraphicFramePr>
+        <p:xfrm>
+          <a:off x="1143001" y="2453833"/>
+          <a:ext cx="8082022" cy="3944478"/>
+        </p:xfrm>
+        <a:graphic>
+          <a:graphicData uri="http://schemas.openxmlformats.org/drawingml/2006/diagram">
+            <dgm:relIds xmlns:dgm="http://schemas.openxmlformats.org/drawingml/2006/diagram" xmlns:r="http://schemas.openxmlformats.org/officeDocument/2006/relationships" r:dm="rId2" r:lo="rId3" r:qs="rId4" r:cs="rId5"/>
+          </a:graphicData>
+        </a:graphic>
+      </p:graphicFrame>
+      <p:pic>
+        <p:nvPicPr>
+          <p:cNvPr id="5" name="Picture 4">
+            <a:extLst>
+              <a:ext uri="{FF2B5EF4-FFF2-40B4-BE49-F238E27FC236}">
+                <a16:creationId xmlns:a16="http://schemas.microsoft.com/office/drawing/2014/main" id="{FA36678A-9C6F-4CDB-A1AC-04248530028E}"/>
+              </a:ext>
+            </a:extLst>
+          </p:cNvPr>
+          <p:cNvPicPr>
+            <a:picLocks noChangeAspect="1"/>
+          </p:cNvPicPr>
+          <p:nvPr/>
+        </p:nvPicPr>
+        <p:blipFill>
+          <a:blip r:embed="rId7"/>
+          <a:stretch>
+            <a:fillRect/>
+          </a:stretch>
+        </p:blipFill>
+        <p:spPr>
+          <a:xfrm>
+            <a:off x="5078452" y="180223"/>
+            <a:ext cx="6296025" cy="2752725"/>
+          </a:xfrm>
+          <a:prstGeom prst="rect">
+            <a:avLst/>
+          </a:prstGeom>
+        </p:spPr>
+      </p:pic>
+    </p:spTree>
+    <p:extLst>
+      <p:ext uri="{BB962C8B-B14F-4D97-AF65-F5344CB8AC3E}">
+        <p14:creationId xmlns:p14="http://schemas.microsoft.com/office/powerpoint/2010/main" val="1193417028"/>
+      </p:ext>
+    </p:extLst>
+  </p:cSld>
+  <p:clrMapOvr>
+    <a:masterClrMapping/>
+  </p:clrMapOvr>
+</p:sld>
+</file>
+
+<file path=ppt/slides/slide7.xml><?xml version="1.0" encoding="utf-8"?>
+<p:sld xmlns:a="http://schemas.openxmlformats.org/drawingml/2006/main" xmlns:r="http://schemas.openxmlformats.org/officeDocument/2006/relationships" xmlns:p="http://schemas.openxmlformats.org/presentationml/2006/main">
+  <p:cSld>
+    <p:spTree>
+      <p:nvGrpSpPr>
+        <p:cNvPr id="1" name=""/>
+        <p:cNvGrpSpPr/>
+        <p:nvPr/>
+      </p:nvGrpSpPr>
+      <p:grpSpPr>
+        <a:xfrm>
+          <a:off x="0" y="0"/>
+          <a:ext cx="0" cy="0"/>
+          <a:chOff x="0" y="0"/>
+          <a:chExt cx="0" cy="0"/>
+        </a:xfrm>
+      </p:grpSpPr>
+      <p:sp>
+        <p:nvSpPr>
+          <p:cNvPr id="2" name="Title 1">
+            <a:extLst>
+              <a:ext uri="{FF2B5EF4-FFF2-40B4-BE49-F238E27FC236}">
+                <a16:creationId xmlns:a16="http://schemas.microsoft.com/office/drawing/2014/main" id="{D790A8F9-9D13-4C68-86DB-E2E5DB4C545B}"/>
+              </a:ext>
+            </a:extLst>
+          </p:cNvPr>
+          <p:cNvSpPr>
+            <a:spLocks noGrp="1"/>
+          </p:cNvSpPr>
+          <p:nvPr>
+            <p:ph type="title"/>
+          </p:nvPr>
+        </p:nvSpPr>
+        <p:spPr/>
+        <p:txBody>
+          <a:bodyPr/>
+          <a:lstStyle/>
+          <a:p>
+            <a:r>
+              <a:rPr lang="en-US" dirty="0"/>
+              <a:t>Data Cleansing</a:t>
+            </a:r>
+          </a:p>
+        </p:txBody>
+      </p:sp>
+      <p:sp>
+        <p:nvSpPr>
+          <p:cNvPr id="3" name="Text Placeholder 2">
+            <a:extLst>
+              <a:ext uri="{FF2B5EF4-FFF2-40B4-BE49-F238E27FC236}">
+                <a16:creationId xmlns:a16="http://schemas.microsoft.com/office/drawing/2014/main" id="{B8DCB3D4-EB2C-425E-8C7E-C4EEA6A6F889}"/>
+              </a:ext>
+            </a:extLst>
+          </p:cNvPr>
+          <p:cNvSpPr>
+            <a:spLocks noGrp="1"/>
+          </p:cNvSpPr>
+          <p:nvPr>
+            <p:ph sz="half" idx="1"/>
+          </p:nvPr>
+        </p:nvSpPr>
+        <p:spPr/>
+        <p:txBody>
+          <a:bodyPr/>
+          <a:lstStyle/>
+          <a:p>
+            <a:pPr marL="0" indent="0">
+              <a:buNone/>
+            </a:pPr>
+            <a:r>
+              <a:rPr lang="en-US" b="1" dirty="0"/>
+              <a:t>Original Data </a:t>
+            </a:r>
+          </a:p>
+          <a:p>
+            <a:pPr marL="285750" indent="-285750"/>
+            <a:r>
+              <a:rPr lang="en-US" dirty="0"/>
+              <a:t>Data very clean with very few missing values so limiting cleansing required</a:t>
+            </a:r>
+          </a:p>
+          <a:p>
+            <a:pPr marL="285750" indent="-285750"/>
+            <a:r>
+              <a:rPr lang="en-US" dirty="0"/>
+              <a:t>Missing data on offenders</a:t>
+            </a:r>
+          </a:p>
+          <a:p>
+            <a:pPr marL="0" indent="0">
+              <a:buNone/>
+            </a:pPr>
+            <a:endParaRPr lang="en-US" dirty="0"/>
+          </a:p>
+        </p:txBody>
+      </p:sp>
+      <p:sp>
+        <p:nvSpPr>
+          <p:cNvPr id="5" name="Text Placeholder 4">
+            <a:extLst>
+              <a:ext uri="{FF2B5EF4-FFF2-40B4-BE49-F238E27FC236}">
+                <a16:creationId xmlns:a16="http://schemas.microsoft.com/office/drawing/2014/main" id="{650752E6-5118-455B-9A4A-B132B58D0D61}"/>
+              </a:ext>
+            </a:extLst>
+          </p:cNvPr>
+          <p:cNvSpPr>
+            <a:spLocks noGrp="1"/>
+          </p:cNvSpPr>
+          <p:nvPr>
+            <p:ph sz="half" idx="2"/>
+          </p:nvPr>
+        </p:nvSpPr>
+        <p:spPr/>
+        <p:txBody>
+          <a:bodyPr/>
+          <a:lstStyle/>
+          <a:p>
+            <a:pPr marL="0" indent="0">
+              <a:buNone/>
+            </a:pPr>
+            <a:r>
+              <a:rPr lang="en-US" b="1" dirty="0"/>
+              <a:t>2020 Data</a:t>
+            </a:r>
+          </a:p>
+          <a:p>
+            <a:r>
+              <a:rPr lang="en-US" dirty="0"/>
+              <a:t>To answer additional questions we had about 2019 we populated 2020 months July – December total incident count with “0” so we could draw/ compare conclusions over the first 6 months. </a:t>
+            </a:r>
+          </a:p>
+          <a:p>
+            <a:endParaRPr lang="en-US" dirty="0"/>
+          </a:p>
+        </p:txBody>
+      </p:sp>
+    </p:spTree>
+    <p:extLst>
+      <p:ext uri="{BB962C8B-B14F-4D97-AF65-F5344CB8AC3E}">
+        <p14:creationId xmlns:p14="http://schemas.microsoft.com/office/powerpoint/2010/main" val="2192271657"/>
+      </p:ext>
+    </p:extLst>
+  </p:cSld>
+  <p:clrMapOvr>
+    <a:masterClrMapping/>
+  </p:clrMapOvr>
+</p:sld>
+</file>
+
+<file path=ppt/slides/slide8.xml><?xml version="1.0" encoding="utf-8"?>
+<p:sld xmlns:a="http://schemas.openxmlformats.org/drawingml/2006/main" xmlns:r="http://schemas.openxmlformats.org/officeDocument/2006/relationships" xmlns:p="http://schemas.openxmlformats.org/presentationml/2006/main">
+  <p:cSld>
+    <p:spTree>
+      <p:nvGrpSpPr>
+        <p:cNvPr id="1" name=""/>
+        <p:cNvGrpSpPr/>
+        <p:nvPr/>
+      </p:nvGrpSpPr>
+      <p:grpSpPr>
+        <a:xfrm>
+          <a:off x="0" y="0"/>
+          <a:ext cx="0" cy="0"/>
+          <a:chOff x="0" y="0"/>
+          <a:chExt cx="0" cy="0"/>
+        </a:xfrm>
+      </p:grpSpPr>
+      <p:sp>
+        <p:nvSpPr>
+          <p:cNvPr id="2" name="Title 1">
+            <a:extLst>
+              <a:ext uri="{FF2B5EF4-FFF2-40B4-BE49-F238E27FC236}">
+                <a16:creationId xmlns:a16="http://schemas.microsoft.com/office/drawing/2014/main" id="{1DFE54A6-8866-4AF7-970F-B96E863244C7}"/>
+              </a:ext>
+            </a:extLst>
+          </p:cNvPr>
+          <p:cNvSpPr>
+            <a:spLocks noGrp="1"/>
+          </p:cNvSpPr>
+          <p:nvPr>
+            <p:ph type="title"/>
+          </p:nvPr>
+        </p:nvSpPr>
+        <p:spPr/>
+        <p:txBody>
+          <a:bodyPr/>
+          <a:lstStyle/>
+          <a:p>
+            <a:r>
+              <a:rPr lang="en-US" dirty="0"/>
+              <a:t>Data Exploration</a:t>
+            </a:r>
+          </a:p>
+        </p:txBody>
+      </p:sp>
+      <p:sp>
+        <p:nvSpPr>
+          <p:cNvPr id="8" name="Text Placeholder 7">
+            <a:extLst>
+              <a:ext uri="{FF2B5EF4-FFF2-40B4-BE49-F238E27FC236}">
+                <a16:creationId xmlns:a16="http://schemas.microsoft.com/office/drawing/2014/main" id="{5D4A5571-5FB4-4409-80E8-455A947B481A}"/>
+              </a:ext>
+            </a:extLst>
+          </p:cNvPr>
+          <p:cNvSpPr>
+            <a:spLocks noGrp="1"/>
+          </p:cNvSpPr>
+          <p:nvPr>
+            <p:ph type="body" sz="half" idx="17"/>
+          </p:nvPr>
+        </p:nvSpPr>
+        <p:spPr>
+          <a:xfrm>
+            <a:off x="7148581" y="2895000"/>
+            <a:ext cx="4310355" cy="3214802"/>
+          </a:xfrm>
+        </p:spPr>
+        <p:txBody>
+          <a:bodyPr>
+            <a:normAutofit fontScale="92500" lnSpcReduction="10000"/>
+          </a:bodyPr>
+          <a:lstStyle/>
+          <a:p>
+            <a:pPr marL="285750" indent="-285750">
+              <a:buFont typeface="Arial" panose="020B0604020202020204" pitchFamily="34" charset="0"/>
+              <a:buChar char="•"/>
+            </a:pPr>
+            <a:r>
+              <a:rPr lang="en-US" sz="2200" dirty="0"/>
+              <a:t>Borough Breakdown – thought this would be more beneficial but not enough ties to methodology changes</a:t>
+            </a:r>
+          </a:p>
+          <a:p>
+            <a:pPr marL="285750" indent="-285750">
+              <a:buFont typeface="Arial" panose="020B0604020202020204" pitchFamily="34" charset="0"/>
+              <a:buChar char="•"/>
+            </a:pPr>
+            <a:r>
+              <a:rPr lang="en-US" sz="2200" dirty="0"/>
+              <a:t>Precincts too granular to benefit overall assumptions</a:t>
+            </a:r>
+          </a:p>
+          <a:p>
+            <a:pPr marL="285750" indent="-285750">
+              <a:buFont typeface="Arial" panose="020B0604020202020204" pitchFamily="34" charset="0"/>
+              <a:buChar char="•"/>
+            </a:pPr>
+            <a:r>
+              <a:rPr lang="en-US" sz="2200" dirty="0"/>
+              <a:t>Reviewed by year/ month/ time of day – all too granular for ultimate questions</a:t>
+            </a:r>
+          </a:p>
+          <a:p>
+            <a:endParaRPr lang="en-US" dirty="0"/>
+          </a:p>
+        </p:txBody>
+      </p:sp>
+      <p:pic>
+        <p:nvPicPr>
+          <p:cNvPr id="10" name="Picture 9" descr="A screenshot of a cell phone&#10;&#10;Description automatically generated">
+            <a:extLst>
+              <a:ext uri="{FF2B5EF4-FFF2-40B4-BE49-F238E27FC236}">
+                <a16:creationId xmlns:a16="http://schemas.microsoft.com/office/drawing/2014/main" id="{4E5C564F-1C25-4B0B-B753-80AE298103CD}"/>
+              </a:ext>
+            </a:extLst>
+          </p:cNvPr>
+          <p:cNvPicPr>
+            <a:picLocks noChangeAspect="1"/>
+          </p:cNvPicPr>
+          <p:nvPr/>
+        </p:nvPicPr>
+        <p:blipFill>
+          <a:blip r:embed="rId2"/>
+          <a:stretch>
+            <a:fillRect/>
+          </a:stretch>
+        </p:blipFill>
+        <p:spPr>
+          <a:xfrm>
+            <a:off x="401507" y="2395959"/>
+            <a:ext cx="6747075" cy="3148635"/>
+          </a:xfrm>
+          <a:prstGeom prst="rect">
+            <a:avLst/>
+          </a:prstGeom>
+        </p:spPr>
+      </p:pic>
+      <p:pic>
+        <p:nvPicPr>
+          <p:cNvPr id="11" name="Picture 10" descr="A close up of a card&#10;&#10;Description automatically generated">
+            <a:extLst>
+              <a:ext uri="{FF2B5EF4-FFF2-40B4-BE49-F238E27FC236}">
+                <a16:creationId xmlns:a16="http://schemas.microsoft.com/office/drawing/2014/main" id="{034AC155-C193-47C0-A411-BAAF34D44198}"/>
+              </a:ext>
+            </a:extLst>
+          </p:cNvPr>
+          <p:cNvPicPr>
+            <a:picLocks noChangeAspect="1"/>
+          </p:cNvPicPr>
+          <p:nvPr/>
+        </p:nvPicPr>
+        <p:blipFill>
+          <a:blip r:embed="rId3"/>
+          <a:stretch>
+            <a:fillRect/>
+          </a:stretch>
+        </p:blipFill>
+        <p:spPr>
+          <a:xfrm>
+            <a:off x="7148582" y="110559"/>
+            <a:ext cx="2784441" cy="2784441"/>
+          </a:xfrm>
+          <a:prstGeom prst="rect">
+            <a:avLst/>
+          </a:prstGeom>
+        </p:spPr>
+      </p:pic>
+    </p:spTree>
+    <p:extLst>
+      <p:ext uri="{BB962C8B-B14F-4D97-AF65-F5344CB8AC3E}">
+        <p14:creationId xmlns:p14="http://schemas.microsoft.com/office/powerpoint/2010/main" val="4178116313"/>
+      </p:ext>
+    </p:extLst>
+  </p:cSld>
+  <p:clrMapOvr>
+    <a:masterClrMapping/>
+  </p:clrMapOvr>
+</p:sld>
+</file>
+
+<file path=ppt/slides/slide9.xml><?xml version="1.0" encoding="utf-8"?>
+<p:sld xmlns:a="http://schemas.openxmlformats.org/drawingml/2006/main" xmlns:r="http://schemas.openxmlformats.org/officeDocument/2006/relationships" xmlns:p="http://schemas.openxmlformats.org/presentationml/2006/main">
+  <p:cSld>
+    <p:spTree>
+      <p:nvGrpSpPr>
+        <p:cNvPr id="1" name=""/>
+        <p:cNvGrpSpPr/>
+        <p:nvPr/>
+      </p:nvGrpSpPr>
+      <p:grpSpPr>
+        <a:xfrm>
+          <a:off x="0" y="0"/>
+          <a:ext cx="0" cy="0"/>
+          <a:chOff x="0" y="0"/>
+          <a:chExt cx="0" cy="0"/>
+        </a:xfrm>
+      </p:grpSpPr>
+      <p:sp>
+        <p:nvSpPr>
+          <p:cNvPr id="2" name="Title 1">
+            <a:extLst>
+              <a:ext uri="{FF2B5EF4-FFF2-40B4-BE49-F238E27FC236}">
+                <a16:creationId xmlns:a16="http://schemas.microsoft.com/office/drawing/2014/main" id="{B7410DBB-74CC-4D25-B8EC-9EFA34888B8A}"/>
+              </a:ext>
+            </a:extLst>
+          </p:cNvPr>
+          <p:cNvSpPr>
+            <a:spLocks noGrp="1"/>
+          </p:cNvSpPr>
+          <p:nvPr>
+            <p:ph type="title"/>
+          </p:nvPr>
+        </p:nvSpPr>
+        <p:spPr>
+          <a:xfrm>
+            <a:off x="0" y="64845"/>
+            <a:ext cx="9905998" cy="1478570"/>
+          </a:xfrm>
+        </p:spPr>
+        <p:txBody>
+          <a:bodyPr anchor="ctr">
+            <a:normAutofit/>
+          </a:bodyPr>
+          <a:lstStyle/>
+          <a:p>
+            <a:pPr algn="ctr"/>
+            <a:r>
+              <a:rPr lang="en-US" dirty="0"/>
+              <a:t>Most Dangerous Borough</a:t>
+            </a:r>
+            <a:br>
+              <a:rPr lang="en-US" dirty="0"/>
+            </a:br>
+            <a:r>
+              <a:rPr lang="en-US" sz="1800" dirty="0"/>
+              <a:t>All Years by Shooting Count</a:t>
+            </a:r>
+          </a:p>
+        </p:txBody>
+      </p:sp>
+      <p:pic>
+        <p:nvPicPr>
+          <p:cNvPr id="6" name="Content Placeholder 5" descr="Yearly Shootings per Borough">
+            <a:extLst>
+              <a:ext uri="{FF2B5EF4-FFF2-40B4-BE49-F238E27FC236}">
+                <a16:creationId xmlns:a16="http://schemas.microsoft.com/office/drawing/2014/main" id="{A6888274-8257-424A-ACF1-4394D9F82E31}"/>
+              </a:ext>
+            </a:extLst>
+          </p:cNvPr>
+          <p:cNvPicPr>
+            <a:picLocks noGrp="1" noChangeAspect="1"/>
+          </p:cNvPicPr>
+          <p:nvPr>
+            <p:ph sz="half" idx="2"/>
+          </p:nvPr>
+        </p:nvPicPr>
+        <p:blipFill>
+          <a:blip r:embed="rId2"/>
+          <a:stretch>
+            <a:fillRect/>
+          </a:stretch>
+        </p:blipFill>
+        <p:spPr>
+          <a:xfrm>
+            <a:off x="5415198" y="3767050"/>
+            <a:ext cx="5837947" cy="2729239"/>
+          </a:xfrm>
+          <a:noFill/>
+        </p:spPr>
+      </p:pic>
+      <p:pic>
+        <p:nvPicPr>
+          <p:cNvPr id="12" name="Content Placeholder 11">
+            <a:extLst>
+              <a:ext uri="{FF2B5EF4-FFF2-40B4-BE49-F238E27FC236}">
+                <a16:creationId xmlns:a16="http://schemas.microsoft.com/office/drawing/2014/main" id="{16B2ECEE-1F40-41DC-A9A5-03285BA57BF2}"/>
+              </a:ext>
+            </a:extLst>
+          </p:cNvPr>
+          <p:cNvPicPr>
+            <a:picLocks noGrp="1" noChangeAspect="1"/>
+          </p:cNvPicPr>
+          <p:nvPr>
+            <p:ph sz="half" idx="1"/>
+          </p:nvPr>
+        </p:nvPicPr>
+        <p:blipFill>
+          <a:blip r:embed="rId3"/>
+          <a:stretch>
+            <a:fillRect/>
+          </a:stretch>
+        </p:blipFill>
+        <p:spPr>
+          <a:xfrm>
+            <a:off x="481433" y="1438056"/>
+            <a:ext cx="5315320" cy="3805063"/>
+          </a:xfrm>
+          <a:prstGeom prst="rect">
+            <a:avLst/>
+          </a:prstGeom>
+        </p:spPr>
+      </p:pic>
+      <p:sp>
+        <p:nvSpPr>
+          <p:cNvPr id="3" name="TextBox 2">
+            <a:extLst>
+              <a:ext uri="{FF2B5EF4-FFF2-40B4-BE49-F238E27FC236}">
+                <a16:creationId xmlns:a16="http://schemas.microsoft.com/office/drawing/2014/main" id="{A2A777BF-CBF1-4A1E-B235-634D9022AE5D}"/>
+              </a:ext>
+            </a:extLst>
+          </p:cNvPr>
+          <p:cNvSpPr txBox="1"/>
+          <p:nvPr/>
+        </p:nvSpPr>
+        <p:spPr>
+          <a:xfrm>
+            <a:off x="6086583" y="2092228"/>
+            <a:ext cx="1891614" cy="1477328"/>
+          </a:xfrm>
+          <a:prstGeom prst="rect">
+            <a:avLst/>
+          </a:prstGeom>
+          <a:noFill/>
+        </p:spPr>
+        <p:txBody>
+          <a:bodyPr wrap="square" rtlCol="0">
+            <a:spAutoFit/>
+          </a:bodyPr>
+          <a:lstStyle/>
+          <a:p>
+            <a:pPr marL="342900" indent="-342900">
+              <a:buFont typeface="+mj-lt"/>
+              <a:buAutoNum type="arabicPeriod"/>
+            </a:pPr>
+            <a:r>
+              <a:rPr lang="en-US" dirty="0"/>
+              <a:t>Brooklyn</a:t>
+            </a:r>
+          </a:p>
+          <a:p>
+            <a:pPr marL="342900" indent="-342900">
+              <a:buFont typeface="+mj-lt"/>
+              <a:buAutoNum type="arabicPeriod"/>
+            </a:pPr>
+            <a:r>
+              <a:rPr lang="en-US" dirty="0"/>
+              <a:t>Bronx</a:t>
+            </a:r>
+          </a:p>
+          <a:p>
+            <a:pPr marL="342900" indent="-342900">
+              <a:buFont typeface="+mj-lt"/>
+              <a:buAutoNum type="arabicPeriod"/>
+            </a:pPr>
+            <a:r>
+              <a:rPr lang="en-US" dirty="0"/>
+              <a:t>Queens</a:t>
+            </a:r>
+          </a:p>
+          <a:p>
+            <a:pPr marL="342900" indent="-342900">
+              <a:buFont typeface="+mj-lt"/>
+              <a:buAutoNum type="arabicPeriod"/>
+            </a:pPr>
+            <a:r>
+              <a:rPr lang="en-US" dirty="0"/>
+              <a:t>Manhattan</a:t>
+            </a:r>
+          </a:p>
+          <a:p>
+            <a:pPr marL="342900" indent="-342900">
+              <a:buFont typeface="+mj-lt"/>
+              <a:buAutoNum type="arabicPeriod"/>
+            </a:pPr>
+            <a:r>
+              <a:rPr lang="en-US" dirty="0"/>
+              <a:t>Staten Island</a:t>
+            </a:r>
+          </a:p>
+        </p:txBody>
+      </p:sp>
+      <p:pic>
+        <p:nvPicPr>
+          <p:cNvPr id="5" name="Picture 4" descr="A close up of a card&#10;&#10;Description automatically generated">
+            <a:extLst>
+              <a:ext uri="{FF2B5EF4-FFF2-40B4-BE49-F238E27FC236}">
+                <a16:creationId xmlns:a16="http://schemas.microsoft.com/office/drawing/2014/main" id="{410F0076-E563-4346-9B84-FA5D6D45664C}"/>
+              </a:ext>
+            </a:extLst>
+          </p:cNvPr>
+          <p:cNvPicPr>
+            <a:picLocks noChangeAspect="1"/>
+          </p:cNvPicPr>
+          <p:nvPr/>
+        </p:nvPicPr>
+        <p:blipFill>
+          <a:blip r:embed="rId4"/>
+          <a:stretch>
+            <a:fillRect/>
+          </a:stretch>
+        </p:blipFill>
+        <p:spPr>
+          <a:xfrm>
+            <a:off x="8268028" y="1041991"/>
+            <a:ext cx="2985117" cy="2985117"/>
+          </a:xfrm>
+          <a:prstGeom prst="rect">
+            <a:avLst/>
+          </a:prstGeom>
+        </p:spPr>
+      </p:pic>
+    </p:spTree>
+    <p:extLst>
+      <p:ext uri="{BB962C8B-B14F-4D97-AF65-F5344CB8AC3E}">
+        <p14:creationId xmlns:p14="http://schemas.microsoft.com/office/powerpoint/2010/main" val="2289467716"/>
       </p:ext>
     </p:extLst>
   </p:cSld>
@@ -18458,6 +18917,23 @@
 </file>
 
 <file path=customXml/item1.xml><?xml version="1.0" encoding="utf-8"?>
+<?mso-contentType ?>
+<FormTemplates xmlns="http://schemas.microsoft.com/sharepoint/v3/contenttype/forms">
+  <Display>DocumentLibraryForm</Display>
+  <Edit>DocumentLibraryForm</Edit>
+  <New>DocumentLibraryForm</New>
+</FormTemplates>
+</file>
+
+<file path=customXml/item2.xml><?xml version="1.0" encoding="utf-8"?>
+<p:properties xmlns:p="http://schemas.microsoft.com/office/2006/metadata/properties" xmlns:xsi="http://www.w3.org/2001/XMLSchema-instance" xmlns:pc="http://schemas.microsoft.com/office/infopath/2007/PartnerControls">
+  <documentManagement>
+    <MediaServiceKeyPoints xmlns="4fa49e44-086d-46a7-bd81-adcba77b5708" xsi:nil="true"/>
+  </documentManagement>
+</p:properties>
+</file>
+
+<file path=customXml/item3.xml><?xml version="1.0" encoding="utf-8"?>
 <ct:contentTypeSchema xmlns:ct="http://schemas.microsoft.com/office/2006/metadata/contentType" xmlns:ma="http://schemas.microsoft.com/office/2006/metadata/properties/metaAttributes" ct:_="" ma:_="" ma:contentTypeName="Document" ma:contentTypeID="0x010100FDA5BAEB467676479AC3E859EA1A466C" ma:contentTypeVersion="15" ma:contentTypeDescription="Create a new document." ma:contentTypeScope="" ma:versionID="738782ba93dc25d2b85211ba716e3fb5">
   <xsd:schema xmlns:xsd="http://www.w3.org/2001/XMLSchema" xmlns:xs="http://www.w3.org/2001/XMLSchema" xmlns:p="http://schemas.microsoft.com/office/2006/metadata/properties" xmlns:ns3="64e2fe0e-b5e6-42c9-8ae2-dd72a9222937" xmlns:ns4="4fa49e44-086d-46a7-bd81-adcba77b5708" targetNamespace="http://schemas.microsoft.com/office/2006/metadata/properties" ma:root="true" ma:fieldsID="86a985a6003c0cf24bbb95381b9342bf" ns3:_="" ns4:_="">
     <xsd:import namespace="64e2fe0e-b5e6-42c9-8ae2-dd72a9222937"/>
@@ -18694,24 +19170,32 @@
 </ct:contentTypeSchema>
 </file>
 
-<file path=customXml/item2.xml><?xml version="1.0" encoding="utf-8"?>
-<p:properties xmlns:p="http://schemas.microsoft.com/office/2006/metadata/properties" xmlns:xsi="http://www.w3.org/2001/XMLSchema-instance" xmlns:pc="http://schemas.microsoft.com/office/infopath/2007/PartnerControls">
-  <documentManagement>
-    <MediaServiceKeyPoints xmlns="4fa49e44-086d-46a7-bd81-adcba77b5708" xsi:nil="true"/>
-  </documentManagement>
-</p:properties>
+<file path=customXml/itemProps1.xml><?xml version="1.0" encoding="utf-8"?>
+<ds:datastoreItem xmlns:ds="http://schemas.openxmlformats.org/officeDocument/2006/customXml" ds:itemID="{B579702B-25C7-40D7-9E29-7686B11A9660}">
+  <ds:schemaRefs>
+    <ds:schemaRef ds:uri="http://schemas.microsoft.com/sharepoint/v3/contenttype/forms"/>
+  </ds:schemaRefs>
+</ds:datastoreItem>
 </file>
 
-<file path=customXml/item3.xml><?xml version="1.0" encoding="utf-8"?>
-<?mso-contentType ?>
-<FormTemplates xmlns="http://schemas.microsoft.com/sharepoint/v3/contenttype/forms">
-  <Display>DocumentLibraryForm</Display>
-  <Edit>DocumentLibraryForm</Edit>
-  <New>DocumentLibraryForm</New>
-</FormTemplates>
+<file path=customXml/itemProps2.xml><?xml version="1.0" encoding="utf-8"?>
+<ds:datastoreItem xmlns:ds="http://schemas.openxmlformats.org/officeDocument/2006/customXml" ds:itemID="{E7866CFD-F94E-4AE5-ACEA-86FEC0F48A10}">
+  <ds:schemaRefs>
+    <ds:schemaRef ds:uri="http://schemas.microsoft.com/office/2006/documentManagement/types"/>
+    <ds:schemaRef ds:uri="http://purl.org/dc/elements/1.1/"/>
+    <ds:schemaRef ds:uri="http://schemas.microsoft.com/office/2006/metadata/properties"/>
+    <ds:schemaRef ds:uri="http://purl.org/dc/terms/"/>
+    <ds:schemaRef ds:uri="64e2fe0e-b5e6-42c9-8ae2-dd72a9222937"/>
+    <ds:schemaRef ds:uri="4fa49e44-086d-46a7-bd81-adcba77b5708"/>
+    <ds:schemaRef ds:uri="http://purl.org/dc/dcmitype/"/>
+    <ds:schemaRef ds:uri="http://schemas.microsoft.com/office/infopath/2007/PartnerControls"/>
+    <ds:schemaRef ds:uri="http://schemas.openxmlformats.org/package/2006/metadata/core-properties"/>
+    <ds:schemaRef ds:uri="http://www.w3.org/XML/1998/namespace"/>
+  </ds:schemaRefs>
+</ds:datastoreItem>
 </file>
 
-<file path=customXml/itemProps1.xml><?xml version="1.0" encoding="utf-8"?>
+<file path=customXml/itemProps3.xml><?xml version="1.0" encoding="utf-8"?>
 <ds:datastoreItem xmlns:ds="http://schemas.openxmlformats.org/officeDocument/2006/customXml" ds:itemID="{E977C27D-9081-4277-84C8-E3D30B228840}">
   <ds:schemaRefs>
     <ds:schemaRef ds:uri="http://schemas.microsoft.com/office/2006/metadata/contentType"/>
@@ -18728,29 +19212,4 @@
     <ds:schemaRef ds:uri="http://schemas.microsoft.com/internal/obd"/>
   </ds:schemaRefs>
 </ds:datastoreItem>
-</file>
-
-<file path=customXml/itemProps2.xml><?xml version="1.0" encoding="utf-8"?>
-<ds:datastoreItem xmlns:ds="http://schemas.openxmlformats.org/officeDocument/2006/customXml" ds:itemID="{E7866CFD-F94E-4AE5-ACEA-86FEC0F48A10}">
-  <ds:schemaRefs>
-    <ds:schemaRef ds:uri="http://purl.org/dc/terms/"/>
-    <ds:schemaRef ds:uri="64e2fe0e-b5e6-42c9-8ae2-dd72a9222937"/>
-    <ds:schemaRef ds:uri="4fa49e44-086d-46a7-bd81-adcba77b5708"/>
-    <ds:schemaRef ds:uri="http://purl.org/dc/dcmitype/"/>
-    <ds:schemaRef ds:uri="http://schemas.microsoft.com/office/infopath/2007/PartnerControls"/>
-    <ds:schemaRef ds:uri="http://schemas.microsoft.com/office/2006/documentManagement/types"/>
-    <ds:schemaRef ds:uri="http://purl.org/dc/elements/1.1/"/>
-    <ds:schemaRef ds:uri="http://schemas.microsoft.com/office/2006/metadata/properties"/>
-    <ds:schemaRef ds:uri="http://schemas.openxmlformats.org/package/2006/metadata/core-properties"/>
-    <ds:schemaRef ds:uri="http://www.w3.org/XML/1998/namespace"/>
-  </ds:schemaRefs>
-</ds:datastoreItem>
-</file>
-
-<file path=customXml/itemProps3.xml><?xml version="1.0" encoding="utf-8"?>
-<ds:datastoreItem xmlns:ds="http://schemas.openxmlformats.org/officeDocument/2006/customXml" ds:itemID="{B579702B-25C7-40D7-9E29-7686B11A9660}">
-  <ds:schemaRefs>
-    <ds:schemaRef ds:uri="http://schemas.microsoft.com/sharepoint/v3/contenttype/forms"/>
-  </ds:schemaRefs>
-</ds:datastoreItem>
 </file>